--- a/papers/2025plmw.pptx
+++ b/papers/2025plmw.pptx
@@ -391,7 +391,7 @@
             <a:pPr indent="0" algn="r">
               <a:buNone/>
             </a:pPr>
-            <a:fld id="{89FB2B24-C023-40C8-BF03-AB440740C228}" type="slidenum">
+            <a:fld id="{C8B5C7AA-538C-4E9C-A446-B74C1041F8C8}" type="slidenum">
               <a:rPr b="0" lang="en-US" sz="1400" strike="noStrike" u="none">
                 <a:solidFill>
                   <a:srgbClr val="000000"/>
@@ -436,7 +436,7 @@
       </p:grpSpPr>
       <p:sp>
         <p:nvSpPr>
-          <p:cNvPr id="74" name="PlaceHolder 1"/>
+          <p:cNvPr id="76" name="PlaceHolder 1"/>
           <p:cNvSpPr>
             <a:spLocks noGrp="1"/>
           </p:cNvSpPr>
@@ -459,7 +459,7 @@
       </p:sp>
       <p:sp>
         <p:nvSpPr>
-          <p:cNvPr id="75" name="PlaceHolder 2"/>
+          <p:cNvPr id="77" name="PlaceHolder 2"/>
           <p:cNvSpPr>
             <a:spLocks noGrp="1"/>
           </p:cNvSpPr>
@@ -532,7 +532,7 @@
       </p:grpSpPr>
       <p:sp>
         <p:nvSpPr>
-          <p:cNvPr id="92" name="PlaceHolder 1"/>
+          <p:cNvPr id="94" name="PlaceHolder 1"/>
           <p:cNvSpPr>
             <a:spLocks noGrp="1"/>
           </p:cNvSpPr>
@@ -555,7 +555,7 @@
       </p:sp>
       <p:sp>
         <p:nvSpPr>
-          <p:cNvPr id="93" name="PlaceHolder 2"/>
+          <p:cNvPr id="95" name="PlaceHolder 2"/>
           <p:cNvSpPr>
             <a:spLocks noGrp="1"/>
           </p:cNvSpPr>
@@ -734,7 +734,7 @@
       </p:grpSpPr>
       <p:sp>
         <p:nvSpPr>
-          <p:cNvPr id="94" name="PlaceHolder 1"/>
+          <p:cNvPr id="96" name="PlaceHolder 1"/>
           <p:cNvSpPr>
             <a:spLocks noGrp="1"/>
           </p:cNvSpPr>
@@ -757,7 +757,7 @@
       </p:sp>
       <p:sp>
         <p:nvSpPr>
-          <p:cNvPr id="95" name="PlaceHolder 2"/>
+          <p:cNvPr id="97" name="PlaceHolder 2"/>
           <p:cNvSpPr>
             <a:spLocks noGrp="1"/>
           </p:cNvSpPr>
@@ -954,7 +954,7 @@
       </p:grpSpPr>
       <p:sp>
         <p:nvSpPr>
-          <p:cNvPr id="96" name="PlaceHolder 1"/>
+          <p:cNvPr id="98" name="PlaceHolder 1"/>
           <p:cNvSpPr>
             <a:spLocks noGrp="1"/>
           </p:cNvSpPr>
@@ -977,7 +977,7 @@
       </p:sp>
       <p:sp>
         <p:nvSpPr>
-          <p:cNvPr id="97" name="PlaceHolder 2"/>
+          <p:cNvPr id="99" name="PlaceHolder 2"/>
           <p:cNvSpPr>
             <a:spLocks noGrp="1"/>
           </p:cNvSpPr>
@@ -1150,7 +1150,7 @@
       </p:grpSpPr>
       <p:sp>
         <p:nvSpPr>
-          <p:cNvPr id="98" name="PlaceHolder 1"/>
+          <p:cNvPr id="100" name="PlaceHolder 1"/>
           <p:cNvSpPr>
             <a:spLocks noGrp="1"/>
           </p:cNvSpPr>
@@ -1173,7 +1173,7 @@
       </p:sp>
       <p:sp>
         <p:nvSpPr>
-          <p:cNvPr id="99" name="PlaceHolder 2"/>
+          <p:cNvPr id="101" name="PlaceHolder 2"/>
           <p:cNvSpPr>
             <a:spLocks noGrp="1"/>
           </p:cNvSpPr>
@@ -1382,7 +1382,7 @@
       </p:grpSpPr>
       <p:sp>
         <p:nvSpPr>
-          <p:cNvPr id="100" name="PlaceHolder 1"/>
+          <p:cNvPr id="102" name="PlaceHolder 1"/>
           <p:cNvSpPr>
             <a:spLocks noGrp="1"/>
           </p:cNvSpPr>
@@ -1405,7 +1405,7 @@
       </p:sp>
       <p:sp>
         <p:nvSpPr>
-          <p:cNvPr id="101" name="PlaceHolder 2"/>
+          <p:cNvPr id="103" name="PlaceHolder 2"/>
           <p:cNvSpPr>
             <a:spLocks noGrp="1"/>
           </p:cNvSpPr>
@@ -1524,7 +1524,7 @@
       </p:grpSpPr>
       <p:sp>
         <p:nvSpPr>
-          <p:cNvPr id="102" name="PlaceHolder 1"/>
+          <p:cNvPr id="104" name="PlaceHolder 1"/>
           <p:cNvSpPr>
             <a:spLocks noGrp="1"/>
           </p:cNvSpPr>
@@ -1547,7 +1547,7 @@
       </p:sp>
       <p:sp>
         <p:nvSpPr>
-          <p:cNvPr id="103" name="PlaceHolder 2"/>
+          <p:cNvPr id="105" name="PlaceHolder 2"/>
           <p:cNvSpPr>
             <a:spLocks noGrp="1"/>
           </p:cNvSpPr>
@@ -1708,7 +1708,7 @@
       </p:grpSpPr>
       <p:sp>
         <p:nvSpPr>
-          <p:cNvPr id="104" name="PlaceHolder 1"/>
+          <p:cNvPr id="106" name="PlaceHolder 1"/>
           <p:cNvSpPr>
             <a:spLocks noGrp="1"/>
           </p:cNvSpPr>
@@ -1731,7 +1731,7 @@
       </p:sp>
       <p:sp>
         <p:nvSpPr>
-          <p:cNvPr id="105" name="PlaceHolder 2"/>
+          <p:cNvPr id="107" name="PlaceHolder 2"/>
           <p:cNvSpPr>
             <a:spLocks noGrp="1"/>
           </p:cNvSpPr>
@@ -1992,7 +1992,7 @@
       </p:grpSpPr>
       <p:sp>
         <p:nvSpPr>
-          <p:cNvPr id="106" name="PlaceHolder 1"/>
+          <p:cNvPr id="108" name="PlaceHolder 1"/>
           <p:cNvSpPr>
             <a:spLocks noGrp="1"/>
           </p:cNvSpPr>
@@ -2015,7 +2015,7 @@
       </p:sp>
       <p:sp>
         <p:nvSpPr>
-          <p:cNvPr id="107" name="PlaceHolder 2"/>
+          <p:cNvPr id="109" name="PlaceHolder 2"/>
           <p:cNvSpPr>
             <a:spLocks noGrp="1"/>
           </p:cNvSpPr>
@@ -2052,41 +2052,63 @@
                 <a:uFillTx/>
                 <a:latin typeface="Arial"/>
               </a:rPr>
-              <a:t>most controversial point</a:t>
-            </a:r>
-            <a:endParaRPr b="0" lang="en-US" sz="2000" strike="noStrike" u="none">
-              <a:solidFill>
-                <a:srgbClr val="000000"/>
-              </a:solidFill>
-              <a:uFillTx/>
-              <a:latin typeface="Arial"/>
-            </a:endParaRPr>
-          </a:p>
-          <a:p>
-            <a:pPr marL="216000" indent="-216000">
-              <a:buNone/>
-            </a:pPr>
-            <a:endParaRPr b="0" lang="en-US" sz="2000" strike="noStrike" u="none">
-              <a:solidFill>
-                <a:srgbClr val="000000"/>
-              </a:solidFill>
-              <a:uFillTx/>
-              <a:latin typeface="Arial"/>
-            </a:endParaRPr>
-          </a:p>
-          <a:p>
-            <a:pPr marL="216000" indent="-216000">
-              <a:buNone/>
-            </a:pPr>
-            <a:r>
-              <a:rPr b="0" lang="en-US" sz="2000" strike="noStrike" u="none">
-                <a:solidFill>
-                  <a:srgbClr val="000000"/>
-                </a:solidFill>
-                <a:uFillTx/>
-                <a:latin typeface="Arial"/>
-              </a:rPr>
               <a:t>I don't know if you've noticed, but we're not just dorks---we're people. People like to have fun. Did you know your talk can be fun?</a:t>
+            </a:r>
+            <a:endParaRPr b="0" lang="en-US" sz="2000" strike="noStrike" u="none">
+              <a:solidFill>
+                <a:srgbClr val="000000"/>
+              </a:solidFill>
+              <a:uFillTx/>
+              <a:latin typeface="Arial"/>
+            </a:endParaRPr>
+          </a:p>
+          <a:p>
+            <a:pPr marL="216000" indent="-216000">
+              <a:buNone/>
+            </a:pPr>
+            <a:endParaRPr b="0" lang="en-US" sz="2000" strike="noStrike" u="none">
+              <a:solidFill>
+                <a:srgbClr val="000000"/>
+              </a:solidFill>
+              <a:uFillTx/>
+              <a:latin typeface="Arial"/>
+            </a:endParaRPr>
+          </a:p>
+          <a:p>
+            <a:pPr marL="216000" indent="-216000">
+              <a:buNone/>
+            </a:pPr>
+            <a:r>
+              <a:rPr b="0" lang="en-US" sz="2000" strike="noStrike" u="none">
+                <a:solidFill>
+                  <a:srgbClr val="000000"/>
+                </a:solidFill>
+                <a:uFillTx/>
+                <a:latin typeface="Arial"/>
+              </a:rPr>
+              <a:t>most controversial point. but you are competing for attention!</a:t>
+            </a:r>
+            <a:endParaRPr b="0" lang="en-US" sz="2000" strike="noStrike" u="none">
+              <a:solidFill>
+                <a:srgbClr val="000000"/>
+              </a:solidFill>
+              <a:uFillTx/>
+              <a:latin typeface="Arial"/>
+            </a:endParaRPr>
+          </a:p>
+          <a:p>
+            <a:pPr marL="216000" indent="-216000">
+              <a:buNone/>
+            </a:pPr>
+            <a:r>
+              <a:rPr b="0" lang="en-US" sz="2000" strike="noStrike" u="none">
+                <a:solidFill>
+                  <a:srgbClr val="000000"/>
+                </a:solidFill>
+                <a:uFillTx/>
+                <a:latin typeface="Arial"/>
+              </a:rPr>
+              <a:t>entertainment is a tool you can use for that</a:t>
             </a:r>
             <a:endParaRPr b="0" lang="en-US" sz="2000" strike="noStrike" u="none">
               <a:solidFill>
@@ -2122,7 +2144,7 @@
       </p:grpSpPr>
       <p:sp>
         <p:nvSpPr>
-          <p:cNvPr id="108" name="PlaceHolder 1"/>
+          <p:cNvPr id="110" name="PlaceHolder 1"/>
           <p:cNvSpPr>
             <a:spLocks noGrp="1"/>
           </p:cNvSpPr>
@@ -2145,7 +2167,7 @@
       </p:sp>
       <p:sp>
         <p:nvSpPr>
-          <p:cNvPr id="109" name="PlaceHolder 2"/>
+          <p:cNvPr id="111" name="PlaceHolder 2"/>
           <p:cNvSpPr>
             <a:spLocks noGrp="1"/>
           </p:cNvSpPr>
@@ -2230,7 +2252,7 @@
       </p:grpSpPr>
       <p:sp>
         <p:nvSpPr>
-          <p:cNvPr id="110" name="PlaceHolder 1"/>
+          <p:cNvPr id="112" name="PlaceHolder 1"/>
           <p:cNvSpPr>
             <a:spLocks noGrp="1"/>
           </p:cNvSpPr>
@@ -2253,7 +2275,7 @@
       </p:sp>
       <p:sp>
         <p:nvSpPr>
-          <p:cNvPr id="111" name="PlaceHolder 2"/>
+          <p:cNvPr id="113" name="PlaceHolder 2"/>
           <p:cNvSpPr>
             <a:spLocks noGrp="1"/>
           </p:cNvSpPr>
@@ -2360,7 +2382,7 @@
       </p:grpSpPr>
       <p:sp>
         <p:nvSpPr>
-          <p:cNvPr id="76" name="PlaceHolder 1"/>
+          <p:cNvPr id="78" name="PlaceHolder 1"/>
           <p:cNvSpPr>
             <a:spLocks noGrp="1"/>
           </p:cNvSpPr>
@@ -2383,7 +2405,7 @@
       </p:sp>
       <p:sp>
         <p:nvSpPr>
-          <p:cNvPr id="77" name="PlaceHolder 2"/>
+          <p:cNvPr id="79" name="PlaceHolder 2"/>
           <p:cNvSpPr>
             <a:spLocks noGrp="1"/>
           </p:cNvSpPr>
@@ -2524,7 +2546,7 @@
       </p:grpSpPr>
       <p:sp>
         <p:nvSpPr>
-          <p:cNvPr id="112" name="PlaceHolder 1"/>
+          <p:cNvPr id="114" name="PlaceHolder 1"/>
           <p:cNvSpPr>
             <a:spLocks noGrp="1"/>
           </p:cNvSpPr>
@@ -2547,7 +2569,7 @@
       </p:sp>
       <p:sp>
         <p:nvSpPr>
-          <p:cNvPr id="113" name="PlaceHolder 2"/>
+          <p:cNvPr id="115" name="PlaceHolder 2"/>
           <p:cNvSpPr>
             <a:spLocks noGrp="1"/>
           </p:cNvSpPr>
@@ -2632,7 +2654,7 @@
       </p:grpSpPr>
       <p:sp>
         <p:nvSpPr>
-          <p:cNvPr id="114" name="PlaceHolder 1"/>
+          <p:cNvPr id="116" name="PlaceHolder 1"/>
           <p:cNvSpPr>
             <a:spLocks noGrp="1"/>
           </p:cNvSpPr>
@@ -2655,7 +2677,7 @@
       </p:sp>
       <p:sp>
         <p:nvSpPr>
-          <p:cNvPr id="115" name="PlaceHolder 2"/>
+          <p:cNvPr id="117" name="PlaceHolder 2"/>
           <p:cNvSpPr>
             <a:spLocks noGrp="1"/>
           </p:cNvSpPr>
@@ -2796,7 +2818,7 @@
       </p:grpSpPr>
       <p:sp>
         <p:nvSpPr>
-          <p:cNvPr id="116" name="PlaceHolder 1"/>
+          <p:cNvPr id="118" name="PlaceHolder 1"/>
           <p:cNvSpPr>
             <a:spLocks noGrp="1"/>
           </p:cNvSpPr>
@@ -2819,7 +2841,7 @@
       </p:sp>
       <p:sp>
         <p:nvSpPr>
-          <p:cNvPr id="117" name="PlaceHolder 2"/>
+          <p:cNvPr id="119" name="PlaceHolder 2"/>
           <p:cNvSpPr>
             <a:spLocks noGrp="1"/>
           </p:cNvSpPr>
@@ -2904,7 +2926,7 @@
       </p:grpSpPr>
       <p:sp>
         <p:nvSpPr>
-          <p:cNvPr id="118" name="PlaceHolder 1"/>
+          <p:cNvPr id="120" name="PlaceHolder 1"/>
           <p:cNvSpPr>
             <a:spLocks noGrp="1"/>
           </p:cNvSpPr>
@@ -2927,7 +2949,7 @@
       </p:sp>
       <p:sp>
         <p:nvSpPr>
-          <p:cNvPr id="119" name="PlaceHolder 2"/>
+          <p:cNvPr id="121" name="PlaceHolder 2"/>
           <p:cNvSpPr>
             <a:spLocks noGrp="1"/>
           </p:cNvSpPr>
@@ -3034,7 +3056,7 @@
       </p:grpSpPr>
       <p:sp>
         <p:nvSpPr>
-          <p:cNvPr id="120" name="PlaceHolder 1"/>
+          <p:cNvPr id="122" name="PlaceHolder 1"/>
           <p:cNvSpPr>
             <a:spLocks noGrp="1"/>
           </p:cNvSpPr>
@@ -3057,7 +3079,7 @@
       </p:sp>
       <p:sp>
         <p:nvSpPr>
-          <p:cNvPr id="121" name="PlaceHolder 2"/>
+          <p:cNvPr id="123" name="PlaceHolder 2"/>
           <p:cNvSpPr>
             <a:spLocks noGrp="1"/>
           </p:cNvSpPr>
@@ -3264,7 +3286,7 @@
       </p:grpSpPr>
       <p:sp>
         <p:nvSpPr>
-          <p:cNvPr id="122" name="PlaceHolder 1"/>
+          <p:cNvPr id="124" name="PlaceHolder 1"/>
           <p:cNvSpPr>
             <a:spLocks noGrp="1"/>
           </p:cNvSpPr>
@@ -3287,7 +3309,7 @@
       </p:sp>
       <p:sp>
         <p:nvSpPr>
-          <p:cNvPr id="123" name="PlaceHolder 2"/>
+          <p:cNvPr id="125" name="PlaceHolder 2"/>
           <p:cNvSpPr>
             <a:spLocks noGrp="1"/>
           </p:cNvSpPr>
@@ -3360,7 +3382,7 @@
       </p:grpSpPr>
       <p:sp>
         <p:nvSpPr>
-          <p:cNvPr id="124" name="PlaceHolder 1"/>
+          <p:cNvPr id="126" name="PlaceHolder 1"/>
           <p:cNvSpPr>
             <a:spLocks noGrp="1"/>
           </p:cNvSpPr>
@@ -3383,7 +3405,7 @@
       </p:sp>
       <p:sp>
         <p:nvSpPr>
-          <p:cNvPr id="125" name="PlaceHolder 2"/>
+          <p:cNvPr id="127" name="PlaceHolder 2"/>
           <p:cNvSpPr>
             <a:spLocks noGrp="1"/>
           </p:cNvSpPr>
@@ -3556,7 +3578,7 @@
       </p:grpSpPr>
       <p:sp>
         <p:nvSpPr>
-          <p:cNvPr id="126" name="PlaceHolder 1"/>
+          <p:cNvPr id="128" name="PlaceHolder 1"/>
           <p:cNvSpPr>
             <a:spLocks noGrp="1"/>
           </p:cNvSpPr>
@@ -3579,7 +3601,7 @@
       </p:sp>
       <p:sp>
         <p:nvSpPr>
-          <p:cNvPr id="127" name="PlaceHolder 2"/>
+          <p:cNvPr id="129" name="PlaceHolder 2"/>
           <p:cNvSpPr>
             <a:spLocks noGrp="1"/>
           </p:cNvSpPr>
@@ -3616,29 +3638,29 @@
                 <a:uFillTx/>
                 <a:latin typeface="Arial"/>
               </a:rPr>
-              <a:t>There's no shortage of advice on how to structure your narrative. Lots of ways to do it.</a:t>
-            </a:r>
-            <a:endParaRPr b="0" lang="en-US" sz="2000" strike="noStrike" u="none">
-              <a:solidFill>
-                <a:srgbClr val="000000"/>
-              </a:solidFill>
-              <a:uFillTx/>
-              <a:latin typeface="Arial"/>
-            </a:endParaRPr>
-          </a:p>
-          <a:p>
-            <a:pPr marL="216000" indent="-216000">
-              <a:buNone/>
-            </a:pPr>
-            <a:r>
-              <a:rPr b="0" lang="en-US" sz="2000" strike="noStrike" u="none">
-                <a:solidFill>
-                  <a:srgbClr val="000000"/>
-                </a:solidFill>
-                <a:uFillTx/>
-                <a:latin typeface="Arial"/>
-              </a:rPr>
-              <a:t>If there's time at the end, I can work some examples. but I can give some guidelines now</a:t>
+              <a:t>There's no shortage of advice on how to structure your narrative. Lots of ways to do it. Check out Neel’s talk.</a:t>
+            </a:r>
+            <a:endParaRPr b="0" lang="en-US" sz="2000" strike="noStrike" u="none">
+              <a:solidFill>
+                <a:srgbClr val="000000"/>
+              </a:solidFill>
+              <a:uFillTx/>
+              <a:latin typeface="Arial"/>
+            </a:endParaRPr>
+          </a:p>
+          <a:p>
+            <a:pPr marL="216000" indent="-216000">
+              <a:buNone/>
+            </a:pPr>
+            <a:r>
+              <a:rPr b="0" lang="en-US" sz="2000" strike="noStrike" u="none">
+                <a:solidFill>
+                  <a:srgbClr val="000000"/>
+                </a:solidFill>
+                <a:uFillTx/>
+                <a:latin typeface="Arial"/>
+              </a:rPr>
+              <a:t>I can give some guidelines now</a:t>
             </a:r>
             <a:endParaRPr b="0" lang="en-US" sz="2000" strike="noStrike" u="none">
               <a:solidFill>
@@ -3686,7 +3708,7 @@
       </p:grpSpPr>
       <p:sp>
         <p:nvSpPr>
-          <p:cNvPr id="128" name="PlaceHolder 1"/>
+          <p:cNvPr id="130" name="PlaceHolder 1"/>
           <p:cNvSpPr>
             <a:spLocks noGrp="1"/>
           </p:cNvSpPr>
@@ -3709,7 +3731,7 @@
       </p:sp>
       <p:sp>
         <p:nvSpPr>
-          <p:cNvPr id="129" name="PlaceHolder 2"/>
+          <p:cNvPr id="131" name="PlaceHolder 2"/>
           <p:cNvSpPr>
             <a:spLocks noGrp="1"/>
           </p:cNvSpPr>
@@ -3892,7 +3914,7 @@
       </p:grpSpPr>
       <p:sp>
         <p:nvSpPr>
-          <p:cNvPr id="130" name="PlaceHolder 1"/>
+          <p:cNvPr id="132" name="PlaceHolder 1"/>
           <p:cNvSpPr>
             <a:spLocks noGrp="1"/>
           </p:cNvSpPr>
@@ -3915,7 +3937,7 @@
       </p:sp>
       <p:sp>
         <p:nvSpPr>
-          <p:cNvPr id="131" name="PlaceHolder 2"/>
+          <p:cNvPr id="133" name="PlaceHolder 2"/>
           <p:cNvSpPr>
             <a:spLocks noGrp="1"/>
           </p:cNvSpPr>
@@ -4091,7 +4113,7 @@
       </p:grpSpPr>
       <p:sp>
         <p:nvSpPr>
-          <p:cNvPr id="78" name="PlaceHolder 1"/>
+          <p:cNvPr id="80" name="PlaceHolder 1"/>
           <p:cNvSpPr>
             <a:spLocks noGrp="1"/>
           </p:cNvSpPr>
@@ -4114,7 +4136,7 @@
       </p:sp>
       <p:sp>
         <p:nvSpPr>
-          <p:cNvPr id="79" name="PlaceHolder 2"/>
+          <p:cNvPr id="81" name="PlaceHolder 2"/>
           <p:cNvSpPr>
             <a:spLocks noGrp="1"/>
           </p:cNvSpPr>
@@ -4240,7 +4262,7 @@
       </p:grpSpPr>
       <p:sp>
         <p:nvSpPr>
-          <p:cNvPr id="132" name="PlaceHolder 1"/>
+          <p:cNvPr id="134" name="PlaceHolder 1"/>
           <p:cNvSpPr>
             <a:spLocks noGrp="1"/>
           </p:cNvSpPr>
@@ -4263,7 +4285,7 @@
       </p:sp>
       <p:sp>
         <p:nvSpPr>
-          <p:cNvPr id="133" name="PlaceHolder 2"/>
+          <p:cNvPr id="135" name="PlaceHolder 2"/>
           <p:cNvSpPr>
             <a:spLocks noGrp="1"/>
           </p:cNvSpPr>
@@ -4492,7 +4514,7 @@
       </p:grpSpPr>
       <p:sp>
         <p:nvSpPr>
-          <p:cNvPr id="134" name="PlaceHolder 1"/>
+          <p:cNvPr id="136" name="PlaceHolder 1"/>
           <p:cNvSpPr>
             <a:spLocks noGrp="1"/>
           </p:cNvSpPr>
@@ -4515,7 +4537,7 @@
       </p:sp>
       <p:sp>
         <p:nvSpPr>
-          <p:cNvPr id="135" name="PlaceHolder 2"/>
+          <p:cNvPr id="137" name="PlaceHolder 2"/>
           <p:cNvSpPr>
             <a:spLocks noGrp="1"/>
           </p:cNvSpPr>
@@ -4552,239 +4574,29 @@
                 <a:uFillTx/>
                 <a:latin typeface="Arial"/>
               </a:rPr>
-              <a:t>Value is not just money.</a:t>
-            </a:r>
-            <a:endParaRPr b="0" lang="en-US" sz="2000" strike="noStrike" u="none">
-              <a:solidFill>
-                <a:srgbClr val="000000"/>
-              </a:solidFill>
-              <a:uFillTx/>
-              <a:latin typeface="Arial"/>
-            </a:endParaRPr>
-          </a:p>
-          <a:p>
-            <a:pPr marL="216000" indent="-216000">
-              <a:buNone/>
-            </a:pPr>
-            <a:r>
-              <a:rPr b="0" lang="en-US" sz="2000" strike="noStrike" u="none">
-                <a:solidFill>
-                  <a:srgbClr val="000000"/>
-                </a:solidFill>
-                <a:uFillTx/>
-                <a:latin typeface="Arial"/>
-              </a:rPr>
-              <a:t>We assign _value_ to the things we care about.</a:t>
-            </a:r>
-            <a:endParaRPr b="0" lang="en-US" sz="2000" strike="noStrike" u="none">
-              <a:solidFill>
-                <a:srgbClr val="000000"/>
-              </a:solidFill>
-              <a:uFillTx/>
-              <a:latin typeface="Arial"/>
-            </a:endParaRPr>
-          </a:p>
-          <a:p>
-            <a:pPr marL="216000" indent="-216000">
-              <a:buNone/>
-            </a:pPr>
-            <a:endParaRPr b="0" lang="en-US" sz="2000" strike="noStrike" u="none">
-              <a:solidFill>
-                <a:srgbClr val="000000"/>
-              </a:solidFill>
-              <a:uFillTx/>
-              <a:latin typeface="Arial"/>
-            </a:endParaRPr>
-          </a:p>
-          <a:p>
-            <a:pPr marL="216000" indent="-216000">
-              <a:buNone/>
-            </a:pPr>
-            <a:r>
-              <a:rPr b="0" lang="en-US" sz="2000" strike="noStrike" u="none">
-                <a:solidFill>
-                  <a:srgbClr val="000000"/>
-                </a:solidFill>
-                <a:uFillTx/>
-                <a:latin typeface="Arial"/>
-              </a:rPr>
-              <a:t>it is a hard truth that, in general, people do not care.</a:t>
-            </a:r>
-            <a:endParaRPr b="0" lang="en-US" sz="2000" strike="noStrike" u="none">
-              <a:solidFill>
-                <a:srgbClr val="000000"/>
-              </a:solidFill>
-              <a:uFillTx/>
-              <a:latin typeface="Arial"/>
-            </a:endParaRPr>
-          </a:p>
-          <a:p>
-            <a:pPr marL="216000" indent="-216000">
-              <a:buNone/>
-            </a:pPr>
-            <a:r>
-              <a:rPr b="0" lang="en-US" sz="2000" strike="noStrike" u="none">
-                <a:solidFill>
-                  <a:srgbClr val="000000"/>
-                </a:solidFill>
-                <a:uFillTx/>
-                <a:latin typeface="Arial"/>
-              </a:rPr>
-              <a:t>making people care is hard!</a:t>
-            </a:r>
-            <a:endParaRPr b="0" lang="en-US" sz="2000" strike="noStrike" u="none">
-              <a:solidFill>
-                <a:srgbClr val="000000"/>
-              </a:solidFill>
-              <a:uFillTx/>
-              <a:latin typeface="Arial"/>
-            </a:endParaRPr>
-          </a:p>
-          <a:p>
-            <a:pPr marL="216000" indent="-216000">
-              <a:buNone/>
-            </a:pPr>
-            <a:endParaRPr b="0" lang="en-US" sz="2000" strike="noStrike" u="none">
-              <a:solidFill>
-                <a:srgbClr val="000000"/>
-              </a:solidFill>
-              <a:uFillTx/>
-              <a:latin typeface="Arial"/>
-            </a:endParaRPr>
-          </a:p>
-          <a:p>
-            <a:pPr marL="216000" indent="-216000">
-              <a:buNone/>
-            </a:pPr>
-            <a:r>
-              <a:rPr b="0" lang="en-US" sz="2000" strike="noStrike" u="none">
-                <a:solidFill>
-                  <a:srgbClr val="000000"/>
-                </a:solidFill>
-                <a:uFillTx/>
-                <a:latin typeface="Arial"/>
-              </a:rPr>
-              <a:t>a “good” talk is a </a:t>
-            </a:r>
-            <a:r>
-              <a:rPr b="0" i="1" lang="en-US" sz="2000" strike="noStrike" u="none">
-                <a:solidFill>
-                  <a:srgbClr val="000000"/>
-                </a:solidFill>
-                <a:uFillTx/>
-                <a:latin typeface="Arial"/>
-              </a:rPr>
-              <a:t>valuable </a:t>
-            </a:r>
-            <a:r>
-              <a:rPr b="0" lang="en-US" sz="2000" strike="noStrike" u="none">
-                <a:solidFill>
-                  <a:srgbClr val="000000"/>
-                </a:solidFill>
-                <a:uFillTx/>
-                <a:latin typeface="Arial"/>
-              </a:rPr>
-              <a:t>talk.</a:t>
-            </a:r>
-            <a:endParaRPr b="0" lang="en-US" sz="2000" strike="noStrike" u="none">
-              <a:solidFill>
-                <a:srgbClr val="000000"/>
-              </a:solidFill>
-              <a:uFillTx/>
-              <a:latin typeface="Arial"/>
-            </a:endParaRPr>
-          </a:p>
-          <a:p>
-            <a:pPr marL="216000" indent="-216000">
-              <a:buNone/>
-            </a:pPr>
-            <a:r>
-              <a:rPr b="0" lang="en-US" sz="2000" strike="noStrike" u="none">
-                <a:solidFill>
-                  <a:srgbClr val="000000"/>
-                </a:solidFill>
-                <a:uFillTx/>
-                <a:latin typeface="Arial"/>
-              </a:rPr>
-              <a:t>it provides value. the audience values it.</a:t>
-            </a:r>
-            <a:endParaRPr b="0" lang="en-US" sz="2000" strike="noStrike" u="none">
-              <a:solidFill>
-                <a:srgbClr val="000000"/>
-              </a:solidFill>
-              <a:uFillTx/>
-              <a:latin typeface="Arial"/>
-            </a:endParaRPr>
-          </a:p>
-          <a:p>
-            <a:pPr marL="216000" indent="-216000">
-              <a:buNone/>
-            </a:pPr>
-            <a:endParaRPr b="0" lang="en-US" sz="2000" strike="noStrike" u="none">
-              <a:solidFill>
-                <a:srgbClr val="000000"/>
-              </a:solidFill>
-              <a:uFillTx/>
-              <a:latin typeface="Arial"/>
-            </a:endParaRPr>
-          </a:p>
-          <a:p>
-            <a:pPr marL="216000" indent="-216000">
-              <a:buNone/>
-            </a:pPr>
-            <a:r>
-              <a:rPr b="0" lang="en-US" sz="2000" strike="noStrike" u="none">
-                <a:solidFill>
-                  <a:srgbClr val="000000"/>
-                </a:solidFill>
-                <a:uFillTx/>
-                <a:latin typeface="Arial"/>
-              </a:rPr>
-              <a:t>Technical research claims value through its contributions.</a:t>
-            </a:r>
-            <a:endParaRPr b="0" lang="en-US" sz="2000" strike="noStrike" u="none">
-              <a:solidFill>
-                <a:srgbClr val="000000"/>
-              </a:solidFill>
-              <a:uFillTx/>
-              <a:latin typeface="Arial"/>
-            </a:endParaRPr>
-          </a:p>
-          <a:p>
-            <a:pPr marL="216000" indent="-216000">
-              <a:buNone/>
-            </a:pPr>
-            <a:r>
-              <a:rPr b="0" lang="en-US" sz="2000" strike="noStrike" u="none">
-                <a:solidFill>
-                  <a:srgbClr val="000000"/>
-                </a:solidFill>
-                <a:uFillTx/>
-                <a:latin typeface="Arial"/>
-              </a:rPr>
-              <a:t>Literally: what value is it contributing?</a:t>
-            </a:r>
-            <a:endParaRPr b="0" lang="en-US" sz="2000" strike="noStrike" u="none">
-              <a:solidFill>
-                <a:srgbClr val="000000"/>
-              </a:solidFill>
-              <a:uFillTx/>
-              <a:latin typeface="Arial"/>
-            </a:endParaRPr>
-          </a:p>
-          <a:p>
-            <a:pPr marL="216000" indent="-216000">
-              <a:buNone/>
-            </a:pPr>
-            <a:r>
-              <a:rPr b="0" lang="en-US" sz="2000" strike="noStrike" u="none">
-                <a:solidFill>
-                  <a:srgbClr val="000000"/>
-                </a:solidFill>
-                <a:uFillTx/>
-                <a:latin typeface="Arial"/>
-              </a:rPr>
-              <a:t>Every technical paper should say this, explicitly.</a:t>
+              <a:t>this next bit isn’t really just about talks, but about everything we do.</a:t>
+            </a:r>
+            <a:endParaRPr b="0" lang="en-US" sz="2000" strike="noStrike" u="none">
+              <a:solidFill>
+                <a:srgbClr val="000000"/>
+              </a:solidFill>
+              <a:uFillTx/>
+              <a:latin typeface="Arial"/>
+            </a:endParaRPr>
+          </a:p>
+          <a:p>
+            <a:pPr marL="216000" indent="-216000">
+              <a:buNone/>
+            </a:pPr>
+            <a:r>
+              <a:rPr b="0" lang="en-US" sz="2000" strike="noStrike" u="none">
+                <a:solidFill>
+                  <a:srgbClr val="000000"/>
+                </a:solidFill>
+                <a:uFillTx/>
+                <a:latin typeface="Arial"/>
+              </a:rPr>
+              <a:t>speaking, writing, choosing what to work on. everything.</a:t>
             </a:r>
             <a:endParaRPr b="0" lang="en-US" sz="2000" strike="noStrike" u="none">
               <a:solidFill>
@@ -4820,7 +4632,7 @@
       </p:grpSpPr>
       <p:sp>
         <p:nvSpPr>
-          <p:cNvPr id="136" name="PlaceHolder 1"/>
+          <p:cNvPr id="138" name="PlaceHolder 1"/>
           <p:cNvSpPr>
             <a:spLocks noGrp="1"/>
           </p:cNvSpPr>
@@ -4843,7 +4655,7 @@
       </p:sp>
       <p:sp>
         <p:nvSpPr>
-          <p:cNvPr id="137" name="PlaceHolder 2"/>
+          <p:cNvPr id="139" name="PlaceHolder 2"/>
           <p:cNvSpPr>
             <a:spLocks noGrp="1"/>
           </p:cNvSpPr>
@@ -4880,29 +4692,239 @@
                 <a:uFillTx/>
                 <a:latin typeface="Arial"/>
               </a:rPr>
-              <a:t>this next bit isn’t really just about talks, but about everything we do.</a:t>
-            </a:r>
-            <a:endParaRPr b="0" lang="en-US" sz="2000" strike="noStrike" u="none">
-              <a:solidFill>
-                <a:srgbClr val="000000"/>
-              </a:solidFill>
-              <a:uFillTx/>
-              <a:latin typeface="Arial"/>
-            </a:endParaRPr>
-          </a:p>
-          <a:p>
-            <a:pPr marL="216000" indent="-216000">
-              <a:buNone/>
-            </a:pPr>
-            <a:r>
-              <a:rPr b="0" lang="en-US" sz="2000" strike="noStrike" u="none">
-                <a:solidFill>
-                  <a:srgbClr val="000000"/>
-                </a:solidFill>
-                <a:uFillTx/>
-                <a:latin typeface="Arial"/>
-              </a:rPr>
-              <a:t>speaking, writing, choosing what to work on. everything.</a:t>
+              <a:t>Value is not just money.</a:t>
+            </a:r>
+            <a:endParaRPr b="0" lang="en-US" sz="2000" strike="noStrike" u="none">
+              <a:solidFill>
+                <a:srgbClr val="000000"/>
+              </a:solidFill>
+              <a:uFillTx/>
+              <a:latin typeface="Arial"/>
+            </a:endParaRPr>
+          </a:p>
+          <a:p>
+            <a:pPr marL="216000" indent="-216000">
+              <a:buNone/>
+            </a:pPr>
+            <a:r>
+              <a:rPr b="0" lang="en-US" sz="2000" strike="noStrike" u="none">
+                <a:solidFill>
+                  <a:srgbClr val="000000"/>
+                </a:solidFill>
+                <a:uFillTx/>
+                <a:latin typeface="Arial"/>
+              </a:rPr>
+              <a:t>We assign _value_ to the things we care about.</a:t>
+            </a:r>
+            <a:endParaRPr b="0" lang="en-US" sz="2000" strike="noStrike" u="none">
+              <a:solidFill>
+                <a:srgbClr val="000000"/>
+              </a:solidFill>
+              <a:uFillTx/>
+              <a:latin typeface="Arial"/>
+            </a:endParaRPr>
+          </a:p>
+          <a:p>
+            <a:pPr marL="216000" indent="-216000">
+              <a:buNone/>
+            </a:pPr>
+            <a:endParaRPr b="0" lang="en-US" sz="2000" strike="noStrike" u="none">
+              <a:solidFill>
+                <a:srgbClr val="000000"/>
+              </a:solidFill>
+              <a:uFillTx/>
+              <a:latin typeface="Arial"/>
+            </a:endParaRPr>
+          </a:p>
+          <a:p>
+            <a:pPr marL="216000" indent="-216000">
+              <a:buNone/>
+            </a:pPr>
+            <a:r>
+              <a:rPr b="0" lang="en-US" sz="2000" strike="noStrike" u="none">
+                <a:solidFill>
+                  <a:srgbClr val="000000"/>
+                </a:solidFill>
+                <a:uFillTx/>
+                <a:latin typeface="Arial"/>
+              </a:rPr>
+              <a:t>it is a hard truth that, in general, people do not care.</a:t>
+            </a:r>
+            <a:endParaRPr b="0" lang="en-US" sz="2000" strike="noStrike" u="none">
+              <a:solidFill>
+                <a:srgbClr val="000000"/>
+              </a:solidFill>
+              <a:uFillTx/>
+              <a:latin typeface="Arial"/>
+            </a:endParaRPr>
+          </a:p>
+          <a:p>
+            <a:pPr marL="216000" indent="-216000">
+              <a:buNone/>
+            </a:pPr>
+            <a:r>
+              <a:rPr b="0" lang="en-US" sz="2000" strike="noStrike" u="none">
+                <a:solidFill>
+                  <a:srgbClr val="000000"/>
+                </a:solidFill>
+                <a:uFillTx/>
+                <a:latin typeface="Arial"/>
+              </a:rPr>
+              <a:t>making people care is hard!</a:t>
+            </a:r>
+            <a:endParaRPr b="0" lang="en-US" sz="2000" strike="noStrike" u="none">
+              <a:solidFill>
+                <a:srgbClr val="000000"/>
+              </a:solidFill>
+              <a:uFillTx/>
+              <a:latin typeface="Arial"/>
+            </a:endParaRPr>
+          </a:p>
+          <a:p>
+            <a:pPr marL="216000" indent="-216000">
+              <a:buNone/>
+            </a:pPr>
+            <a:endParaRPr b="0" lang="en-US" sz="2000" strike="noStrike" u="none">
+              <a:solidFill>
+                <a:srgbClr val="000000"/>
+              </a:solidFill>
+              <a:uFillTx/>
+              <a:latin typeface="Arial"/>
+            </a:endParaRPr>
+          </a:p>
+          <a:p>
+            <a:pPr marL="216000" indent="-216000">
+              <a:buNone/>
+            </a:pPr>
+            <a:r>
+              <a:rPr b="0" lang="en-US" sz="2000" strike="noStrike" u="none">
+                <a:solidFill>
+                  <a:srgbClr val="000000"/>
+                </a:solidFill>
+                <a:uFillTx/>
+                <a:latin typeface="Arial"/>
+              </a:rPr>
+              <a:t>a “good” talk is a </a:t>
+            </a:r>
+            <a:r>
+              <a:rPr b="0" i="1" lang="en-US" sz="2000" strike="noStrike" u="none">
+                <a:solidFill>
+                  <a:srgbClr val="000000"/>
+                </a:solidFill>
+                <a:uFillTx/>
+                <a:latin typeface="Arial"/>
+              </a:rPr>
+              <a:t>valuable </a:t>
+            </a:r>
+            <a:r>
+              <a:rPr b="0" lang="en-US" sz="2000" strike="noStrike" u="none">
+                <a:solidFill>
+                  <a:srgbClr val="000000"/>
+                </a:solidFill>
+                <a:uFillTx/>
+                <a:latin typeface="Arial"/>
+              </a:rPr>
+              <a:t>talk.</a:t>
+            </a:r>
+            <a:endParaRPr b="0" lang="en-US" sz="2000" strike="noStrike" u="none">
+              <a:solidFill>
+                <a:srgbClr val="000000"/>
+              </a:solidFill>
+              <a:uFillTx/>
+              <a:latin typeface="Arial"/>
+            </a:endParaRPr>
+          </a:p>
+          <a:p>
+            <a:pPr marL="216000" indent="-216000">
+              <a:buNone/>
+            </a:pPr>
+            <a:r>
+              <a:rPr b="0" lang="en-US" sz="2000" strike="noStrike" u="none">
+                <a:solidFill>
+                  <a:srgbClr val="000000"/>
+                </a:solidFill>
+                <a:uFillTx/>
+                <a:latin typeface="Arial"/>
+              </a:rPr>
+              <a:t>it provides value. the audience values it.</a:t>
+            </a:r>
+            <a:endParaRPr b="0" lang="en-US" sz="2000" strike="noStrike" u="none">
+              <a:solidFill>
+                <a:srgbClr val="000000"/>
+              </a:solidFill>
+              <a:uFillTx/>
+              <a:latin typeface="Arial"/>
+            </a:endParaRPr>
+          </a:p>
+          <a:p>
+            <a:pPr marL="216000" indent="-216000">
+              <a:buNone/>
+            </a:pPr>
+            <a:endParaRPr b="0" lang="en-US" sz="2000" strike="noStrike" u="none">
+              <a:solidFill>
+                <a:srgbClr val="000000"/>
+              </a:solidFill>
+              <a:uFillTx/>
+              <a:latin typeface="Arial"/>
+            </a:endParaRPr>
+          </a:p>
+          <a:p>
+            <a:pPr marL="216000" indent="-216000">
+              <a:buNone/>
+            </a:pPr>
+            <a:r>
+              <a:rPr b="0" lang="en-US" sz="2000" strike="noStrike" u="none">
+                <a:solidFill>
+                  <a:srgbClr val="000000"/>
+                </a:solidFill>
+                <a:uFillTx/>
+                <a:latin typeface="Arial"/>
+              </a:rPr>
+              <a:t>Technical research claims value through its contributions.</a:t>
+            </a:r>
+            <a:endParaRPr b="0" lang="en-US" sz="2000" strike="noStrike" u="none">
+              <a:solidFill>
+                <a:srgbClr val="000000"/>
+              </a:solidFill>
+              <a:uFillTx/>
+              <a:latin typeface="Arial"/>
+            </a:endParaRPr>
+          </a:p>
+          <a:p>
+            <a:pPr marL="216000" indent="-216000">
+              <a:buNone/>
+            </a:pPr>
+            <a:r>
+              <a:rPr b="0" lang="en-US" sz="2000" strike="noStrike" u="none">
+                <a:solidFill>
+                  <a:srgbClr val="000000"/>
+                </a:solidFill>
+                <a:uFillTx/>
+                <a:latin typeface="Arial"/>
+              </a:rPr>
+              <a:t>Literally: what value is it contributing?</a:t>
+            </a:r>
+            <a:endParaRPr b="0" lang="en-US" sz="2000" strike="noStrike" u="none">
+              <a:solidFill>
+                <a:srgbClr val="000000"/>
+              </a:solidFill>
+              <a:uFillTx/>
+              <a:latin typeface="Arial"/>
+            </a:endParaRPr>
+          </a:p>
+          <a:p>
+            <a:pPr marL="216000" indent="-216000">
+              <a:buNone/>
+            </a:pPr>
+            <a:r>
+              <a:rPr b="0" lang="en-US" sz="2000" strike="noStrike" u="none">
+                <a:solidFill>
+                  <a:srgbClr val="000000"/>
+                </a:solidFill>
+                <a:uFillTx/>
+                <a:latin typeface="Arial"/>
+              </a:rPr>
+              <a:t>Every technical paper should say this, explicitly.</a:t>
             </a:r>
             <a:endParaRPr b="0" lang="en-US" sz="2000" strike="noStrike" u="none">
               <a:solidFill>
@@ -4938,7 +4960,7 @@
       </p:grpSpPr>
       <p:sp>
         <p:nvSpPr>
-          <p:cNvPr id="138" name="PlaceHolder 1"/>
+          <p:cNvPr id="140" name="PlaceHolder 1"/>
           <p:cNvSpPr>
             <a:spLocks noGrp="1"/>
           </p:cNvSpPr>
@@ -4961,7 +4983,7 @@
       </p:sp>
       <p:sp>
         <p:nvSpPr>
-          <p:cNvPr id="139" name="PlaceHolder 2"/>
+          <p:cNvPr id="141" name="PlaceHolder 2"/>
           <p:cNvSpPr>
             <a:spLocks noGrp="1"/>
           </p:cNvSpPr>
@@ -5207,7 +5229,7 @@
       </p:grpSpPr>
       <p:sp>
         <p:nvSpPr>
-          <p:cNvPr id="140" name="PlaceHolder 1"/>
+          <p:cNvPr id="142" name="PlaceHolder 1"/>
           <p:cNvSpPr>
             <a:spLocks noGrp="1"/>
           </p:cNvSpPr>
@@ -5230,7 +5252,7 @@
       </p:sp>
       <p:sp>
         <p:nvSpPr>
-          <p:cNvPr id="141" name="PlaceHolder 2"/>
+          <p:cNvPr id="143" name="PlaceHolder 2"/>
           <p:cNvSpPr>
             <a:spLocks noGrp="1"/>
           </p:cNvSpPr>
@@ -5267,7 +5289,7 @@
                 <a:uFillTx/>
                 <a:latin typeface="Arial"/>
               </a:rPr>
-              <a:t>you might be thinking… “is my work valuable? what is my motivation? what have ai contributed?”</a:t>
+              <a:t>you might be thinking… “is my work valuable? what is my motivation? what have i contributed?”</a:t>
             </a:r>
             <a:endParaRPr b="0" lang="en-US" sz="2000" strike="noStrike" u="none">
               <a:solidFill>
@@ -5359,7 +5381,7 @@
       </p:grpSpPr>
       <p:sp>
         <p:nvSpPr>
-          <p:cNvPr id="142" name="PlaceHolder 1"/>
+          <p:cNvPr id="144" name="PlaceHolder 1"/>
           <p:cNvSpPr>
             <a:spLocks noGrp="1"/>
           </p:cNvSpPr>
@@ -5382,7 +5404,7 @@
       </p:sp>
       <p:sp>
         <p:nvSpPr>
-          <p:cNvPr id="143" name="PlaceHolder 2"/>
+          <p:cNvPr id="145" name="PlaceHolder 2"/>
           <p:cNvSpPr>
             <a:spLocks noGrp="1"/>
           </p:cNvSpPr>
@@ -5477,7 +5499,7 @@
       </p:grpSpPr>
       <p:sp>
         <p:nvSpPr>
-          <p:cNvPr id="144" name="PlaceHolder 1"/>
+          <p:cNvPr id="146" name="PlaceHolder 1"/>
           <p:cNvSpPr>
             <a:spLocks noGrp="1"/>
           </p:cNvSpPr>
@@ -5500,7 +5522,7 @@
       </p:sp>
       <p:sp>
         <p:nvSpPr>
-          <p:cNvPr id="145" name="PlaceHolder 2"/>
+          <p:cNvPr id="147" name="PlaceHolder 2"/>
           <p:cNvSpPr>
             <a:spLocks noGrp="1"/>
           </p:cNvSpPr>
@@ -5763,7 +5785,7 @@
       </p:grpSpPr>
       <p:sp>
         <p:nvSpPr>
-          <p:cNvPr id="146" name="PlaceHolder 1"/>
+          <p:cNvPr id="148" name="PlaceHolder 1"/>
           <p:cNvSpPr>
             <a:spLocks noGrp="1"/>
           </p:cNvSpPr>
@@ -5786,7 +5808,7 @@
       </p:sp>
       <p:sp>
         <p:nvSpPr>
-          <p:cNvPr id="147" name="PlaceHolder 2"/>
+          <p:cNvPr id="149" name="PlaceHolder 2"/>
           <p:cNvSpPr>
             <a:spLocks noGrp="1"/>
           </p:cNvSpPr>
@@ -5927,7 +5949,7 @@
       </p:grpSpPr>
       <p:sp>
         <p:nvSpPr>
-          <p:cNvPr id="148" name="PlaceHolder 1"/>
+          <p:cNvPr id="150" name="PlaceHolder 1"/>
           <p:cNvSpPr>
             <a:spLocks noGrp="1"/>
           </p:cNvSpPr>
@@ -5950,7 +5972,7 @@
       </p:sp>
       <p:sp>
         <p:nvSpPr>
-          <p:cNvPr id="149" name="PlaceHolder 2"/>
+          <p:cNvPr id="151" name="PlaceHolder 2"/>
           <p:cNvSpPr>
             <a:spLocks noGrp="1"/>
           </p:cNvSpPr>
@@ -6113,7 +6135,7 @@
       </p:grpSpPr>
       <p:sp>
         <p:nvSpPr>
-          <p:cNvPr id="150" name="PlaceHolder 1"/>
+          <p:cNvPr id="152" name="PlaceHolder 1"/>
           <p:cNvSpPr>
             <a:spLocks noGrp="1"/>
           </p:cNvSpPr>
@@ -6136,7 +6158,7 @@
       </p:sp>
       <p:sp>
         <p:nvSpPr>
-          <p:cNvPr id="151" name="PlaceHolder 2"/>
+          <p:cNvPr id="153" name="PlaceHolder 2"/>
           <p:cNvSpPr>
             <a:spLocks noGrp="1"/>
           </p:cNvSpPr>
@@ -6173,7 +6195,7 @@
                 <a:uFillTx/>
                 <a:latin typeface="Arial"/>
               </a:rPr>
-              <a:t>PL in general and POPL and ICFP in particular tend to be technique-focused rather than problem-focused, which is more inward looking.</a:t>
+              <a:t>PL in particular tends to be technique-focused rather than problem-focused, which is more inward looking.</a:t>
             </a:r>
             <a:endParaRPr b="0" lang="en-US" sz="2000" strike="noStrike" u="none">
               <a:solidFill>
@@ -6206,7 +6228,7 @@
                 <a:uFillTx/>
                 <a:latin typeface="Arial"/>
               </a:rPr>
-              <a:t>navel-gazing. .</a:t>
+              <a:t>navel-gazing. </a:t>
             </a:r>
             <a:endParaRPr b="0" lang="en-US" sz="2000" strike="noStrike" u="none">
               <a:solidFill>
@@ -6288,7 +6310,7 @@
       </p:grpSpPr>
       <p:sp>
         <p:nvSpPr>
-          <p:cNvPr id="80" name="PlaceHolder 1"/>
+          <p:cNvPr id="82" name="PlaceHolder 1"/>
           <p:cNvSpPr>
             <a:spLocks noGrp="1"/>
           </p:cNvSpPr>
@@ -6311,7 +6333,7 @@
       </p:sp>
       <p:sp>
         <p:nvSpPr>
-          <p:cNvPr id="81" name="PlaceHolder 2"/>
+          <p:cNvPr id="83" name="PlaceHolder 2"/>
           <p:cNvSpPr>
             <a:spLocks noGrp="1"/>
           </p:cNvSpPr>
@@ -6450,6 +6472,30 @@
               </a:rPr>
               <a:t>Your talk _must_ communicate why it's valuable! If it doesn't, people won't care.</a:t>
             </a:r>
+            <a:endParaRPr b="0" lang="en-US" sz="2000" strike="noStrike" u="none">
+              <a:solidFill>
+                <a:srgbClr val="000000"/>
+              </a:solidFill>
+              <a:uFillTx/>
+              <a:latin typeface="Arial"/>
+            </a:endParaRPr>
+          </a:p>
+          <a:p>
+            <a:pPr marL="216000" indent="-216000">
+              <a:buNone/>
+            </a:pPr>
+            <a:endParaRPr b="0" lang="en-US" sz="2000" strike="noStrike" u="none">
+              <a:solidFill>
+                <a:srgbClr val="000000"/>
+              </a:solidFill>
+              <a:uFillTx/>
+              <a:latin typeface="Arial"/>
+            </a:endParaRPr>
+          </a:p>
+          <a:p>
+            <a:pPr marL="216000" indent="-216000">
+              <a:buNone/>
+            </a:pPr>
             <a:endParaRPr b="0" lang="en-US" sz="2000" strike="noStrike" u="none">
               <a:solidFill>
                 <a:srgbClr val="000000"/>
@@ -6496,7 +6542,7 @@
       </p:grpSpPr>
       <p:sp>
         <p:nvSpPr>
-          <p:cNvPr id="152" name="PlaceHolder 1"/>
+          <p:cNvPr id="154" name="PlaceHolder 1"/>
           <p:cNvSpPr>
             <a:spLocks noGrp="1"/>
           </p:cNvSpPr>
@@ -6519,7 +6565,7 @@
       </p:sp>
       <p:sp>
         <p:nvSpPr>
-          <p:cNvPr id="153" name="PlaceHolder 2"/>
+          <p:cNvPr id="155" name="PlaceHolder 2"/>
           <p:cNvSpPr>
             <a:spLocks noGrp="1"/>
           </p:cNvSpPr>
@@ -6716,7 +6762,7 @@
       </p:grpSpPr>
       <p:sp>
         <p:nvSpPr>
-          <p:cNvPr id="82" name="PlaceHolder 1"/>
+          <p:cNvPr id="84" name="PlaceHolder 1"/>
           <p:cNvSpPr>
             <a:spLocks noGrp="1"/>
           </p:cNvSpPr>
@@ -6739,7 +6785,7 @@
       </p:sp>
       <p:sp>
         <p:nvSpPr>
-          <p:cNvPr id="83" name="PlaceHolder 2"/>
+          <p:cNvPr id="85" name="PlaceHolder 2"/>
           <p:cNvSpPr>
             <a:spLocks noGrp="1"/>
           </p:cNvSpPr>
@@ -6988,7 +7034,7 @@
       </p:grpSpPr>
       <p:sp>
         <p:nvSpPr>
-          <p:cNvPr id="84" name="PlaceHolder 1"/>
+          <p:cNvPr id="86" name="PlaceHolder 1"/>
           <p:cNvSpPr>
             <a:spLocks noGrp="1"/>
           </p:cNvSpPr>
@@ -7011,7 +7057,7 @@
       </p:sp>
       <p:sp>
         <p:nvSpPr>
-          <p:cNvPr id="85" name="PlaceHolder 2"/>
+          <p:cNvPr id="87" name="PlaceHolder 2"/>
           <p:cNvSpPr>
             <a:spLocks noGrp="1"/>
           </p:cNvSpPr>
@@ -7140,7 +7186,7 @@
       </p:grpSpPr>
       <p:sp>
         <p:nvSpPr>
-          <p:cNvPr id="86" name="PlaceHolder 1"/>
+          <p:cNvPr id="88" name="PlaceHolder 1"/>
           <p:cNvSpPr>
             <a:spLocks noGrp="1"/>
           </p:cNvSpPr>
@@ -7163,7 +7209,7 @@
       </p:sp>
       <p:sp>
         <p:nvSpPr>
-          <p:cNvPr id="87" name="PlaceHolder 2"/>
+          <p:cNvPr id="89" name="PlaceHolder 2"/>
           <p:cNvSpPr>
             <a:spLocks noGrp="1"/>
           </p:cNvSpPr>
@@ -7282,7 +7328,7 @@
       </p:grpSpPr>
       <p:sp>
         <p:nvSpPr>
-          <p:cNvPr id="88" name="PlaceHolder 1"/>
+          <p:cNvPr id="90" name="PlaceHolder 1"/>
           <p:cNvSpPr>
             <a:spLocks noGrp="1"/>
           </p:cNvSpPr>
@@ -7305,7 +7351,7 @@
       </p:sp>
       <p:sp>
         <p:nvSpPr>
-          <p:cNvPr id="89" name="PlaceHolder 2"/>
+          <p:cNvPr id="91" name="PlaceHolder 2"/>
           <p:cNvSpPr>
             <a:spLocks noGrp="1"/>
           </p:cNvSpPr>
@@ -7390,7 +7436,7 @@
       </p:grpSpPr>
       <p:sp>
         <p:nvSpPr>
-          <p:cNvPr id="90" name="PlaceHolder 1"/>
+          <p:cNvPr id="92" name="PlaceHolder 1"/>
           <p:cNvSpPr>
             <a:spLocks noGrp="1"/>
           </p:cNvSpPr>
@@ -7413,7 +7459,7 @@
       </p:sp>
       <p:sp>
         <p:nvSpPr>
-          <p:cNvPr id="91" name="PlaceHolder 2"/>
+          <p:cNvPr id="93" name="PlaceHolder 2"/>
           <p:cNvSpPr>
             <a:spLocks noGrp="1"/>
           </p:cNvSpPr>
@@ -7530,7 +7576,7 @@
         <p:txBody>
           <a:bodyPr/>
           <a:p>
-            <a:fld id="{693FEF7E-B9DF-4648-9ED0-A00B54D8DFE8}" type="slidenum">
+            <a:fld id="{B35CB11D-BACB-4DAE-A254-A9BF424ECB41}" type="slidenum">
               <a:t>&lt;#&gt;</a:t>
             </a:fld>
           </a:p>
@@ -7654,7 +7700,7 @@
         <p:txBody>
           <a:bodyPr/>
           <a:p>
-            <a:fld id="{30B27BEF-4D99-4B4B-A03C-DDF56687FE5E}" type="slidenum">
+            <a:fld id="{50B98CB6-7EB5-41C6-9390-BA07298BF88A}" type="slidenum">
               <a:t>&lt;#&gt;</a:t>
             </a:fld>
           </a:p>
@@ -7822,7 +7868,7 @@
         <p:txBody>
           <a:bodyPr/>
           <a:p>
-            <a:fld id="{7B554FC9-230C-4CAB-BDCC-F6B49E5D022A}" type="slidenum">
+            <a:fld id="{5F83B804-AF2A-4C6D-9EE2-F354056E706E}" type="slidenum">
               <a:t>&lt;#&gt;</a:t>
             </a:fld>
           </a:p>
@@ -7987,7 +8033,7 @@
         <p:txBody>
           <a:bodyPr/>
           <a:p>
-            <a:fld id="{D5FE8E12-55D6-4CC8-B8F8-46EF37EF8BCB}" type="slidenum">
+            <a:fld id="{54C3A108-1A72-42F9-B3E8-745BA161FD63}" type="slidenum">
               <a:t>&lt;#&gt;</a:t>
             </a:fld>
           </a:p>
@@ -8495,7 +8541,7 @@
             <a:pPr indent="0" algn="r">
               <a:buNone/>
             </a:pPr>
-            <a:fld id="{390E715A-79AE-4FAC-8319-0F8B7DC103A8}" type="slidenum">
+            <a:fld id="{E81DF819-BE87-4531-8E5E-C355BBC951D0}" type="slidenum">
               <a:rPr b="0" lang="en-US" sz="1400" strike="noStrike" u="none">
                 <a:solidFill>
                   <a:srgbClr val="000000"/>
@@ -8774,7 +8820,7 @@
               </a:rPr>
               <a:t>motivation first</a:t>
             </a:r>
-            <a:endParaRPr b="1" lang="en-US" sz="9500" strike="noStrike" u="none">
+            <a:endParaRPr b="0" lang="en-US" sz="9500" strike="noStrike" u="none">
               <a:solidFill>
                 <a:srgbClr val="000000"/>
               </a:solidFill>
@@ -8816,9 +8862,13 @@
       </p:grpSpPr>
       <p:sp>
         <p:nvSpPr>
-          <p:cNvPr id="34" name=""/>
-          <p:cNvSpPr txBox="1"/>
-          <p:nvPr/>
+          <p:cNvPr id="34" name="PlaceHolder 1"/>
+          <p:cNvSpPr>
+            <a:spLocks noGrp="1"/>
+          </p:cNvSpPr>
+          <p:nvPr>
+            <p:ph type="title"/>
+          </p:nvPr>
         </p:nvSpPr>
         <p:spPr>
           <a:xfrm>
@@ -8838,7 +8888,9 @@
             <a:noAutofit/>
           </a:bodyPr>
           <a:p>
-            <a:pPr algn="ctr"/>
+            <a:pPr indent="0" algn="ctr">
+              <a:buNone/>
+            </a:pPr>
             <a:r>
               <a:rPr b="0" lang="en-US" sz="14420" strike="noStrike" u="none">
                 <a:solidFill>
@@ -8911,7 +8963,7 @@
         </p:nvGraphicFramePr>
         <p:xfrm>
           <a:off x="239760" y="168480"/>
-          <a:ext cx="9601200" cy="5257800"/>
+          <a:ext cx="9600840" cy="5322240"/>
         </p:xfrm>
         <a:graphic>
           <a:graphicData uri="http://schemas.openxmlformats.org/drawingml/2006/table">
@@ -9558,9 +9610,13 @@
       </p:grpSpPr>
       <p:sp>
         <p:nvSpPr>
-          <p:cNvPr id="36" name=""/>
-          <p:cNvSpPr txBox="1"/>
-          <p:nvPr/>
+          <p:cNvPr id="36" name="PlaceHolder 1"/>
+          <p:cNvSpPr>
+            <a:spLocks noGrp="1"/>
+          </p:cNvSpPr>
+          <p:nvPr>
+            <p:ph type="title"/>
+          </p:nvPr>
         </p:nvSpPr>
         <p:spPr>
           <a:xfrm>
@@ -9580,7 +9636,9 @@
             <a:noAutofit/>
           </a:bodyPr>
           <a:p>
-            <a:pPr algn="ctr"/>
+            <a:pPr indent="0" algn="ctr">
+              <a:buNone/>
+            </a:pPr>
             <a:r>
               <a:rPr b="1" lang="en-US" sz="9500" strike="noStrike" u="none">
                 <a:solidFill>
@@ -9604,7 +9662,7 @@
               </a:rPr>
               <a:t>motivation first</a:t>
             </a:r>
-            <a:endParaRPr b="1" lang="en-US" sz="9500" strike="noStrike" u="none">
+            <a:endParaRPr b="0" lang="en-US" sz="9500" strike="noStrike" u="none">
               <a:solidFill>
                 <a:srgbClr val="000000"/>
               </a:solidFill>
@@ -9737,9 +9795,13 @@
       </p:grpSpPr>
       <p:sp>
         <p:nvSpPr>
-          <p:cNvPr id="38" name=""/>
-          <p:cNvSpPr txBox="1"/>
-          <p:nvPr/>
+          <p:cNvPr id="38" name="PlaceHolder 1"/>
+          <p:cNvSpPr>
+            <a:spLocks noGrp="1"/>
+          </p:cNvSpPr>
+          <p:nvPr>
+            <p:ph type="title"/>
+          </p:nvPr>
         </p:nvSpPr>
         <p:spPr>
           <a:xfrm>
@@ -9759,7 +9821,9 @@
             <a:noAutofit/>
           </a:bodyPr>
           <a:p>
-            <a:pPr algn="ctr"/>
+            <a:pPr indent="0" algn="ctr">
+              <a:buNone/>
+            </a:pPr>
             <a:r>
               <a:rPr b="0" lang="en-US" sz="14420" strike="noStrike" u="none">
                 <a:solidFill>
@@ -9812,9 +9876,13 @@
       </p:grpSpPr>
       <p:sp>
         <p:nvSpPr>
-          <p:cNvPr id="39" name=""/>
-          <p:cNvSpPr txBox="1"/>
-          <p:nvPr/>
+          <p:cNvPr id="39" name="PlaceHolder 1"/>
+          <p:cNvSpPr>
+            <a:spLocks noGrp="1"/>
+          </p:cNvSpPr>
+          <p:nvPr>
+            <p:ph type="title"/>
+          </p:nvPr>
         </p:nvSpPr>
         <p:spPr>
           <a:xfrm>
@@ -9834,7 +9902,9 @@
             <a:noAutofit/>
           </a:bodyPr>
           <a:p>
-            <a:pPr algn="ctr"/>
+            <a:pPr indent="0" algn="ctr">
+              <a:buNone/>
+            </a:pPr>
             <a:r>
               <a:rPr b="1" lang="en-US" sz="8800" strike="noStrike" u="none">
                 <a:solidFill>
@@ -9858,7 +9928,7 @@
               </a:rPr>
               <a:t>teach something portable</a:t>
             </a:r>
-            <a:endParaRPr b="1" lang="en-US" sz="8800" strike="noStrike" u="none">
+            <a:endParaRPr b="0" lang="en-US" sz="8800" strike="noStrike" u="none">
               <a:solidFill>
                 <a:srgbClr val="000000"/>
               </a:solidFill>
@@ -9991,9 +10061,13 @@
       </p:grpSpPr>
       <p:sp>
         <p:nvSpPr>
-          <p:cNvPr id="41" name=""/>
-          <p:cNvSpPr txBox="1"/>
-          <p:nvPr/>
+          <p:cNvPr id="41" name="PlaceHolder 1"/>
+          <p:cNvSpPr>
+            <a:spLocks noGrp="1"/>
+          </p:cNvSpPr>
+          <p:nvPr>
+            <p:ph type="title"/>
+          </p:nvPr>
         </p:nvSpPr>
         <p:spPr>
           <a:xfrm>
@@ -10013,7 +10087,9 @@
             <a:noAutofit/>
           </a:bodyPr>
           <a:p>
-            <a:pPr algn="ctr"/>
+            <a:pPr indent="0" algn="ctr">
+              <a:buNone/>
+            </a:pPr>
             <a:r>
               <a:rPr b="0" lang="en-US" sz="14420" strike="noStrike" u="none">
                 <a:solidFill>
@@ -10066,9 +10142,13 @@
       </p:grpSpPr>
       <p:sp>
         <p:nvSpPr>
-          <p:cNvPr id="42" name=""/>
-          <p:cNvSpPr txBox="1"/>
-          <p:nvPr/>
+          <p:cNvPr id="42" name="PlaceHolder 1"/>
+          <p:cNvSpPr>
+            <a:spLocks noGrp="1"/>
+          </p:cNvSpPr>
+          <p:nvPr>
+            <p:ph type="title"/>
+          </p:nvPr>
         </p:nvSpPr>
         <p:spPr>
           <a:xfrm>
@@ -10088,7 +10168,9 @@
             <a:noAutofit/>
           </a:bodyPr>
           <a:p>
-            <a:pPr algn="ctr"/>
+            <a:pPr indent="0" algn="ctr">
+              <a:buNone/>
+            </a:pPr>
             <a:r>
               <a:rPr b="0" lang="en-US" sz="14420" strike="noStrike" u="none">
                 <a:solidFill>
@@ -10208,9 +10290,13 @@
       </p:grpSpPr>
       <p:sp>
         <p:nvSpPr>
-          <p:cNvPr id="43" name=""/>
-          <p:cNvSpPr txBox="1"/>
-          <p:nvPr/>
+          <p:cNvPr id="43" name="PlaceHolder 1"/>
+          <p:cNvSpPr>
+            <a:spLocks noGrp="1"/>
+          </p:cNvSpPr>
+          <p:nvPr>
+            <p:ph type="title"/>
+          </p:nvPr>
         </p:nvSpPr>
         <p:spPr>
           <a:xfrm>
@@ -10230,7 +10316,9 @@
             <a:noAutofit/>
           </a:bodyPr>
           <a:p>
-            <a:pPr algn="ctr"/>
+            <a:pPr indent="0" algn="ctr">
+              <a:buNone/>
+            </a:pPr>
             <a:r>
               <a:rPr b="0" lang="en-US" sz="14420" strike="noStrike" u="none">
                 <a:solidFill>
@@ -10283,9 +10371,13 @@
       </p:grpSpPr>
       <p:sp>
         <p:nvSpPr>
-          <p:cNvPr id="44" name=""/>
-          <p:cNvSpPr txBox="1"/>
-          <p:nvPr/>
+          <p:cNvPr id="44" name="PlaceHolder 1"/>
+          <p:cNvSpPr>
+            <a:spLocks noGrp="1"/>
+          </p:cNvSpPr>
+          <p:nvPr>
+            <p:ph type="title"/>
+          </p:nvPr>
         </p:nvSpPr>
         <p:spPr>
           <a:xfrm>
@@ -10305,7 +10397,9 @@
             <a:noAutofit/>
           </a:bodyPr>
           <a:p>
-            <a:pPr algn="ctr"/>
+            <a:pPr indent="0" algn="ctr">
+              <a:buNone/>
+            </a:pPr>
             <a:r>
               <a:rPr b="0" lang="en-US" sz="14420" strike="noStrike" u="none">
                 <a:solidFill>
@@ -10372,7 +10466,7 @@
                 <a:srgbClr val="000000"/>
               </a:solidFill>
               <a:uFillTx/>
-              <a:latin typeface="Arial"/>
+              <a:latin typeface="IBM Plex Sans"/>
             </a:endParaRPr>
           </a:p>
         </p:txBody>
@@ -10409,9 +10503,13 @@
       </p:grpSpPr>
       <p:sp>
         <p:nvSpPr>
-          <p:cNvPr id="46" name=""/>
-          <p:cNvSpPr txBox="1"/>
-          <p:nvPr/>
+          <p:cNvPr id="46" name="PlaceHolder 1"/>
+          <p:cNvSpPr>
+            <a:spLocks noGrp="1"/>
+          </p:cNvSpPr>
+          <p:nvPr>
+            <p:ph type="title"/>
+          </p:nvPr>
         </p:nvSpPr>
         <p:spPr>
           <a:xfrm>
@@ -10431,7 +10529,9 @@
             <a:noAutofit/>
           </a:bodyPr>
           <a:p>
-            <a:pPr algn="ctr"/>
+            <a:pPr indent="0" algn="ctr">
+              <a:buNone/>
+            </a:pPr>
             <a:r>
               <a:rPr b="1" lang="en-US" sz="10560" strike="noStrike" u="none">
                 <a:solidFill>
@@ -10455,7 +10555,7 @@
               </a:rPr>
               <a:t>every talk is a job talk</a:t>
             </a:r>
-            <a:endParaRPr b="1" lang="en-US" sz="10560" strike="noStrike" u="none">
+            <a:endParaRPr b="0" lang="en-US" sz="10560" strike="noStrike" u="none">
               <a:solidFill>
                 <a:srgbClr val="000000"/>
               </a:solidFill>
@@ -10497,9 +10597,13 @@
       </p:grpSpPr>
       <p:sp>
         <p:nvSpPr>
-          <p:cNvPr id="47" name=""/>
-          <p:cNvSpPr txBox="1"/>
-          <p:nvPr/>
+          <p:cNvPr id="47" name="PlaceHolder 1"/>
+          <p:cNvSpPr>
+            <a:spLocks noGrp="1"/>
+          </p:cNvSpPr>
+          <p:nvPr>
+            <p:ph type="title"/>
+          </p:nvPr>
         </p:nvSpPr>
         <p:spPr>
           <a:xfrm>
@@ -10519,7 +10623,9 @@
             <a:noAutofit/>
           </a:bodyPr>
           <a:p>
-            <a:pPr algn="ctr"/>
+            <a:pPr indent="0" algn="ctr">
+              <a:buNone/>
+            </a:pPr>
             <a:r>
               <a:rPr b="0" lang="en-US" sz="14420" strike="noStrike" u="none">
                 <a:solidFill>
@@ -10891,9 +10997,13 @@
       </p:grpSpPr>
       <p:sp>
         <p:nvSpPr>
-          <p:cNvPr id="53" name=""/>
-          <p:cNvSpPr txBox="1"/>
-          <p:nvPr/>
+          <p:cNvPr id="53" name="PlaceHolder 1"/>
+          <p:cNvSpPr>
+            <a:spLocks noGrp="1"/>
+          </p:cNvSpPr>
+          <p:nvPr>
+            <p:ph type="title"/>
+          </p:nvPr>
         </p:nvSpPr>
         <p:spPr>
           <a:xfrm>
@@ -10913,7 +11023,9 @@
             <a:noAutofit/>
           </a:bodyPr>
           <a:p>
-            <a:pPr algn="ctr"/>
+            <a:pPr indent="0" algn="ctr">
+              <a:buNone/>
+            </a:pPr>
             <a:r>
               <a:rPr b="0" lang="en-US" sz="14420" strike="noStrike" u="none">
                 <a:solidFill>
@@ -10964,16 +11076,44 @@
           <a:chExt cx="0" cy="0"/>
         </a:xfrm>
       </p:grpSpPr>
-      <p:sp>
-        <p:nvSpPr>
-          <p:cNvPr id="54" name=""/>
-          <p:cNvSpPr txBox="1"/>
+      <p:pic>
+        <p:nvPicPr>
+          <p:cNvPr id="54" name="" descr=""/>
+          <p:cNvPicPr/>
           <p:nvPr/>
+        </p:nvPicPr>
+        <p:blipFill>
+          <a:blip r:embed="rId1"/>
+          <a:stretch/>
+        </p:blipFill>
+        <p:spPr>
+          <a:xfrm>
+            <a:off x="6139080" y="1566720"/>
+            <a:ext cx="3904920" cy="3904920"/>
+          </a:xfrm>
+          <a:prstGeom prst="rect">
+            <a:avLst/>
+          </a:prstGeom>
+          <a:noFill/>
+          <a:ln w="0">
+            <a:noFill/>
+          </a:ln>
+        </p:spPr>
+      </p:pic>
+      <p:sp>
+        <p:nvSpPr>
+          <p:cNvPr id="55" name="PlaceHolder 1"/>
+          <p:cNvSpPr>
+            <a:spLocks noGrp="1"/>
+          </p:cNvSpPr>
+          <p:nvPr>
+            <p:ph type="title"/>
+          </p:nvPr>
         </p:nvSpPr>
         <p:spPr>
           <a:xfrm>
             <a:off x="506880" y="228960"/>
-            <a:ext cx="9071640" cy="5031720"/>
+            <a:ext cx="5208120" cy="5031720"/>
           </a:xfrm>
           <a:prstGeom prst="rect">
             <a:avLst/>
@@ -10988,23 +11128,90 @@
             <a:noAutofit/>
           </a:bodyPr>
           <a:p>
+            <a:pPr indent="0" algn="ctr">
+              <a:buNone/>
+            </a:pPr>
+            <a:r>
+              <a:rPr b="0" lang="en-US" sz="14420" strike="noStrike" u="none">
+                <a:solidFill>
+                  <a:srgbClr val="000000"/>
+                </a:solidFill>
+                <a:uFillTx/>
+                <a:latin typeface="Noto Color Emoji"/>
+              </a:rPr>
+              <a:t>🏗</a:t>
+            </a:r>
+            <a:endParaRPr b="0" lang="en-US" sz="14420" strike="noStrike" u="none">
+              <a:solidFill>
+                <a:srgbClr val="000000"/>
+              </a:solidFill>
+              <a:uFillTx/>
+              <a:latin typeface="IBM Plex Sans"/>
+            </a:endParaRPr>
+          </a:p>
+        </p:txBody>
+      </p:sp>
+      <p:sp>
+        <p:nvSpPr>
+          <p:cNvPr id="56" name=""/>
+          <p:cNvSpPr txBox="1"/>
+          <p:nvPr/>
+        </p:nvSpPr>
+        <p:spPr>
+          <a:xfrm>
+            <a:off x="5715000" y="357120"/>
+            <a:ext cx="4876560" cy="1014480"/>
+          </a:xfrm>
+          <a:prstGeom prst="rect">
+            <a:avLst/>
+          </a:prstGeom>
+          <a:noFill/>
+          <a:ln w="0">
+            <a:noFill/>
+          </a:ln>
+        </p:spPr>
+        <p:txBody>
+          <a:bodyPr lIns="90000" rIns="90000" tIns="45000" bIns="45000" anchor="t">
+            <a:noAutofit/>
+          </a:bodyPr>
+          <a:p>
             <a:pPr algn="ctr"/>
             <a:r>
-              <a:rPr b="0" lang="en-US" sz="14420" strike="noStrike" u="none">
-                <a:solidFill>
-                  <a:srgbClr val="000000"/>
-                </a:solidFill>
-                <a:uFillTx/>
-                <a:latin typeface="Noto Color Emoji"/>
-              </a:rPr>
-              <a:t>🏗</a:t>
-            </a:r>
-            <a:endParaRPr b="0" lang="en-US" sz="14420" strike="noStrike" u="none">
-              <a:solidFill>
-                <a:srgbClr val="000000"/>
-              </a:solidFill>
-              <a:uFillTx/>
-              <a:latin typeface="IBM Plex Sans"/>
+              <a:rPr b="0" i="1" lang="en-US" sz="2800" strike="noStrike" u="none">
+                <a:solidFill>
+                  <a:srgbClr val="000000"/>
+                </a:solidFill>
+                <a:uFillTx/>
+                <a:latin typeface="IBM Plex Sans"/>
+              </a:rPr>
+              <a:t>How to Give a Talk</a:t>
+            </a:r>
+            <a:endParaRPr b="0" lang="en-US" sz="2800" strike="noStrike" u="none">
+              <a:solidFill>
+                <a:srgbClr val="000000"/>
+              </a:solidFill>
+              <a:uFillTx/>
+              <a:latin typeface="Arial"/>
+            </a:endParaRPr>
+          </a:p>
+          <a:p>
+            <a:pPr algn="ctr"/>
+            <a:r>
+              <a:rPr b="1" lang="en-US" sz="2800" strike="noStrike" u="none">
+                <a:solidFill>
+                  <a:srgbClr val="000000"/>
+                </a:solidFill>
+                <a:uFillTx/>
+                <a:latin typeface="IBM Plex Sans"/>
+              </a:rPr>
+              <a:t>Neel Krishnaswami</a:t>
+            </a:r>
+            <a:endParaRPr b="0" lang="en-US" sz="2800" strike="noStrike" u="none">
+              <a:solidFill>
+                <a:srgbClr val="000000"/>
+              </a:solidFill>
+              <a:uFillTx/>
+              <a:latin typeface="Arial"/>
             </a:endParaRPr>
           </a:p>
         </p:txBody>
@@ -11041,9 +11248,13 @@
       </p:grpSpPr>
       <p:sp>
         <p:nvSpPr>
-          <p:cNvPr id="55" name=""/>
-          <p:cNvSpPr txBox="1"/>
-          <p:nvPr/>
+          <p:cNvPr id="57" name="PlaceHolder 1"/>
+          <p:cNvSpPr>
+            <a:spLocks noGrp="1"/>
+          </p:cNvSpPr>
+          <p:nvPr>
+            <p:ph type="title"/>
+          </p:nvPr>
         </p:nvSpPr>
         <p:spPr>
           <a:xfrm>
@@ -11063,7 +11274,9 @@
             <a:noAutofit/>
           </a:bodyPr>
           <a:p>
-            <a:pPr algn="ctr"/>
+            <a:pPr indent="0" algn="ctr">
+              <a:buNone/>
+            </a:pPr>
             <a:r>
               <a:rPr b="0" lang="en-US" sz="14420" strike="noStrike" u="none">
                 <a:solidFill>
@@ -11129,7 +11342,7 @@
       </p:grpSpPr>
       <p:sp>
         <p:nvSpPr>
-          <p:cNvPr id="56" name="PlaceHolder 1"/>
+          <p:cNvPr id="58" name="PlaceHolder 1"/>
           <p:cNvSpPr>
             <a:spLocks noGrp="1"/>
           </p:cNvSpPr>
@@ -11190,9 +11403,13 @@
       </p:sp>
       <p:sp>
         <p:nvSpPr>
-          <p:cNvPr id="57" name=""/>
-          <p:cNvSpPr txBox="1"/>
-          <p:nvPr/>
+          <p:cNvPr id="59" name="PlaceHolder 2"/>
+          <p:cNvSpPr>
+            <a:spLocks noGrp="1"/>
+          </p:cNvSpPr>
+          <p:nvPr>
+            <p:ph type="title"/>
+          </p:nvPr>
         </p:nvSpPr>
         <p:spPr>
           <a:xfrm>
@@ -11212,7 +11429,9 @@
             <a:noAutofit/>
           </a:bodyPr>
           <a:p>
-            <a:pPr algn="ctr"/>
+            <a:pPr indent="0" algn="ctr">
+              <a:buNone/>
+            </a:pPr>
             <a:r>
               <a:rPr b="0" lang="en-US" sz="11620" strike="noStrike" u="none">
                 <a:solidFill>
@@ -11463,9 +11682,13 @@
       </p:grpSpPr>
       <p:sp>
         <p:nvSpPr>
-          <p:cNvPr id="58" name=""/>
-          <p:cNvSpPr txBox="1"/>
-          <p:nvPr/>
+          <p:cNvPr id="60" name="PlaceHolder 1"/>
+          <p:cNvSpPr>
+            <a:spLocks noGrp="1"/>
+          </p:cNvSpPr>
+          <p:nvPr>
+            <p:ph type="title"/>
+          </p:nvPr>
         </p:nvSpPr>
         <p:spPr>
           <a:xfrm>
@@ -11485,7 +11708,9 @@
             <a:noAutofit/>
           </a:bodyPr>
           <a:p>
-            <a:pPr algn="ctr"/>
+            <a:pPr indent="0" algn="ctr">
+              <a:buNone/>
+            </a:pPr>
             <a:r>
               <a:rPr b="0" lang="en-US" sz="8800" strike="noStrike" u="none">
                 <a:solidFill>
@@ -11530,6 +11755,149 @@
 </file>
 
 <file path=ppt/slides/slide31.xml><?xml version="1.0" encoding="utf-8"?>
+<p:sld xmlns:a="http://schemas.openxmlformats.org/drawingml/2006/main" xmlns:p="http://schemas.openxmlformats.org/presentationml/2006/main" xmlns:r="http://schemas.openxmlformats.org/officeDocument/2006/relationships" xmlns:p14="http://schemas.microsoft.com/office/powerpoint/2010/main" xmlns:p15="http://schemas.microsoft.com/office/powerpoint/2012/main" xmlns:mc="http://schemas.openxmlformats.org/markup-compatibility/2006">
+  <p:cSld>
+    <p:spTree>
+      <p:nvGrpSpPr>
+        <p:cNvPr id="1" name=""/>
+        <p:cNvGrpSpPr/>
+        <p:nvPr/>
+      </p:nvGrpSpPr>
+      <p:grpSpPr>
+        <a:xfrm>
+          <a:off x="0" y="0"/>
+          <a:ext cx="0" cy="0"/>
+          <a:chOff x="0" y="0"/>
+          <a:chExt cx="0" cy="0"/>
+        </a:xfrm>
+      </p:grpSpPr>
+      <p:pic>
+        <p:nvPicPr>
+          <p:cNvPr id="61" name="" descr=""/>
+          <p:cNvPicPr/>
+          <p:nvPr/>
+        </p:nvPicPr>
+        <p:blipFill>
+          <a:blip r:embed="rId1"/>
+          <a:stretch/>
+        </p:blipFill>
+        <p:spPr>
+          <a:xfrm>
+            <a:off x="6382080" y="2038680"/>
+            <a:ext cx="3904920" cy="3904920"/>
+          </a:xfrm>
+          <a:prstGeom prst="rect">
+            <a:avLst/>
+          </a:prstGeom>
+          <a:noFill/>
+          <a:ln w="0">
+            <a:noFill/>
+          </a:ln>
+        </p:spPr>
+      </p:pic>
+      <p:pic>
+        <p:nvPicPr>
+          <p:cNvPr id="62" name="" descr=""/>
+          <p:cNvPicPr/>
+          <p:nvPr/>
+        </p:nvPicPr>
+        <p:blipFill>
+          <a:blip r:embed="rId2"/>
+          <a:stretch/>
+        </p:blipFill>
+        <p:spPr>
+          <a:xfrm>
+            <a:off x="0" y="0"/>
+            <a:ext cx="6692400" cy="5669640"/>
+          </a:xfrm>
+          <a:prstGeom prst="rect">
+            <a:avLst/>
+          </a:prstGeom>
+          <a:noFill/>
+          <a:ln w="0">
+            <a:noFill/>
+          </a:ln>
+        </p:spPr>
+      </p:pic>
+      <p:sp>
+        <p:nvSpPr>
+          <p:cNvPr id="63" name=""/>
+          <p:cNvSpPr txBox="1"/>
+          <p:nvPr/>
+        </p:nvSpPr>
+        <p:spPr>
+          <a:xfrm>
+            <a:off x="6765480" y="124200"/>
+            <a:ext cx="3292920" cy="2161800"/>
+          </a:xfrm>
+          <a:prstGeom prst="rect">
+            <a:avLst/>
+          </a:prstGeom>
+          <a:noFill/>
+          <a:ln w="0">
+            <a:noFill/>
+          </a:ln>
+        </p:spPr>
+        <p:txBody>
+          <a:bodyPr lIns="90000" rIns="90000" tIns="45000" bIns="45000" anchor="ctr">
+            <a:noAutofit/>
+          </a:bodyPr>
+          <a:p>
+            <a:pPr algn="ctr"/>
+            <a:r>
+              <a:rPr b="0" i="1" lang="en-US" sz="2800" strike="noStrike" u="none">
+                <a:solidFill>
+                  <a:srgbClr val="000000"/>
+                </a:solidFill>
+                <a:uFillTx/>
+                <a:latin typeface="IBM Plex Sans"/>
+              </a:rPr>
+              <a:t>The Craft of Writing Effectively</a:t>
+            </a:r>
+            <a:endParaRPr b="0" lang="en-US" sz="2800" strike="noStrike" u="none">
+              <a:solidFill>
+                <a:srgbClr val="000000"/>
+              </a:solidFill>
+              <a:uFillTx/>
+              <a:latin typeface="Arial"/>
+            </a:endParaRPr>
+          </a:p>
+          <a:p>
+            <a:pPr algn="ctr"/>
+            <a:r>
+              <a:rPr b="1" lang="en-US" sz="2800" strike="noStrike" u="none">
+                <a:solidFill>
+                  <a:srgbClr val="000000"/>
+                </a:solidFill>
+                <a:uFillTx/>
+                <a:latin typeface="IBM Plex Sans"/>
+              </a:rPr>
+              <a:t>Larry McEnerney</a:t>
+            </a:r>
+            <a:endParaRPr b="0" lang="en-US" sz="2800" strike="noStrike" u="none">
+              <a:solidFill>
+                <a:srgbClr val="000000"/>
+              </a:solidFill>
+              <a:uFillTx/>
+              <a:latin typeface="Arial"/>
+            </a:endParaRPr>
+          </a:p>
+        </p:txBody>
+      </p:sp>
+    </p:spTree>
+  </p:cSld>
+  <mc:AlternateContent>
+    <mc:Choice Requires="p14">
+      <p:transition spd="slow" p14:dur="2000"/>
+    </mc:Choice>
+    <mc:Fallback>
+      <p:transition spd="slow"/>
+    </mc:Fallback>
+  </mc:AlternateContent>
+</p:sld>
+</file>
+
+<file path=ppt/slides/slide32.xml><?xml version="1.0" encoding="utf-8"?>
 <p:sld xmlns:a="http://schemas.openxmlformats.org/drawingml/2006/main" xmlns:p="http://schemas.openxmlformats.org/presentationml/2006/main" xmlns:r="http://schemas.openxmlformats.org/officeDocument/2006/relationships" xmlns:p14="http://schemas.microsoft.com/office/powerpoint/2010/main" xmlns:p15="http://schemas.microsoft.com/office/powerpoint/2012/main" xmlns:mc="http://schemas.openxmlformats.org/markup-compatibility/2006">
   <p:cSld>
     <p:bg>
@@ -11555,7 +11923,7 @@
       </p:grpSpPr>
       <p:pic>
         <p:nvPicPr>
-          <p:cNvPr id="59" name="" descr=""/>
+          <p:cNvPr id="64" name="" descr=""/>
           <p:cNvPicPr/>
           <p:nvPr/>
         </p:nvPicPr>
@@ -11577,149 +11945,6 @@
           </a:ln>
         </p:spPr>
       </p:pic>
-    </p:spTree>
-  </p:cSld>
-  <mc:AlternateContent>
-    <mc:Choice Requires="p14">
-      <p:transition spd="slow" p14:dur="2000"/>
-    </mc:Choice>
-    <mc:Fallback>
-      <p:transition spd="slow"/>
-    </mc:Fallback>
-  </mc:AlternateContent>
-</p:sld>
-</file>
-
-<file path=ppt/slides/slide32.xml><?xml version="1.0" encoding="utf-8"?>
-<p:sld xmlns:a="http://schemas.openxmlformats.org/drawingml/2006/main" xmlns:p="http://schemas.openxmlformats.org/presentationml/2006/main" xmlns:r="http://schemas.openxmlformats.org/officeDocument/2006/relationships" xmlns:p14="http://schemas.microsoft.com/office/powerpoint/2010/main" xmlns:p15="http://schemas.microsoft.com/office/powerpoint/2012/main" xmlns:mc="http://schemas.openxmlformats.org/markup-compatibility/2006">
-  <p:cSld>
-    <p:spTree>
-      <p:nvGrpSpPr>
-        <p:cNvPr id="1" name=""/>
-        <p:cNvGrpSpPr/>
-        <p:nvPr/>
-      </p:nvGrpSpPr>
-      <p:grpSpPr>
-        <a:xfrm>
-          <a:off x="0" y="0"/>
-          <a:ext cx="0" cy="0"/>
-          <a:chOff x="0" y="0"/>
-          <a:chExt cx="0" cy="0"/>
-        </a:xfrm>
-      </p:grpSpPr>
-      <p:pic>
-        <p:nvPicPr>
-          <p:cNvPr id="60" name="" descr=""/>
-          <p:cNvPicPr/>
-          <p:nvPr/>
-        </p:nvPicPr>
-        <p:blipFill>
-          <a:blip r:embed="rId1"/>
-          <a:stretch/>
-        </p:blipFill>
-        <p:spPr>
-          <a:xfrm>
-            <a:off x="6382080" y="2038680"/>
-            <a:ext cx="3904920" cy="3904920"/>
-          </a:xfrm>
-          <a:prstGeom prst="rect">
-            <a:avLst/>
-          </a:prstGeom>
-          <a:noFill/>
-          <a:ln w="0">
-            <a:noFill/>
-          </a:ln>
-        </p:spPr>
-      </p:pic>
-      <p:pic>
-        <p:nvPicPr>
-          <p:cNvPr id="61" name="" descr=""/>
-          <p:cNvPicPr/>
-          <p:nvPr/>
-        </p:nvPicPr>
-        <p:blipFill>
-          <a:blip r:embed="rId2"/>
-          <a:stretch/>
-        </p:blipFill>
-        <p:spPr>
-          <a:xfrm>
-            <a:off x="0" y="0"/>
-            <a:ext cx="6692400" cy="5669640"/>
-          </a:xfrm>
-          <a:prstGeom prst="rect">
-            <a:avLst/>
-          </a:prstGeom>
-          <a:noFill/>
-          <a:ln w="0">
-            <a:noFill/>
-          </a:ln>
-        </p:spPr>
-      </p:pic>
-      <p:sp>
-        <p:nvSpPr>
-          <p:cNvPr id="62" name=""/>
-          <p:cNvSpPr txBox="1"/>
-          <p:nvPr/>
-        </p:nvSpPr>
-        <p:spPr>
-          <a:xfrm>
-            <a:off x="6765480" y="124200"/>
-            <a:ext cx="3292920" cy="2161800"/>
-          </a:xfrm>
-          <a:prstGeom prst="rect">
-            <a:avLst/>
-          </a:prstGeom>
-          <a:noFill/>
-          <a:ln w="0">
-            <a:noFill/>
-          </a:ln>
-        </p:spPr>
-        <p:txBody>
-          <a:bodyPr lIns="90000" rIns="90000" tIns="45000" bIns="45000" anchor="ctr">
-            <a:noAutofit/>
-          </a:bodyPr>
-          <a:p>
-            <a:pPr algn="ctr"/>
-            <a:r>
-              <a:rPr b="0" i="1" lang="en-US" sz="2800" strike="noStrike" u="none">
-                <a:solidFill>
-                  <a:srgbClr val="000000"/>
-                </a:solidFill>
-                <a:uFillTx/>
-                <a:latin typeface="IBM Plex Sans"/>
-              </a:rPr>
-              <a:t>The Craft of Writing Effectively</a:t>
-            </a:r>
-            <a:endParaRPr b="1" lang="en-US" sz="2800" strike="noStrike" u="none">
-              <a:solidFill>
-                <a:srgbClr val="000000"/>
-              </a:solidFill>
-              <a:uFillTx/>
-              <a:latin typeface="IBM Plex Sans"/>
-            </a:endParaRPr>
-          </a:p>
-          <a:p>
-            <a:pPr algn="ctr"/>
-            <a:r>
-              <a:rPr b="1" lang="en-US" sz="2800" strike="noStrike" u="none">
-                <a:solidFill>
-                  <a:srgbClr val="000000"/>
-                </a:solidFill>
-                <a:uFillTx/>
-                <a:latin typeface="IBM Plex Sans"/>
-              </a:rPr>
-              <a:t>Larry McEnerney</a:t>
-            </a:r>
-            <a:endParaRPr b="1" lang="en-US" sz="2800" strike="noStrike" u="none">
-              <a:solidFill>
-                <a:srgbClr val="000000"/>
-              </a:solidFill>
-              <a:uFillTx/>
-              <a:latin typeface="IBM Plex Sans"/>
-            </a:endParaRPr>
-          </a:p>
-        </p:txBody>
-      </p:sp>
     </p:spTree>
   </p:cSld>
   <mc:AlternateContent>
@@ -11752,7 +11977,7 @@
       </p:grpSpPr>
       <p:pic>
         <p:nvPicPr>
-          <p:cNvPr id="63" name="" descr=""/>
+          <p:cNvPr id="65" name="" descr=""/>
           <p:cNvPicPr/>
           <p:nvPr/>
         </p:nvPicPr>
@@ -11776,7 +12001,7 @@
       </p:pic>
       <p:sp>
         <p:nvSpPr>
-          <p:cNvPr id="64" name=""/>
+          <p:cNvPr id="66" name=""/>
           <p:cNvSpPr txBox="1"/>
           <p:nvPr/>
         </p:nvSpPr>
@@ -11814,7 +12039,7 @@
                 <a:srgbClr val="000000"/>
               </a:solidFill>
               <a:uFillTx/>
-              <a:latin typeface="IBM Plex Sans"/>
+              <a:latin typeface="Arial"/>
             </a:endParaRPr>
           </a:p>
         </p:txBody>
@@ -11851,9 +12076,13 @@
       </p:grpSpPr>
       <p:sp>
         <p:nvSpPr>
-          <p:cNvPr id="65" name=""/>
-          <p:cNvSpPr txBox="1"/>
-          <p:nvPr/>
+          <p:cNvPr id="67" name="PlaceHolder 1"/>
+          <p:cNvSpPr>
+            <a:spLocks noGrp="1"/>
+          </p:cNvSpPr>
+          <p:nvPr>
+            <p:ph type="title"/>
+          </p:nvPr>
         </p:nvSpPr>
         <p:spPr>
           <a:xfrm>
@@ -11873,7 +12102,9 @@
             <a:noAutofit/>
           </a:bodyPr>
           <a:p>
-            <a:pPr algn="ctr"/>
+            <a:pPr indent="0" algn="ctr">
+              <a:buNone/>
+            </a:pPr>
             <a:r>
               <a:rPr b="0" lang="en-US" sz="14420" strike="noStrike" u="none">
                 <a:solidFill>
@@ -11926,9 +12157,13 @@
       </p:grpSpPr>
       <p:sp>
         <p:nvSpPr>
-          <p:cNvPr id="66" name=""/>
-          <p:cNvSpPr txBox="1"/>
-          <p:nvPr/>
+          <p:cNvPr id="68" name="PlaceHolder 1"/>
+          <p:cNvSpPr>
+            <a:spLocks noGrp="1"/>
+          </p:cNvSpPr>
+          <p:nvPr>
+            <p:ph type="title"/>
+          </p:nvPr>
         </p:nvSpPr>
         <p:spPr>
           <a:xfrm>
@@ -11948,7 +12183,9 @@
             <a:noAutofit/>
           </a:bodyPr>
           <a:p>
-            <a:pPr algn="ctr"/>
+            <a:pPr indent="0" algn="ctr">
+              <a:buNone/>
+            </a:pPr>
             <a:r>
               <a:rPr b="0" lang="en-US" sz="14420" strike="noStrike" u="none">
                 <a:solidFill>
@@ -12015,9 +12252,13 @@
       </p:grpSpPr>
       <p:sp>
         <p:nvSpPr>
-          <p:cNvPr id="67" name=""/>
-          <p:cNvSpPr txBox="1"/>
-          <p:nvPr/>
+          <p:cNvPr id="69" name="PlaceHolder 1"/>
+          <p:cNvSpPr>
+            <a:spLocks noGrp="1"/>
+          </p:cNvSpPr>
+          <p:nvPr>
+            <p:ph type="title"/>
+          </p:nvPr>
         </p:nvSpPr>
         <p:spPr>
           <a:xfrm>
@@ -12037,7 +12278,9 @@
             <a:noAutofit/>
           </a:bodyPr>
           <a:p>
-            <a:pPr algn="ctr"/>
+            <a:pPr indent="0" algn="ctr">
+              <a:buNone/>
+            </a:pPr>
             <a:r>
               <a:rPr b="0" lang="en-US" sz="14420" strike="noStrike" u="none">
                 <a:solidFill>
@@ -12090,9 +12333,13 @@
       </p:grpSpPr>
       <p:sp>
         <p:nvSpPr>
-          <p:cNvPr id="68" name=""/>
-          <p:cNvSpPr txBox="1"/>
-          <p:nvPr/>
+          <p:cNvPr id="70" name="PlaceHolder 1"/>
+          <p:cNvSpPr>
+            <a:spLocks noGrp="1"/>
+          </p:cNvSpPr>
+          <p:nvPr>
+            <p:ph type="title"/>
+          </p:nvPr>
         </p:nvSpPr>
         <p:spPr>
           <a:xfrm>
@@ -12112,7 +12359,9 @@
             <a:noAutofit/>
           </a:bodyPr>
           <a:p>
-            <a:pPr algn="ctr"/>
+            <a:pPr indent="0" algn="ctr">
+              <a:buNone/>
+            </a:pPr>
             <a:r>
               <a:rPr b="0" lang="en-US" sz="14420" strike="noStrike" u="none">
                 <a:solidFill>
@@ -12135,7 +12384,7 @@
       </p:sp>
       <p:pic>
         <p:nvPicPr>
-          <p:cNvPr id="69" name="" descr=""/>
+          <p:cNvPr id="71" name="" descr=""/>
           <p:cNvPicPr/>
           <p:nvPr/>
         </p:nvPicPr>
@@ -12189,13 +12438,13 @@
       </p:grpSpPr>
       <p:graphicFrame>
         <p:nvGraphicFramePr>
-          <p:cNvPr id="70" name=""/>
+          <p:cNvPr id="72" name=""/>
           <p:cNvGraphicFramePr/>
           <p:nvPr/>
         </p:nvGraphicFramePr>
         <p:xfrm>
           <a:off x="239760" y="168480"/>
-          <a:ext cx="9601200" cy="5257800"/>
+          <a:ext cx="9600840" cy="5322240"/>
         </p:xfrm>
         <a:graphic>
           <a:graphicData uri="http://schemas.openxmlformats.org/drawingml/2006/table">
@@ -12842,7 +13091,7 @@
       </p:grpSpPr>
       <p:pic>
         <p:nvPicPr>
-          <p:cNvPr id="71" name="" descr=""/>
+          <p:cNvPr id="73" name="" descr=""/>
           <p:cNvPicPr/>
           <p:nvPr/>
         </p:nvPicPr>
@@ -12954,7 +13203,7 @@
                 <a:srgbClr val="ffffff"/>
               </a:solidFill>
               <a:uFillTx/>
-              <a:latin typeface="IBM Plex Sans"/>
+              <a:latin typeface="Arial"/>
             </a:endParaRPr>
           </a:p>
           <a:p>
@@ -12973,7 +13222,7 @@
                 <a:srgbClr val="ffffff"/>
               </a:solidFill>
               <a:uFillTx/>
-              <a:latin typeface="IBM Plex Sans"/>
+              <a:latin typeface="Arial"/>
             </a:endParaRPr>
           </a:p>
           <a:p>
@@ -12992,7 +13241,7 @@
                 <a:srgbClr val="ffffff"/>
               </a:solidFill>
               <a:uFillTx/>
-              <a:latin typeface="IBM Plex Sans"/>
+              <a:latin typeface="Arial"/>
             </a:endParaRPr>
           </a:p>
           <a:p>
@@ -13012,7 +13261,7 @@
                 <a:srgbClr val="ffffff"/>
               </a:solidFill>
               <a:uFillTx/>
-              <a:latin typeface="IBM Plex Sans"/>
+              <a:latin typeface="Arial"/>
             </a:endParaRPr>
           </a:p>
         </p:txBody>
@@ -13049,7 +13298,7 @@
       </p:grpSpPr>
       <p:sp>
         <p:nvSpPr>
-          <p:cNvPr id="72" name="PlaceHolder 1"/>
+          <p:cNvPr id="74" name="PlaceHolder 1"/>
           <p:cNvSpPr>
             <a:spLocks noGrp="1"/>
           </p:cNvSpPr>
@@ -13100,7 +13349,7 @@
       </p:sp>
       <p:sp>
         <p:nvSpPr>
-          <p:cNvPr id="73" name="PlaceHolder 2"/>
+          <p:cNvPr id="75" name="PlaceHolder 2"/>
           <p:cNvSpPr>
             <a:spLocks noGrp="1"/>
           </p:cNvSpPr>
@@ -13699,9 +13948,13 @@
       </p:grpSpPr>
       <p:sp>
         <p:nvSpPr>
-          <p:cNvPr id="31" name=""/>
-          <p:cNvSpPr txBox="1"/>
-          <p:nvPr/>
+          <p:cNvPr id="31" name="PlaceHolder 1"/>
+          <p:cNvSpPr>
+            <a:spLocks noGrp="1"/>
+          </p:cNvSpPr>
+          <p:nvPr>
+            <p:ph type="title"/>
+          </p:nvPr>
         </p:nvSpPr>
         <p:spPr>
           <a:xfrm>
@@ -13721,7 +13974,9 @@
             <a:noAutofit/>
           </a:bodyPr>
           <a:p>
-            <a:pPr algn="ctr"/>
+            <a:pPr indent="0" algn="ctr">
+              <a:buNone/>
+            </a:pPr>
             <a:r>
               <a:rPr b="0" lang="en-US" sz="14420" strike="noStrike" u="none">
                 <a:solidFill>
@@ -13774,9 +14029,13 @@
       </p:grpSpPr>
       <p:sp>
         <p:nvSpPr>
-          <p:cNvPr id="32" name=""/>
-          <p:cNvSpPr txBox="1"/>
-          <p:nvPr/>
+          <p:cNvPr id="32" name="PlaceHolder 1"/>
+          <p:cNvSpPr>
+            <a:spLocks noGrp="1"/>
+          </p:cNvSpPr>
+          <p:nvPr>
+            <p:ph type="title"/>
+          </p:nvPr>
         </p:nvSpPr>
         <p:spPr>
           <a:xfrm>
@@ -13796,7 +14055,9 @@
             <a:noAutofit/>
           </a:bodyPr>
           <a:p>
-            <a:pPr algn="ctr"/>
+            <a:pPr indent="0" algn="ctr">
+              <a:buNone/>
+            </a:pPr>
             <a:r>
               <a:rPr b="0" lang="en-US" sz="14420" strike="noStrike" u="none">
                 <a:solidFill>

--- a/papers/2025plmw.pptx
+++ b/papers/2025plmw.pptx
@@ -47,7 +47,6 @@
     <p:sldId id="292" r:id="rId40"/>
     <p:sldId id="293" r:id="rId41"/>
     <p:sldId id="294" r:id="rId42"/>
-    <p:sldId id="295" r:id="rId43"/>
   </p:sldIdLst>
   <p:sldSz cx="10080625" cy="5670550"/>
   <p:notesSz cx="7772400" cy="10058400"/>
@@ -391,7 +390,7 @@
             <a:pPr indent="0" algn="r">
               <a:buNone/>
             </a:pPr>
-            <a:fld id="{C8B5C7AA-538C-4E9C-A446-B74C1041F8C8}" type="slidenum">
+            <a:fld id="{C623D57F-7E96-44B9-A48F-FD8A907B1866}" type="slidenum">
               <a:rPr b="0" lang="en-US" sz="1400" strike="noStrike" u="none">
                 <a:solidFill>
                   <a:srgbClr val="000000"/>
@@ -436,7 +435,7 @@
       </p:grpSpPr>
       <p:sp>
         <p:nvSpPr>
-          <p:cNvPr id="76" name="PlaceHolder 1"/>
+          <p:cNvPr id="80" name="PlaceHolder 1"/>
           <p:cNvSpPr>
             <a:spLocks noGrp="1"/>
           </p:cNvSpPr>
@@ -459,7 +458,7 @@
       </p:sp>
       <p:sp>
         <p:nvSpPr>
-          <p:cNvPr id="77" name="PlaceHolder 2"/>
+          <p:cNvPr id="81" name="PlaceHolder 2"/>
           <p:cNvSpPr>
             <a:spLocks noGrp="1"/>
           </p:cNvSpPr>
@@ -532,7 +531,7 @@
       </p:grpSpPr>
       <p:sp>
         <p:nvSpPr>
-          <p:cNvPr id="94" name="PlaceHolder 1"/>
+          <p:cNvPr id="98" name="PlaceHolder 1"/>
           <p:cNvSpPr>
             <a:spLocks noGrp="1"/>
           </p:cNvSpPr>
@@ -555,7 +554,7 @@
       </p:sp>
       <p:sp>
         <p:nvSpPr>
-          <p:cNvPr id="95" name="PlaceHolder 2"/>
+          <p:cNvPr id="99" name="PlaceHolder 2"/>
           <p:cNvSpPr>
             <a:spLocks noGrp="1"/>
           </p:cNvSpPr>
@@ -734,7 +733,7 @@
       </p:grpSpPr>
       <p:sp>
         <p:nvSpPr>
-          <p:cNvPr id="96" name="PlaceHolder 1"/>
+          <p:cNvPr id="100" name="PlaceHolder 1"/>
           <p:cNvSpPr>
             <a:spLocks noGrp="1"/>
           </p:cNvSpPr>
@@ -757,7 +756,7 @@
       </p:sp>
       <p:sp>
         <p:nvSpPr>
-          <p:cNvPr id="97" name="PlaceHolder 2"/>
+          <p:cNvPr id="101" name="PlaceHolder 2"/>
           <p:cNvSpPr>
             <a:spLocks noGrp="1"/>
           </p:cNvSpPr>
@@ -954,7 +953,7 @@
       </p:grpSpPr>
       <p:sp>
         <p:nvSpPr>
-          <p:cNvPr id="98" name="PlaceHolder 1"/>
+          <p:cNvPr id="102" name="PlaceHolder 1"/>
           <p:cNvSpPr>
             <a:spLocks noGrp="1"/>
           </p:cNvSpPr>
@@ -977,7 +976,7 @@
       </p:sp>
       <p:sp>
         <p:nvSpPr>
-          <p:cNvPr id="99" name="PlaceHolder 2"/>
+          <p:cNvPr id="103" name="PlaceHolder 2"/>
           <p:cNvSpPr>
             <a:spLocks noGrp="1"/>
           </p:cNvSpPr>
@@ -1150,7 +1149,7 @@
       </p:grpSpPr>
       <p:sp>
         <p:nvSpPr>
-          <p:cNvPr id="100" name="PlaceHolder 1"/>
+          <p:cNvPr id="104" name="PlaceHolder 1"/>
           <p:cNvSpPr>
             <a:spLocks noGrp="1"/>
           </p:cNvSpPr>
@@ -1173,7 +1172,7 @@
       </p:sp>
       <p:sp>
         <p:nvSpPr>
-          <p:cNvPr id="101" name="PlaceHolder 2"/>
+          <p:cNvPr id="105" name="PlaceHolder 2"/>
           <p:cNvSpPr>
             <a:spLocks noGrp="1"/>
           </p:cNvSpPr>
@@ -1382,7 +1381,7 @@
       </p:grpSpPr>
       <p:sp>
         <p:nvSpPr>
-          <p:cNvPr id="102" name="PlaceHolder 1"/>
+          <p:cNvPr id="106" name="PlaceHolder 1"/>
           <p:cNvSpPr>
             <a:spLocks noGrp="1"/>
           </p:cNvSpPr>
@@ -1405,7 +1404,7 @@
       </p:sp>
       <p:sp>
         <p:nvSpPr>
-          <p:cNvPr id="103" name="PlaceHolder 2"/>
+          <p:cNvPr id="107" name="PlaceHolder 2"/>
           <p:cNvSpPr>
             <a:spLocks noGrp="1"/>
           </p:cNvSpPr>
@@ -1524,7 +1523,7 @@
       </p:grpSpPr>
       <p:sp>
         <p:nvSpPr>
-          <p:cNvPr id="104" name="PlaceHolder 1"/>
+          <p:cNvPr id="108" name="PlaceHolder 1"/>
           <p:cNvSpPr>
             <a:spLocks noGrp="1"/>
           </p:cNvSpPr>
@@ -1547,7 +1546,7 @@
       </p:sp>
       <p:sp>
         <p:nvSpPr>
-          <p:cNvPr id="105" name="PlaceHolder 2"/>
+          <p:cNvPr id="109" name="PlaceHolder 2"/>
           <p:cNvSpPr>
             <a:spLocks noGrp="1"/>
           </p:cNvSpPr>
@@ -1708,7 +1707,7 @@
       </p:grpSpPr>
       <p:sp>
         <p:nvSpPr>
-          <p:cNvPr id="106" name="PlaceHolder 1"/>
+          <p:cNvPr id="110" name="PlaceHolder 1"/>
           <p:cNvSpPr>
             <a:spLocks noGrp="1"/>
           </p:cNvSpPr>
@@ -1731,7 +1730,7 @@
       </p:sp>
       <p:sp>
         <p:nvSpPr>
-          <p:cNvPr id="107" name="PlaceHolder 2"/>
+          <p:cNvPr id="111" name="PlaceHolder 2"/>
           <p:cNvSpPr>
             <a:spLocks noGrp="1"/>
           </p:cNvSpPr>
@@ -1958,158 +1957,6 @@
             <a:pPr marL="216000" indent="-216000">
               <a:buNone/>
             </a:pPr>
-            <a:endParaRPr b="0" lang="en-US" sz="2000" strike="noStrike" u="none">
-              <a:solidFill>
-                <a:srgbClr val="000000"/>
-              </a:solidFill>
-              <a:uFillTx/>
-              <a:latin typeface="Arial"/>
-            </a:endParaRPr>
-          </a:p>
-        </p:txBody>
-      </p:sp>
-    </p:spTree>
-  </p:cSld>
-</p:notes>
-</file>
-
-<file path=ppt/notesSlides/notesSlide17.xml><?xml version="1.0" encoding="utf-8"?>
-<p:notes xmlns:a="http://schemas.openxmlformats.org/drawingml/2006/main" xmlns:p="http://schemas.openxmlformats.org/presentationml/2006/main" xmlns:r="http://schemas.openxmlformats.org/officeDocument/2006/relationships" xmlns:p14="http://schemas.microsoft.com/office/powerpoint/2010/main" xmlns:p15="http://schemas.microsoft.com/office/powerpoint/2012/main" xmlns:mc="http://schemas.openxmlformats.org/markup-compatibility/2006">
-  <p:cSld>
-    <p:spTree>
-      <p:nvGrpSpPr>
-        <p:cNvPr id="1" name=""/>
-        <p:cNvGrpSpPr/>
-        <p:nvPr/>
-      </p:nvGrpSpPr>
-      <p:grpSpPr>
-        <a:xfrm>
-          <a:off x="0" y="0"/>
-          <a:ext cx="0" cy="0"/>
-          <a:chOff x="0" y="0"/>
-          <a:chExt cx="0" cy="0"/>
-        </a:xfrm>
-      </p:grpSpPr>
-      <p:sp>
-        <p:nvSpPr>
-          <p:cNvPr id="108" name="PlaceHolder 1"/>
-          <p:cNvSpPr>
-            <a:spLocks noGrp="1"/>
-          </p:cNvSpPr>
-          <p:nvPr>
-            <p:ph type="sldImg"/>
-          </p:nvPr>
-        </p:nvSpPr>
-        <p:spPr>
-          <a:xfrm>
-            <a:off x="533520" y="764280"/>
-            <a:ext cx="6704640" cy="3771360"/>
-          </a:xfrm>
-          <a:prstGeom prst="rect">
-            <a:avLst/>
-          </a:prstGeom>
-          <a:ln w="0">
-            <a:noFill/>
-          </a:ln>
-        </p:spPr>
-      </p:sp>
-      <p:sp>
-        <p:nvSpPr>
-          <p:cNvPr id="109" name="PlaceHolder 2"/>
-          <p:cNvSpPr>
-            <a:spLocks noGrp="1"/>
-          </p:cNvSpPr>
-          <p:nvPr>
-            <p:ph type="body"/>
-          </p:nvPr>
-        </p:nvSpPr>
-        <p:spPr>
-          <a:xfrm>
-            <a:off x="777240" y="4777560"/>
-            <a:ext cx="6217560" cy="4525920"/>
-          </a:xfrm>
-          <a:prstGeom prst="rect">
-            <a:avLst/>
-          </a:prstGeom>
-          <a:noFill/>
-          <a:ln w="0">
-            <a:noFill/>
-          </a:ln>
-        </p:spPr>
-        <p:txBody>
-          <a:bodyPr lIns="0" rIns="0" tIns="0" bIns="0" anchor="t">
-            <a:noAutofit/>
-          </a:bodyPr>
-          <a:p>
-            <a:pPr marL="216000" indent="-216000">
-              <a:buNone/>
-            </a:pPr>
-            <a:r>
-              <a:rPr b="0" lang="en-US" sz="2000" strike="noStrike" u="none">
-                <a:solidFill>
-                  <a:srgbClr val="000000"/>
-                </a:solidFill>
-                <a:uFillTx/>
-                <a:latin typeface="Arial"/>
-              </a:rPr>
-              <a:t>I don't know if you've noticed, but we're not just dorks---we're people. People like to have fun. Did you know your talk can be fun?</a:t>
-            </a:r>
-            <a:endParaRPr b="0" lang="en-US" sz="2000" strike="noStrike" u="none">
-              <a:solidFill>
-                <a:srgbClr val="000000"/>
-              </a:solidFill>
-              <a:uFillTx/>
-              <a:latin typeface="Arial"/>
-            </a:endParaRPr>
-          </a:p>
-          <a:p>
-            <a:pPr marL="216000" indent="-216000">
-              <a:buNone/>
-            </a:pPr>
-            <a:endParaRPr b="0" lang="en-US" sz="2000" strike="noStrike" u="none">
-              <a:solidFill>
-                <a:srgbClr val="000000"/>
-              </a:solidFill>
-              <a:uFillTx/>
-              <a:latin typeface="Arial"/>
-            </a:endParaRPr>
-          </a:p>
-          <a:p>
-            <a:pPr marL="216000" indent="-216000">
-              <a:buNone/>
-            </a:pPr>
-            <a:r>
-              <a:rPr b="0" lang="en-US" sz="2000" strike="noStrike" u="none">
-                <a:solidFill>
-                  <a:srgbClr val="000000"/>
-                </a:solidFill>
-                <a:uFillTx/>
-                <a:latin typeface="Arial"/>
-              </a:rPr>
-              <a:t>most controversial point. but you are competing for attention!</a:t>
-            </a:r>
-            <a:endParaRPr b="0" lang="en-US" sz="2000" strike="noStrike" u="none">
-              <a:solidFill>
-                <a:srgbClr val="000000"/>
-              </a:solidFill>
-              <a:uFillTx/>
-              <a:latin typeface="Arial"/>
-            </a:endParaRPr>
-          </a:p>
-          <a:p>
-            <a:pPr marL="216000" indent="-216000">
-              <a:buNone/>
-            </a:pPr>
-            <a:r>
-              <a:rPr b="0" lang="en-US" sz="2000" strike="noStrike" u="none">
-                <a:solidFill>
-                  <a:srgbClr val="000000"/>
-                </a:solidFill>
-                <a:uFillTx/>
-                <a:latin typeface="Arial"/>
-              </a:rPr>
-              <a:t>entertainment is a tool you can use for that</a:t>
-            </a:r>
             <a:endParaRPr b="0" lang="en-US" sz="2000" strike="noStrike" u="none">
               <a:solidFill>
                 <a:srgbClr val="000000"/>
@@ -2144,7 +1991,7 @@
       </p:grpSpPr>
       <p:sp>
         <p:nvSpPr>
-          <p:cNvPr id="110" name="PlaceHolder 1"/>
+          <p:cNvPr id="112" name="PlaceHolder 1"/>
           <p:cNvSpPr>
             <a:spLocks noGrp="1"/>
           </p:cNvSpPr>
@@ -2167,7 +2014,7 @@
       </p:sp>
       <p:sp>
         <p:nvSpPr>
-          <p:cNvPr id="111" name="PlaceHolder 2"/>
+          <p:cNvPr id="113" name="PlaceHolder 2"/>
           <p:cNvSpPr>
             <a:spLocks noGrp="1"/>
           </p:cNvSpPr>
@@ -2204,20 +2051,64 @@
                 <a:uFillTx/>
                 <a:latin typeface="Arial"/>
               </a:rPr>
-              <a:t>A talk is a performance. Like any performance, it can be scripted or improvised. Like any performance, it _must_ be practiced.</a:t>
-            </a:r>
-            <a:endParaRPr b="0" lang="en-US" sz="2000" strike="noStrike" u="none">
-              <a:solidFill>
-                <a:srgbClr val="000000"/>
-              </a:solidFill>
-              <a:uFillTx/>
-              <a:latin typeface="Arial"/>
-            </a:endParaRPr>
-          </a:p>
-          <a:p>
-            <a:pPr marL="216000" indent="-216000">
-              <a:buNone/>
-            </a:pPr>
+              <a:t>I don't know if you've noticed, but we're not just dorks---we're people. People like to have fun. Did you know your talk can be fun?</a:t>
+            </a:r>
+            <a:endParaRPr b="0" lang="en-US" sz="2000" strike="noStrike" u="none">
+              <a:solidFill>
+                <a:srgbClr val="000000"/>
+              </a:solidFill>
+              <a:uFillTx/>
+              <a:latin typeface="Arial"/>
+            </a:endParaRPr>
+          </a:p>
+          <a:p>
+            <a:pPr marL="216000" indent="-216000">
+              <a:buNone/>
+            </a:pPr>
+            <a:endParaRPr b="0" lang="en-US" sz="2000" strike="noStrike" u="none">
+              <a:solidFill>
+                <a:srgbClr val="000000"/>
+              </a:solidFill>
+              <a:uFillTx/>
+              <a:latin typeface="Arial"/>
+            </a:endParaRPr>
+          </a:p>
+          <a:p>
+            <a:pPr marL="216000" indent="-216000">
+              <a:buNone/>
+            </a:pPr>
+            <a:r>
+              <a:rPr b="0" lang="en-US" sz="2000" strike="noStrike" u="none">
+                <a:solidFill>
+                  <a:srgbClr val="000000"/>
+                </a:solidFill>
+                <a:uFillTx/>
+                <a:latin typeface="Arial"/>
+              </a:rPr>
+              <a:t>most controversial point. but you are competing for attention!</a:t>
+            </a:r>
+            <a:endParaRPr b="0" lang="en-US" sz="2000" strike="noStrike" u="none">
+              <a:solidFill>
+                <a:srgbClr val="000000"/>
+              </a:solidFill>
+              <a:uFillTx/>
+              <a:latin typeface="Arial"/>
+            </a:endParaRPr>
+          </a:p>
+          <a:p>
+            <a:pPr marL="216000" indent="-216000">
+              <a:buNone/>
+            </a:pPr>
+            <a:r>
+              <a:rPr b="0" lang="en-US" sz="2000" strike="noStrike" u="none">
+                <a:solidFill>
+                  <a:srgbClr val="000000"/>
+                </a:solidFill>
+                <a:uFillTx/>
+                <a:latin typeface="Arial"/>
+              </a:rPr>
+              <a:t>entertainment is a tool you can use for that</a:t>
+            </a:r>
             <a:endParaRPr b="0" lang="en-US" sz="2000" strike="noStrike" u="none">
               <a:solidFill>
                 <a:srgbClr val="000000"/>
@@ -2252,7 +2143,7 @@
       </p:grpSpPr>
       <p:sp>
         <p:nvSpPr>
-          <p:cNvPr id="112" name="PlaceHolder 1"/>
+          <p:cNvPr id="114" name="PlaceHolder 1"/>
           <p:cNvSpPr>
             <a:spLocks noGrp="1"/>
           </p:cNvSpPr>
@@ -2275,7 +2166,7 @@
       </p:sp>
       <p:sp>
         <p:nvSpPr>
-          <p:cNvPr id="113" name="PlaceHolder 2"/>
+          <p:cNvPr id="115" name="PlaceHolder 2"/>
           <p:cNvSpPr>
             <a:spLocks noGrp="1"/>
           </p:cNvSpPr>
@@ -2312,42 +2203,20 @@
                 <a:uFillTx/>
                 <a:latin typeface="Arial"/>
               </a:rPr>
-              <a:t>Lots of tools to make a good performance: humor, sincerity, excitement, careful planning and pacing, raw charisma.</a:t>
-            </a:r>
-            <a:endParaRPr b="0" lang="en-US" sz="2000" strike="noStrike" u="none">
-              <a:solidFill>
-                <a:srgbClr val="000000"/>
-              </a:solidFill>
-              <a:uFillTx/>
-              <a:latin typeface="Arial"/>
-            </a:endParaRPr>
-          </a:p>
-          <a:p>
-            <a:pPr marL="216000" indent="-216000">
-              <a:buNone/>
-            </a:pPr>
-            <a:endParaRPr b="0" lang="en-US" sz="2000" strike="noStrike" u="none">
-              <a:solidFill>
-                <a:srgbClr val="000000"/>
-              </a:solidFill>
-              <a:uFillTx/>
-              <a:latin typeface="Arial"/>
-            </a:endParaRPr>
-          </a:p>
-          <a:p>
-            <a:pPr marL="216000" indent="-216000">
-              <a:buNone/>
-            </a:pPr>
-            <a:r>
-              <a:rPr b="0" lang="en-US" sz="2000" strike="noStrike" u="none">
-                <a:solidFill>
-                  <a:srgbClr val="000000"/>
-                </a:solidFill>
-                <a:uFillTx/>
-                <a:latin typeface="Arial"/>
-              </a:rPr>
-              <a:t>Some of these might come to you more naturally than others. Use your strengths!</a:t>
-            </a:r>
+              <a:t>A talk is a performance. Like any performance, it can be scripted or improvised. Like any performance, it _must_ be practiced.</a:t>
+            </a:r>
+            <a:endParaRPr b="0" lang="en-US" sz="2000" strike="noStrike" u="none">
+              <a:solidFill>
+                <a:srgbClr val="000000"/>
+              </a:solidFill>
+              <a:uFillTx/>
+              <a:latin typeface="Arial"/>
+            </a:endParaRPr>
+          </a:p>
+          <a:p>
+            <a:pPr marL="216000" indent="-216000">
+              <a:buNone/>
+            </a:pPr>
             <a:endParaRPr b="0" lang="en-US" sz="2000" strike="noStrike" u="none">
               <a:solidFill>
                 <a:srgbClr val="000000"/>
@@ -2382,7 +2251,7 @@
       </p:grpSpPr>
       <p:sp>
         <p:nvSpPr>
-          <p:cNvPr id="78" name="PlaceHolder 1"/>
+          <p:cNvPr id="82" name="PlaceHolder 1"/>
           <p:cNvSpPr>
             <a:spLocks noGrp="1"/>
           </p:cNvSpPr>
@@ -2405,7 +2274,7 @@
       </p:sp>
       <p:sp>
         <p:nvSpPr>
-          <p:cNvPr id="79" name="PlaceHolder 2"/>
+          <p:cNvPr id="83" name="PlaceHolder 2"/>
           <p:cNvSpPr>
             <a:spLocks noGrp="1"/>
           </p:cNvSpPr>
@@ -2546,7 +2415,7 @@
       </p:grpSpPr>
       <p:sp>
         <p:nvSpPr>
-          <p:cNvPr id="114" name="PlaceHolder 1"/>
+          <p:cNvPr id="116" name="PlaceHolder 1"/>
           <p:cNvSpPr>
             <a:spLocks noGrp="1"/>
           </p:cNvSpPr>
@@ -2569,7 +2438,7 @@
       </p:sp>
       <p:sp>
         <p:nvSpPr>
-          <p:cNvPr id="115" name="PlaceHolder 2"/>
+          <p:cNvPr id="117" name="PlaceHolder 2"/>
           <p:cNvSpPr>
             <a:spLocks noGrp="1"/>
           </p:cNvSpPr>
@@ -2606,20 +2475,42 @@
                 <a:uFillTx/>
                 <a:latin typeface="Arial"/>
               </a:rPr>
-              <a:t>You may not feel very natural at all, in which case there is only one thing to do: practice. Give talks to friendly audiences and get feedback on the presentation; adapt; improve. Give lots and lots and lots of talks.</a:t>
-            </a:r>
-            <a:endParaRPr b="0" lang="en-US" sz="2000" strike="noStrike" u="none">
-              <a:solidFill>
-                <a:srgbClr val="000000"/>
-              </a:solidFill>
-              <a:uFillTx/>
-              <a:latin typeface="Arial"/>
-            </a:endParaRPr>
-          </a:p>
-          <a:p>
-            <a:pPr marL="216000" indent="-216000">
-              <a:buNone/>
-            </a:pPr>
+              <a:t>Lots of tools to make a good performance: humor, sincerity, excitement, careful planning and pacing, raw charisma.</a:t>
+            </a:r>
+            <a:endParaRPr b="0" lang="en-US" sz="2000" strike="noStrike" u="none">
+              <a:solidFill>
+                <a:srgbClr val="000000"/>
+              </a:solidFill>
+              <a:uFillTx/>
+              <a:latin typeface="Arial"/>
+            </a:endParaRPr>
+          </a:p>
+          <a:p>
+            <a:pPr marL="216000" indent="-216000">
+              <a:buNone/>
+            </a:pPr>
+            <a:endParaRPr b="0" lang="en-US" sz="2000" strike="noStrike" u="none">
+              <a:solidFill>
+                <a:srgbClr val="000000"/>
+              </a:solidFill>
+              <a:uFillTx/>
+              <a:latin typeface="Arial"/>
+            </a:endParaRPr>
+          </a:p>
+          <a:p>
+            <a:pPr marL="216000" indent="-216000">
+              <a:buNone/>
+            </a:pPr>
+            <a:r>
+              <a:rPr b="0" lang="en-US" sz="2000" strike="noStrike" u="none">
+                <a:solidFill>
+                  <a:srgbClr val="000000"/>
+                </a:solidFill>
+                <a:uFillTx/>
+                <a:latin typeface="Arial"/>
+              </a:rPr>
+              <a:t>Some of these might come to you more naturally than others. Use your strengths!</a:t>
+            </a:r>
             <a:endParaRPr b="0" lang="en-US" sz="2000" strike="noStrike" u="none">
               <a:solidFill>
                 <a:srgbClr val="000000"/>
@@ -2654,7 +2545,7 @@
       </p:grpSpPr>
       <p:sp>
         <p:nvSpPr>
-          <p:cNvPr id="116" name="PlaceHolder 1"/>
+          <p:cNvPr id="118" name="PlaceHolder 1"/>
           <p:cNvSpPr>
             <a:spLocks noGrp="1"/>
           </p:cNvSpPr>
@@ -2677,7 +2568,7 @@
       </p:sp>
       <p:sp>
         <p:nvSpPr>
-          <p:cNvPr id="117" name="PlaceHolder 2"/>
+          <p:cNvPr id="119" name="PlaceHolder 2"/>
           <p:cNvSpPr>
             <a:spLocks noGrp="1"/>
           </p:cNvSpPr>
@@ -2714,75 +2605,73 @@
                 <a:uFillTx/>
                 <a:latin typeface="Arial"/>
               </a:rPr>
-              <a:t>Your talks are your public persona.</a:t>
-            </a:r>
-            <a:endParaRPr b="0" lang="en-US" sz="2000" strike="noStrike" u="none">
-              <a:solidFill>
-                <a:srgbClr val="000000"/>
-              </a:solidFill>
-              <a:uFillTx/>
-              <a:latin typeface="Arial"/>
-            </a:endParaRPr>
-          </a:p>
-          <a:p>
-            <a:pPr marL="216000" indent="-216000">
-              <a:buNone/>
-            </a:pPr>
-            <a:endParaRPr b="0" lang="en-US" sz="2000" strike="noStrike" u="none">
-              <a:solidFill>
-                <a:srgbClr val="000000"/>
-              </a:solidFill>
-              <a:uFillTx/>
-              <a:latin typeface="Arial"/>
-            </a:endParaRPr>
-          </a:p>
-          <a:p>
-            <a:pPr marL="216000" indent="-216000">
-              <a:buNone/>
-            </a:pPr>
-            <a:r>
-              <a:rPr b="0" lang="en-US" sz="2000" strike="noStrike" u="none">
-                <a:solidFill>
-                  <a:srgbClr val="000000"/>
-                </a:solidFill>
-                <a:uFillTx/>
-                <a:latin typeface="Arial"/>
-              </a:rPr>
-              <a:t>If you pursue a career as a researcher, you will give a "job talk"---a presentation of your recent work meant to convey who you are, what you have done, what you will do, and what you will be like as a colleague.</a:t>
-            </a:r>
-            <a:endParaRPr b="0" lang="en-US" sz="2000" strike="noStrike" u="none">
-              <a:solidFill>
-                <a:srgbClr val="000000"/>
-              </a:solidFill>
-              <a:uFillTx/>
-              <a:latin typeface="Arial"/>
-            </a:endParaRPr>
-          </a:p>
-          <a:p>
-            <a:pPr marL="216000" indent="-216000">
-              <a:buNone/>
-            </a:pPr>
-            <a:endParaRPr b="0" lang="en-US" sz="2000" strike="noStrike" u="none">
-              <a:solidFill>
-                <a:srgbClr val="000000"/>
-              </a:solidFill>
-              <a:uFillTx/>
-              <a:latin typeface="Arial"/>
-            </a:endParaRPr>
-          </a:p>
-          <a:p>
-            <a:pPr marL="216000" indent="-216000">
-              <a:buNone/>
-            </a:pPr>
-            <a:r>
-              <a:rPr b="0" lang="en-US" sz="2000" strike="noStrike" u="none">
-                <a:solidFill>
-                  <a:srgbClr val="000000"/>
-                </a:solidFill>
-                <a:uFillTx/>
-                <a:latin typeface="Arial"/>
-              </a:rPr>
-              <a:t>You'll want to be able to give a good job talk. Giving lots and lots of talks will make it easier to give a good job talk.</a:t>
+              <a:t>You may not feel very natural at all, in which case there is only one thing to do: practice.</a:t>
+            </a:r>
+            <a:endParaRPr b="0" lang="en-US" sz="2000" strike="noStrike" u="none">
+              <a:solidFill>
+                <a:srgbClr val="000000"/>
+              </a:solidFill>
+              <a:uFillTx/>
+              <a:latin typeface="Arial"/>
+            </a:endParaRPr>
+          </a:p>
+          <a:p>
+            <a:pPr marL="216000" indent="-216000">
+              <a:buNone/>
+            </a:pPr>
+            <a:r>
+              <a:rPr b="0" lang="en-US" sz="2000" strike="noStrike" u="none">
+                <a:solidFill>
+                  <a:srgbClr val="000000"/>
+                </a:solidFill>
+                <a:uFillTx/>
+                <a:latin typeface="Arial"/>
+              </a:rPr>
+              <a:t>Give talks to friendly audiences and get feedback on the presentation; adapt; improve.</a:t>
+            </a:r>
+            <a:endParaRPr b="0" lang="en-US" sz="2000" strike="noStrike" u="none">
+              <a:solidFill>
+                <a:srgbClr val="000000"/>
+              </a:solidFill>
+              <a:uFillTx/>
+              <a:latin typeface="Arial"/>
+            </a:endParaRPr>
+          </a:p>
+          <a:p>
+            <a:pPr marL="216000" indent="-216000">
+              <a:buNone/>
+            </a:pPr>
+            <a:r>
+              <a:rPr b="0" lang="en-US" sz="2000" strike="noStrike" u="none">
+                <a:solidFill>
+                  <a:srgbClr val="000000"/>
+                </a:solidFill>
+                <a:uFillTx/>
+                <a:latin typeface="Arial"/>
+              </a:rPr>
+              <a:t>Give lots and lots and lots of talks.</a:t>
+            </a:r>
+            <a:endParaRPr b="0" lang="en-US" sz="2000" strike="noStrike" u="none">
+              <a:solidFill>
+                <a:srgbClr val="000000"/>
+              </a:solidFill>
+              <a:uFillTx/>
+              <a:latin typeface="Arial"/>
+            </a:endParaRPr>
+          </a:p>
+          <a:p>
+            <a:pPr marL="216000" indent="-216000">
+              <a:buNone/>
+            </a:pPr>
+            <a:r>
+              <a:rPr b="0" lang="en-US" sz="2000" strike="noStrike" u="none">
+                <a:solidFill>
+                  <a:srgbClr val="000000"/>
+                </a:solidFill>
+                <a:uFillTx/>
+                <a:latin typeface="Arial"/>
+              </a:rPr>
+              <a:t>And, per Joe, watch a lot of them!</a:t>
             </a:r>
             <a:endParaRPr b="0" lang="en-US" sz="2000" strike="noStrike" u="none">
               <a:solidFill>
@@ -2818,7 +2707,7 @@
       </p:grpSpPr>
       <p:sp>
         <p:nvSpPr>
-          <p:cNvPr id="118" name="PlaceHolder 1"/>
+          <p:cNvPr id="120" name="PlaceHolder 1"/>
           <p:cNvSpPr>
             <a:spLocks noGrp="1"/>
           </p:cNvSpPr>
@@ -2841,7 +2730,7 @@
       </p:sp>
       <p:sp>
         <p:nvSpPr>
-          <p:cNvPr id="119" name="PlaceHolder 2"/>
+          <p:cNvPr id="121" name="PlaceHolder 2"/>
           <p:cNvSpPr>
             <a:spLocks noGrp="1"/>
           </p:cNvSpPr>
@@ -2878,20 +2767,76 @@
                 <a:uFillTx/>
                 <a:latin typeface="Arial"/>
               </a:rPr>
-              <a:t>But also: every talk you give is a job talk---it's the only time most people in the community will see your work. Your talks are "you".</a:t>
-            </a:r>
-            <a:endParaRPr b="0" lang="en-US" sz="2000" strike="noStrike" u="none">
-              <a:solidFill>
-                <a:srgbClr val="000000"/>
-              </a:solidFill>
-              <a:uFillTx/>
-              <a:latin typeface="Arial"/>
-            </a:endParaRPr>
-          </a:p>
-          <a:p>
-            <a:pPr marL="216000" indent="-216000">
-              <a:buNone/>
-            </a:pPr>
+              <a:t>Your talks are your public persona.</a:t>
+            </a:r>
+            <a:endParaRPr b="0" lang="en-US" sz="2000" strike="noStrike" u="none">
+              <a:solidFill>
+                <a:srgbClr val="000000"/>
+              </a:solidFill>
+              <a:uFillTx/>
+              <a:latin typeface="Arial"/>
+            </a:endParaRPr>
+          </a:p>
+          <a:p>
+            <a:pPr marL="216000" indent="-216000">
+              <a:buNone/>
+            </a:pPr>
+            <a:endParaRPr b="0" lang="en-US" sz="2000" strike="noStrike" u="none">
+              <a:solidFill>
+                <a:srgbClr val="000000"/>
+              </a:solidFill>
+              <a:uFillTx/>
+              <a:latin typeface="Arial"/>
+            </a:endParaRPr>
+          </a:p>
+          <a:p>
+            <a:pPr marL="216000" indent="-216000">
+              <a:buNone/>
+            </a:pPr>
+            <a:r>
+              <a:rPr b="0" lang="en-US" sz="2000" strike="noStrike" u="none">
+                <a:solidFill>
+                  <a:srgbClr val="000000"/>
+                </a:solidFill>
+                <a:uFillTx/>
+                <a:latin typeface="Arial"/>
+              </a:rPr>
+              <a:t>If you pursue a career as a researcher, you will give a "job talk"---a presentation of your recent work meant to convey who you are, what you have done, what you will do, and what you will be like as a colleague.</a:t>
+            </a:r>
+            <a:endParaRPr b="0" lang="en-US" sz="2000" strike="noStrike" u="none">
+              <a:solidFill>
+                <a:srgbClr val="000000"/>
+              </a:solidFill>
+              <a:uFillTx/>
+              <a:latin typeface="Arial"/>
+            </a:endParaRPr>
+          </a:p>
+          <a:p>
+            <a:pPr marL="216000" indent="-216000">
+              <a:buNone/>
+            </a:pPr>
+            <a:endParaRPr b="0" lang="en-US" sz="2000" strike="noStrike" u="none">
+              <a:solidFill>
+                <a:srgbClr val="000000"/>
+              </a:solidFill>
+              <a:uFillTx/>
+              <a:latin typeface="Arial"/>
+            </a:endParaRPr>
+          </a:p>
+          <a:p>
+            <a:pPr marL="216000" indent="-216000">
+              <a:buNone/>
+            </a:pPr>
+            <a:r>
+              <a:rPr b="0" lang="en-US" sz="2000" strike="noStrike" u="none">
+                <a:solidFill>
+                  <a:srgbClr val="000000"/>
+                </a:solidFill>
+                <a:uFillTx/>
+                <a:latin typeface="Arial"/>
+              </a:rPr>
+              <a:t>You'll want to be able to give a good job talk. Giving lots and lots of talks will make it easier to give a good job talk.</a:t>
+            </a:r>
             <a:endParaRPr b="0" lang="en-US" sz="2000" strike="noStrike" u="none">
               <a:solidFill>
                 <a:srgbClr val="000000"/>
@@ -2926,7 +2871,7 @@
       </p:grpSpPr>
       <p:sp>
         <p:nvSpPr>
-          <p:cNvPr id="120" name="PlaceHolder 1"/>
+          <p:cNvPr id="122" name="PlaceHolder 1"/>
           <p:cNvSpPr>
             <a:spLocks noGrp="1"/>
           </p:cNvSpPr>
@@ -2949,7 +2894,7 @@
       </p:sp>
       <p:sp>
         <p:nvSpPr>
-          <p:cNvPr id="121" name="PlaceHolder 2"/>
+          <p:cNvPr id="123" name="PlaceHolder 2"/>
           <p:cNvSpPr>
             <a:spLocks noGrp="1"/>
           </p:cNvSpPr>
@@ -2986,29 +2931,7 @@
                 <a:uFillTx/>
                 <a:latin typeface="Arial"/>
               </a:rPr>
-              <a:t>This is a very stressful thing to point out, and I am sorry to do it. But it's true.</a:t>
-            </a:r>
-            <a:endParaRPr b="0" lang="en-US" sz="2000" strike="noStrike" u="none">
-              <a:solidFill>
-                <a:srgbClr val="000000"/>
-              </a:solidFill>
-              <a:uFillTx/>
-              <a:latin typeface="Arial"/>
-            </a:endParaRPr>
-          </a:p>
-          <a:p>
-            <a:pPr marL="216000" indent="-216000">
-              <a:buNone/>
-            </a:pPr>
-            <a:r>
-              <a:rPr b="0" lang="en-US" sz="2000" strike="noStrike" u="none">
-                <a:solidFill>
-                  <a:srgbClr val="000000"/>
-                </a:solidFill>
-                <a:uFillTx/>
-                <a:latin typeface="Arial"/>
-              </a:rPr>
-              <a:t>People are gracious and realistic---nobody expects a student's first talk to be amazing---but the rewards of speaking well are real.</a:t>
+              <a:t>But also: every talk you give is a job talk---it's the only time most people in the community will see your work. Your talks are "you".</a:t>
             </a:r>
             <a:endParaRPr b="0" lang="en-US" sz="2000" strike="noStrike" u="none">
               <a:solidFill>
@@ -3056,7 +2979,7 @@
       </p:grpSpPr>
       <p:sp>
         <p:nvSpPr>
-          <p:cNvPr id="122" name="PlaceHolder 1"/>
+          <p:cNvPr id="124" name="PlaceHolder 1"/>
           <p:cNvSpPr>
             <a:spLocks noGrp="1"/>
           </p:cNvSpPr>
@@ -3079,7 +3002,7 @@
       </p:sp>
       <p:sp>
         <p:nvSpPr>
-          <p:cNvPr id="123" name="PlaceHolder 2"/>
+          <p:cNvPr id="125" name="PlaceHolder 2"/>
           <p:cNvSpPr>
             <a:spLocks noGrp="1"/>
           </p:cNvSpPr>
@@ -3116,142 +3039,42 @@
                 <a:uFillTx/>
                 <a:latin typeface="Arial"/>
               </a:rPr>
-              <a:t>We’ve talked about what a good talk should do.</a:t>
-            </a:r>
-            <a:endParaRPr b="0" lang="en-US" sz="2000" strike="noStrike" u="none">
-              <a:solidFill>
-                <a:srgbClr val="000000"/>
-              </a:solidFill>
-              <a:uFillTx/>
-              <a:latin typeface="Arial"/>
-            </a:endParaRPr>
-          </a:p>
-          <a:p>
-            <a:pPr marL="216000" indent="-216000">
-              <a:buNone/>
-            </a:pPr>
-            <a:endParaRPr b="0" lang="en-US" sz="2000" strike="noStrike" u="none">
-              <a:solidFill>
-                <a:srgbClr val="000000"/>
-              </a:solidFill>
-              <a:uFillTx/>
-              <a:latin typeface="Arial"/>
-            </a:endParaRPr>
-          </a:p>
-          <a:p>
-            <a:pPr marL="216000" indent="-216000">
-              <a:buNone/>
-            </a:pPr>
-            <a:r>
-              <a:rPr b="0" lang="en-US" sz="2000" strike="noStrike" u="none">
-                <a:solidFill>
-                  <a:srgbClr val="000000"/>
-                </a:solidFill>
-                <a:uFillTx/>
-                <a:latin typeface="Arial"/>
-              </a:rPr>
-              <a:t>inform – motivate the value of your work up front</a:t>
-            </a:r>
-            <a:endParaRPr b="0" lang="en-US" sz="2000" strike="noStrike" u="none">
-              <a:solidFill>
-                <a:srgbClr val="000000"/>
-              </a:solidFill>
-              <a:uFillTx/>
-              <a:latin typeface="Arial"/>
-            </a:endParaRPr>
-          </a:p>
-          <a:p>
-            <a:pPr marL="216000" indent="-216000">
-              <a:buNone/>
-            </a:pPr>
-            <a:r>
-              <a:rPr b="0" lang="en-US" sz="2000" strike="noStrike" u="none">
-                <a:solidFill>
-                  <a:srgbClr val="000000"/>
-                </a:solidFill>
-                <a:uFillTx/>
-                <a:latin typeface="Arial"/>
-              </a:rPr>
-              <a:t>educate – teach something portable (deliver value!)</a:t>
-            </a:r>
-            <a:endParaRPr b="0" lang="en-US" sz="2000" strike="noStrike" u="none">
-              <a:solidFill>
-                <a:srgbClr val="000000"/>
-              </a:solidFill>
-              <a:uFillTx/>
-              <a:latin typeface="Arial"/>
-            </a:endParaRPr>
-          </a:p>
-          <a:p>
-            <a:pPr marL="216000" indent="-216000">
-              <a:buNone/>
-            </a:pPr>
-            <a:r>
-              <a:rPr b="0" lang="en-US" sz="2000" strike="noStrike" u="none">
-                <a:solidFill>
-                  <a:srgbClr val="000000"/>
-                </a:solidFill>
-                <a:uFillTx/>
-                <a:latin typeface="Arial"/>
-              </a:rPr>
-              <a:t>entertain – cultivate a public person, hold attention</a:t>
-            </a:r>
-            <a:endParaRPr b="0" lang="en-US" sz="2000" strike="noStrike" u="none">
-              <a:solidFill>
-                <a:srgbClr val="000000"/>
-              </a:solidFill>
-              <a:uFillTx/>
-              <a:latin typeface="Arial"/>
-            </a:endParaRPr>
-          </a:p>
-          <a:p>
-            <a:pPr marL="216000" indent="-216000">
-              <a:buNone/>
-            </a:pPr>
-            <a:endParaRPr b="0" lang="en-US" sz="2000" strike="noStrike" u="none">
-              <a:solidFill>
-                <a:srgbClr val="000000"/>
-              </a:solidFill>
-              <a:uFillTx/>
-              <a:latin typeface="Arial"/>
-            </a:endParaRPr>
-          </a:p>
-          <a:p>
-            <a:pPr marL="216000" indent="-216000">
-              <a:buNone/>
-            </a:pPr>
-            <a:r>
-              <a:rPr b="0" lang="en-US" sz="2000" strike="noStrike" u="none">
-                <a:solidFill>
-                  <a:srgbClr val="000000"/>
-                </a:solidFill>
-                <a:uFillTx/>
-                <a:latin typeface="Arial"/>
-              </a:rPr>
-              <a:t>I want to spend a bit of time talking about the technology we use to give talks</a:t>
-            </a:r>
-            <a:endParaRPr b="0" lang="en-US" sz="2000" strike="noStrike" u="none">
-              <a:solidFill>
-                <a:srgbClr val="000000"/>
-              </a:solidFill>
-              <a:uFillTx/>
-              <a:latin typeface="Arial"/>
-            </a:endParaRPr>
-          </a:p>
-          <a:p>
-            <a:pPr marL="216000" indent="-216000">
-              <a:buNone/>
-            </a:pPr>
-            <a:r>
-              <a:rPr b="0" lang="en-US" sz="2000" strike="noStrike" u="none">
-                <a:solidFill>
-                  <a:srgbClr val="000000"/>
-                </a:solidFill>
-                <a:uFillTx/>
-                <a:latin typeface="Arial"/>
-              </a:rPr>
-              <a:t>and then I’ll dig more into value</a:t>
-            </a:r>
+              <a:t>This is a very stressful thing to point out, and I am sorry to do it. But it's true.</a:t>
+            </a:r>
+            <a:endParaRPr b="0" lang="en-US" sz="2000" strike="noStrike" u="none">
+              <a:solidFill>
+                <a:srgbClr val="000000"/>
+              </a:solidFill>
+              <a:uFillTx/>
+              <a:latin typeface="Arial"/>
+            </a:endParaRPr>
+          </a:p>
+          <a:p>
+            <a:pPr marL="216000" indent="-216000">
+              <a:buNone/>
+            </a:pPr>
+            <a:r>
+              <a:rPr b="0" lang="en-US" sz="2000" strike="noStrike" u="none">
+                <a:solidFill>
+                  <a:srgbClr val="000000"/>
+                </a:solidFill>
+                <a:uFillTx/>
+                <a:latin typeface="Arial"/>
+              </a:rPr>
+              <a:t>People are gracious and realistic---nobody expects a student's first talk to be amazing---but the rewards of speaking well are real.</a:t>
+            </a:r>
+            <a:endParaRPr b="0" lang="en-US" sz="2000" strike="noStrike" u="none">
+              <a:solidFill>
+                <a:srgbClr val="000000"/>
+              </a:solidFill>
+              <a:uFillTx/>
+              <a:latin typeface="Arial"/>
+            </a:endParaRPr>
+          </a:p>
+          <a:p>
+            <a:pPr marL="216000" indent="-216000">
+              <a:buNone/>
+            </a:pPr>
             <a:endParaRPr b="0" lang="en-US" sz="2000" strike="noStrike" u="none">
               <a:solidFill>
                 <a:srgbClr val="000000"/>
@@ -3286,7 +3109,7 @@
       </p:grpSpPr>
       <p:sp>
         <p:nvSpPr>
-          <p:cNvPr id="124" name="PlaceHolder 1"/>
+          <p:cNvPr id="126" name="PlaceHolder 1"/>
           <p:cNvSpPr>
             <a:spLocks noGrp="1"/>
           </p:cNvSpPr>
@@ -3309,7 +3132,7 @@
       </p:sp>
       <p:sp>
         <p:nvSpPr>
-          <p:cNvPr id="125" name="PlaceHolder 2"/>
+          <p:cNvPr id="127" name="PlaceHolder 2"/>
           <p:cNvSpPr>
             <a:spLocks noGrp="1"/>
           </p:cNvSpPr>
@@ -3346,7 +3169,141 @@
                 <a:uFillTx/>
                 <a:latin typeface="Arial"/>
               </a:rPr>
-              <a:t>You may notice that I have not really talked about the tools we use to give talks: slideshow software, presentation remotes, whatever.</a:t>
+              <a:t>We’ve talked about what a good talk should do.</a:t>
+            </a:r>
+            <a:endParaRPr b="0" lang="en-US" sz="2000" strike="noStrike" u="none">
+              <a:solidFill>
+                <a:srgbClr val="000000"/>
+              </a:solidFill>
+              <a:uFillTx/>
+              <a:latin typeface="Arial"/>
+            </a:endParaRPr>
+          </a:p>
+          <a:p>
+            <a:pPr marL="216000" indent="-216000">
+              <a:buNone/>
+            </a:pPr>
+            <a:endParaRPr b="0" lang="en-US" sz="2000" strike="noStrike" u="none">
+              <a:solidFill>
+                <a:srgbClr val="000000"/>
+              </a:solidFill>
+              <a:uFillTx/>
+              <a:latin typeface="Arial"/>
+            </a:endParaRPr>
+          </a:p>
+          <a:p>
+            <a:pPr marL="216000" indent="-216000">
+              <a:buNone/>
+            </a:pPr>
+            <a:r>
+              <a:rPr b="0" lang="en-US" sz="2000" strike="noStrike" u="none">
+                <a:solidFill>
+                  <a:srgbClr val="000000"/>
+                </a:solidFill>
+                <a:uFillTx/>
+                <a:latin typeface="Arial"/>
+              </a:rPr>
+              <a:t>inform – motivate the value of your work up front</a:t>
+            </a:r>
+            <a:endParaRPr b="0" lang="en-US" sz="2000" strike="noStrike" u="none">
+              <a:solidFill>
+                <a:srgbClr val="000000"/>
+              </a:solidFill>
+              <a:uFillTx/>
+              <a:latin typeface="Arial"/>
+            </a:endParaRPr>
+          </a:p>
+          <a:p>
+            <a:pPr marL="216000" indent="-216000">
+              <a:buNone/>
+            </a:pPr>
+            <a:r>
+              <a:rPr b="0" lang="en-US" sz="2000" strike="noStrike" u="none">
+                <a:solidFill>
+                  <a:srgbClr val="000000"/>
+                </a:solidFill>
+                <a:uFillTx/>
+                <a:latin typeface="Arial"/>
+              </a:rPr>
+              <a:t>educate – teach something portable (deliver value!)</a:t>
+            </a:r>
+            <a:endParaRPr b="0" lang="en-US" sz="2000" strike="noStrike" u="none">
+              <a:solidFill>
+                <a:srgbClr val="000000"/>
+              </a:solidFill>
+              <a:uFillTx/>
+              <a:latin typeface="Arial"/>
+            </a:endParaRPr>
+          </a:p>
+          <a:p>
+            <a:pPr marL="216000" indent="-216000">
+              <a:buNone/>
+            </a:pPr>
+            <a:r>
+              <a:rPr b="0" lang="en-US" sz="2000" strike="noStrike" u="none">
+                <a:solidFill>
+                  <a:srgbClr val="000000"/>
+                </a:solidFill>
+                <a:uFillTx/>
+                <a:latin typeface="Arial"/>
+              </a:rPr>
+              <a:t>entertain – cultivate a public person, hold attention</a:t>
+            </a:r>
+            <a:endParaRPr b="0" lang="en-US" sz="2000" strike="noStrike" u="none">
+              <a:solidFill>
+                <a:srgbClr val="000000"/>
+              </a:solidFill>
+              <a:uFillTx/>
+              <a:latin typeface="Arial"/>
+            </a:endParaRPr>
+          </a:p>
+          <a:p>
+            <a:pPr marL="216000" indent="-216000">
+              <a:buNone/>
+            </a:pPr>
+            <a:endParaRPr b="0" lang="en-US" sz="2000" strike="noStrike" u="none">
+              <a:solidFill>
+                <a:srgbClr val="000000"/>
+              </a:solidFill>
+              <a:uFillTx/>
+              <a:latin typeface="Arial"/>
+            </a:endParaRPr>
+          </a:p>
+          <a:p>
+            <a:pPr marL="216000" indent="-216000">
+              <a:buNone/>
+            </a:pPr>
+            <a:r>
+              <a:rPr b="0" lang="en-US" sz="2000" strike="noStrike" u="none">
+                <a:solidFill>
+                  <a:srgbClr val="000000"/>
+                </a:solidFill>
+                <a:uFillTx/>
+                <a:latin typeface="Arial"/>
+              </a:rPr>
+              <a:t>I want to spend a bit of time talking about the technology we use to give talks</a:t>
+            </a:r>
+            <a:endParaRPr b="0" lang="en-US" sz="2000" strike="noStrike" u="none">
+              <a:solidFill>
+                <a:srgbClr val="000000"/>
+              </a:solidFill>
+              <a:uFillTx/>
+              <a:latin typeface="Arial"/>
+            </a:endParaRPr>
+          </a:p>
+          <a:p>
+            <a:pPr marL="216000" indent="-216000">
+              <a:buNone/>
+            </a:pPr>
+            <a:r>
+              <a:rPr b="0" lang="en-US" sz="2000" strike="noStrike" u="none">
+                <a:solidFill>
+                  <a:srgbClr val="000000"/>
+                </a:solidFill>
+                <a:uFillTx/>
+                <a:latin typeface="Arial"/>
+              </a:rPr>
+              <a:t>and then I’ll dig more into value</a:t>
             </a:r>
             <a:endParaRPr b="0" lang="en-US" sz="2000" strike="noStrike" u="none">
               <a:solidFill>
@@ -3382,7 +3339,7 @@
       </p:grpSpPr>
       <p:sp>
         <p:nvSpPr>
-          <p:cNvPr id="126" name="PlaceHolder 1"/>
+          <p:cNvPr id="128" name="PlaceHolder 1"/>
           <p:cNvSpPr>
             <a:spLocks noGrp="1"/>
           </p:cNvSpPr>
@@ -3405,7 +3362,7 @@
       </p:sp>
       <p:sp>
         <p:nvSpPr>
-          <p:cNvPr id="127" name="PlaceHolder 2"/>
+          <p:cNvPr id="129" name="PlaceHolder 2"/>
           <p:cNvSpPr>
             <a:spLocks noGrp="1"/>
           </p:cNvSpPr>
@@ -3442,108 +3399,8 @@
                 <a:uFillTx/>
                 <a:latin typeface="Arial"/>
               </a:rPr>
-              <a:t>It's because I don't care! Slides are pixels on the screen, and how you get them there is your business.</a:t>
-            </a:r>
-            <a:endParaRPr b="0" lang="en-US" sz="2000" strike="noStrike" u="none">
-              <a:solidFill>
-                <a:srgbClr val="000000"/>
-              </a:solidFill>
-              <a:uFillTx/>
-              <a:latin typeface="Arial"/>
-            </a:endParaRPr>
-          </a:p>
-          <a:p>
-            <a:pPr marL="216000" indent="-216000">
-              <a:buNone/>
-            </a:pPr>
-            <a:r>
-              <a:rPr b="0" lang="en-US" sz="2000" strike="noStrike" u="none">
-                <a:solidFill>
-                  <a:srgbClr val="000000"/>
-                </a:solidFill>
-                <a:uFillTx/>
-                <a:latin typeface="Arial"/>
-              </a:rPr>
-              <a:t>I've given good talks with beamer, keynote, powerpoint, and google slides. </a:t>
-            </a:r>
-            <a:endParaRPr b="0" lang="en-US" sz="2000" strike="noStrike" u="none">
-              <a:solidFill>
-                <a:srgbClr val="000000"/>
-              </a:solidFill>
-              <a:uFillTx/>
-              <a:latin typeface="Arial"/>
-            </a:endParaRPr>
-          </a:p>
-          <a:p>
-            <a:pPr marL="216000" indent="-216000">
-              <a:buNone/>
-            </a:pPr>
-            <a:r>
-              <a:rPr b="0" lang="en-US" sz="2000" strike="noStrike" u="none">
-                <a:solidFill>
-                  <a:srgbClr val="000000"/>
-                </a:solidFill>
-                <a:uFillTx/>
-                <a:latin typeface="Arial"/>
-              </a:rPr>
-              <a:t>I've given good talks with emacs and with a blackboard and out of a terminal.</a:t>
-            </a:r>
-            <a:endParaRPr b="0" lang="en-US" sz="2000" strike="noStrike" u="none">
-              <a:solidFill>
-                <a:srgbClr val="000000"/>
-              </a:solidFill>
-              <a:uFillTx/>
-              <a:latin typeface="Arial"/>
-            </a:endParaRPr>
-          </a:p>
-          <a:p>
-            <a:pPr marL="216000" indent="-216000">
-              <a:buNone/>
-            </a:pPr>
-            <a:r>
-              <a:rPr b="0" lang="en-US" sz="2000" strike="noStrike" u="none">
-                <a:solidFill>
-                  <a:srgbClr val="000000"/>
-                </a:solidFill>
-                <a:uFillTx/>
-                <a:latin typeface="Arial"/>
-              </a:rPr>
-              <a:t>This talk was made in LibreOffice Impress.</a:t>
-            </a:r>
-            <a:endParaRPr b="0" lang="en-US" sz="2000" strike="noStrike" u="none">
-              <a:solidFill>
-                <a:srgbClr val="000000"/>
-              </a:solidFill>
-              <a:uFillTx/>
-              <a:latin typeface="Arial"/>
-            </a:endParaRPr>
-          </a:p>
-          <a:p>
-            <a:pPr marL="216000" indent="-216000">
-              <a:buNone/>
-            </a:pPr>
-            <a:r>
-              <a:rPr b="0" lang="en-US" sz="2000" strike="noStrike" u="none">
-                <a:solidFill>
-                  <a:srgbClr val="000000"/>
-                </a:solidFill>
-                <a:uFillTx/>
-                <a:latin typeface="Arial"/>
-              </a:rPr>
-              <a:t>If you believe in yourself, anything is possible.</a:t>
-            </a:r>
-            <a:endParaRPr b="0" lang="en-US" sz="2000" strike="noStrike" u="none">
-              <a:solidFill>
-                <a:srgbClr val="000000"/>
-              </a:solidFill>
-              <a:uFillTx/>
-              <a:latin typeface="Arial"/>
-            </a:endParaRPr>
-          </a:p>
-          <a:p>
-            <a:pPr marL="216000" indent="-216000">
-              <a:buNone/>
-            </a:pPr>
+              <a:t>You may notice that I have not really talked about the tools we use to give talks: slideshow software, presentation remotes, whatever.</a:t>
+            </a:r>
             <a:endParaRPr b="0" lang="en-US" sz="2000" strike="noStrike" u="none">
               <a:solidFill>
                 <a:srgbClr val="000000"/>
@@ -3578,7 +3435,7 @@
       </p:grpSpPr>
       <p:sp>
         <p:nvSpPr>
-          <p:cNvPr id="128" name="PlaceHolder 1"/>
+          <p:cNvPr id="130" name="PlaceHolder 1"/>
           <p:cNvSpPr>
             <a:spLocks noGrp="1"/>
           </p:cNvSpPr>
@@ -3601,7 +3458,7 @@
       </p:sp>
       <p:sp>
         <p:nvSpPr>
-          <p:cNvPr id="129" name="PlaceHolder 2"/>
+          <p:cNvPr id="131" name="PlaceHolder 2"/>
           <p:cNvSpPr>
             <a:spLocks noGrp="1"/>
           </p:cNvSpPr>
@@ -3638,29 +3495,95 @@
                 <a:uFillTx/>
                 <a:latin typeface="Arial"/>
               </a:rPr>
-              <a:t>There's no shortage of advice on how to structure your narrative. Lots of ways to do it. Check out Neel’s talk.</a:t>
-            </a:r>
-            <a:endParaRPr b="0" lang="en-US" sz="2000" strike="noStrike" u="none">
-              <a:solidFill>
-                <a:srgbClr val="000000"/>
-              </a:solidFill>
-              <a:uFillTx/>
-              <a:latin typeface="Arial"/>
-            </a:endParaRPr>
-          </a:p>
-          <a:p>
-            <a:pPr marL="216000" indent="-216000">
-              <a:buNone/>
-            </a:pPr>
-            <a:r>
-              <a:rPr b="0" lang="en-US" sz="2000" strike="noStrike" u="none">
-                <a:solidFill>
-                  <a:srgbClr val="000000"/>
-                </a:solidFill>
-                <a:uFillTx/>
-                <a:latin typeface="Arial"/>
-              </a:rPr>
-              <a:t>I can give some guidelines now</a:t>
+              <a:t>It's because I don't care! Slides are pixels on the screen, and how you get them there is your business.</a:t>
+            </a:r>
+            <a:endParaRPr b="0" lang="en-US" sz="2000" strike="noStrike" u="none">
+              <a:solidFill>
+                <a:srgbClr val="000000"/>
+              </a:solidFill>
+              <a:uFillTx/>
+              <a:latin typeface="Arial"/>
+            </a:endParaRPr>
+          </a:p>
+          <a:p>
+            <a:pPr marL="216000" indent="-216000">
+              <a:buNone/>
+            </a:pPr>
+            <a:r>
+              <a:rPr b="0" lang="en-US" sz="2000" strike="noStrike" u="none">
+                <a:solidFill>
+                  <a:srgbClr val="000000"/>
+                </a:solidFill>
+                <a:uFillTx/>
+                <a:latin typeface="Arial"/>
+              </a:rPr>
+              <a:t>I've given good talks with beamer, keynote, powerpoint, and google slides. </a:t>
+            </a:r>
+            <a:endParaRPr b="0" lang="en-US" sz="2000" strike="noStrike" u="none">
+              <a:solidFill>
+                <a:srgbClr val="000000"/>
+              </a:solidFill>
+              <a:uFillTx/>
+              <a:latin typeface="Arial"/>
+            </a:endParaRPr>
+          </a:p>
+          <a:p>
+            <a:pPr marL="216000" indent="-216000">
+              <a:buNone/>
+            </a:pPr>
+            <a:r>
+              <a:rPr b="0" lang="en-US" sz="2000" strike="noStrike" u="none">
+                <a:solidFill>
+                  <a:srgbClr val="000000"/>
+                </a:solidFill>
+                <a:uFillTx/>
+                <a:latin typeface="Arial"/>
+              </a:rPr>
+              <a:t>I've given good talks with emacs and with a blackboard and out of a terminal.</a:t>
+            </a:r>
+            <a:endParaRPr b="0" lang="en-US" sz="2000" strike="noStrike" u="none">
+              <a:solidFill>
+                <a:srgbClr val="000000"/>
+              </a:solidFill>
+              <a:uFillTx/>
+              <a:latin typeface="Arial"/>
+            </a:endParaRPr>
+          </a:p>
+          <a:p>
+            <a:pPr marL="216000" indent="-216000">
+              <a:buNone/>
+            </a:pPr>
+            <a:r>
+              <a:rPr b="0" lang="en-US" sz="2000" strike="noStrike" u="none">
+                <a:solidFill>
+                  <a:srgbClr val="000000"/>
+                </a:solidFill>
+                <a:uFillTx/>
+                <a:latin typeface="Arial"/>
+              </a:rPr>
+              <a:t>This talk was made in LibreOffice Impress.</a:t>
+            </a:r>
+            <a:endParaRPr b="0" lang="en-US" sz="2000" strike="noStrike" u="none">
+              <a:solidFill>
+                <a:srgbClr val="000000"/>
+              </a:solidFill>
+              <a:uFillTx/>
+              <a:latin typeface="Arial"/>
+            </a:endParaRPr>
+          </a:p>
+          <a:p>
+            <a:pPr marL="216000" indent="-216000">
+              <a:buNone/>
+            </a:pPr>
+            <a:r>
+              <a:rPr b="0" lang="en-US" sz="2000" strike="noStrike" u="none">
+                <a:solidFill>
+                  <a:srgbClr val="000000"/>
+                </a:solidFill>
+                <a:uFillTx/>
+                <a:latin typeface="Arial"/>
+              </a:rPr>
+              <a:t>If you believe in yourself, anything is possible.</a:t>
             </a:r>
             <a:endParaRPr b="0" lang="en-US" sz="2000" strike="noStrike" u="none">
               <a:solidFill>
@@ -3708,7 +3631,7 @@
       </p:grpSpPr>
       <p:sp>
         <p:nvSpPr>
-          <p:cNvPr id="130" name="PlaceHolder 1"/>
+          <p:cNvPr id="132" name="PlaceHolder 1"/>
           <p:cNvSpPr>
             <a:spLocks noGrp="1"/>
           </p:cNvSpPr>
@@ -3731,7 +3654,7 @@
       </p:sp>
       <p:sp>
         <p:nvSpPr>
-          <p:cNvPr id="131" name="PlaceHolder 2"/>
+          <p:cNvPr id="133" name="PlaceHolder 2"/>
           <p:cNvSpPr>
             <a:spLocks noGrp="1"/>
           </p:cNvSpPr>
@@ -3768,118 +3691,42 @@
                 <a:uFillTx/>
                 <a:latin typeface="Arial"/>
               </a:rPr>
-              <a:t>it’s hard to give real guidelines on slide design.</a:t>
-            </a:r>
-            <a:endParaRPr b="0" lang="en-US" sz="2000" strike="noStrike" u="none">
-              <a:solidFill>
-                <a:srgbClr val="000000"/>
-              </a:solidFill>
-              <a:uFillTx/>
-              <a:latin typeface="Arial"/>
-            </a:endParaRPr>
-          </a:p>
-          <a:p>
-            <a:pPr marL="216000" indent="-216000">
-              <a:buNone/>
-            </a:pPr>
-            <a:r>
-              <a:rPr b="0" lang="en-US" sz="2000" strike="noStrike" u="none">
-                <a:solidFill>
-                  <a:srgbClr val="000000"/>
-                </a:solidFill>
-                <a:uFillTx/>
-                <a:latin typeface="Arial"/>
-              </a:rPr>
-              <a:t>but:</a:t>
-            </a:r>
-            <a:endParaRPr b="0" lang="en-US" sz="2000" strike="noStrike" u="none">
-              <a:solidFill>
-                <a:srgbClr val="000000"/>
-              </a:solidFill>
-              <a:uFillTx/>
-              <a:latin typeface="Arial"/>
-            </a:endParaRPr>
-          </a:p>
-          <a:p>
-            <a:pPr marL="216000" indent="-216000">
-              <a:buNone/>
-            </a:pPr>
-            <a:r>
-              <a:rPr b="0" lang="en-US" sz="2000" strike="noStrike" u="none">
-                <a:solidFill>
-                  <a:srgbClr val="000000"/>
-                </a:solidFill>
-                <a:uFillTx/>
-                <a:latin typeface="Arial"/>
-              </a:rPr>
-              <a:t>they should be neat</a:t>
-            </a:r>
-            <a:endParaRPr b="0" lang="en-US" sz="2000" strike="noStrike" u="none">
-              <a:solidFill>
-                <a:srgbClr val="000000"/>
-              </a:solidFill>
-              <a:uFillTx/>
-              <a:latin typeface="Arial"/>
-            </a:endParaRPr>
-          </a:p>
-          <a:p>
-            <a:pPr marL="216000" indent="-216000">
-              <a:buNone/>
-            </a:pPr>
-            <a:r>
-              <a:rPr b="0" lang="en-US" sz="2000" strike="noStrike" u="none">
-                <a:solidFill>
-                  <a:srgbClr val="000000"/>
-                </a:solidFill>
-                <a:uFillTx/>
-                <a:latin typeface="Arial"/>
-              </a:rPr>
-              <a:t>you should use pictures</a:t>
-            </a:r>
-            <a:endParaRPr b="0" lang="en-US" sz="2000" strike="noStrike" u="none">
-              <a:solidFill>
-                <a:srgbClr val="000000"/>
-              </a:solidFill>
-              <a:uFillTx/>
-              <a:latin typeface="Arial"/>
-            </a:endParaRPr>
-          </a:p>
-          <a:p>
-            <a:pPr marL="216000" indent="-216000">
-              <a:buNone/>
-            </a:pPr>
-            <a:r>
-              <a:rPr b="0" lang="en-US" sz="2000" strike="noStrike" u="none">
-                <a:solidFill>
-                  <a:srgbClr val="000000"/>
-                </a:solidFill>
-                <a:uFillTx/>
-                <a:latin typeface="Arial"/>
-              </a:rPr>
-              <a:t>you should present results diagrammatically</a:t>
-            </a:r>
-            <a:endParaRPr b="0" lang="en-US" sz="2000" strike="noStrike" u="none">
-              <a:solidFill>
-                <a:srgbClr val="000000"/>
-              </a:solidFill>
-              <a:uFillTx/>
-              <a:latin typeface="Arial"/>
-            </a:endParaRPr>
-          </a:p>
-          <a:p>
-            <a:pPr marL="216000" indent="-216000">
-              <a:buNone/>
-            </a:pPr>
-            <a:r>
-              <a:rPr b="0" lang="en-US" sz="2000" strike="noStrike" u="none">
-                <a:solidFill>
-                  <a:srgbClr val="000000"/>
-                </a:solidFill>
-                <a:uFillTx/>
-                <a:latin typeface="Arial"/>
-              </a:rPr>
-              <a:t>your slides should make sense on their own, without you there (haha oops)</a:t>
-            </a:r>
+              <a:t>There's no shortage of advice on how to structure your narrative. Lots of ways to do it. Check out Neel’s talk.</a:t>
+            </a:r>
+            <a:endParaRPr b="0" lang="en-US" sz="2000" strike="noStrike" u="none">
+              <a:solidFill>
+                <a:srgbClr val="000000"/>
+              </a:solidFill>
+              <a:uFillTx/>
+              <a:latin typeface="Arial"/>
+            </a:endParaRPr>
+          </a:p>
+          <a:p>
+            <a:pPr marL="216000" indent="-216000">
+              <a:buNone/>
+            </a:pPr>
+            <a:r>
+              <a:rPr b="0" lang="en-US" sz="2000" strike="noStrike" u="none">
+                <a:solidFill>
+                  <a:srgbClr val="000000"/>
+                </a:solidFill>
+                <a:uFillTx/>
+                <a:latin typeface="Arial"/>
+              </a:rPr>
+              <a:t>I can give some guidelines now</a:t>
+            </a:r>
+            <a:endParaRPr b="0" lang="en-US" sz="2000" strike="noStrike" u="none">
+              <a:solidFill>
+                <a:srgbClr val="000000"/>
+              </a:solidFill>
+              <a:uFillTx/>
+              <a:latin typeface="Arial"/>
+            </a:endParaRPr>
+          </a:p>
+          <a:p>
+            <a:pPr marL="216000" indent="-216000">
+              <a:buNone/>
+            </a:pPr>
             <a:endParaRPr b="0" lang="en-US" sz="2000" strike="noStrike" u="none">
               <a:solidFill>
                 <a:srgbClr val="000000"/>
@@ -3914,7 +3761,7 @@
       </p:grpSpPr>
       <p:sp>
         <p:nvSpPr>
-          <p:cNvPr id="132" name="PlaceHolder 1"/>
+          <p:cNvPr id="134" name="PlaceHolder 1"/>
           <p:cNvSpPr>
             <a:spLocks noGrp="1"/>
           </p:cNvSpPr>
@@ -3937,7 +3784,7 @@
       </p:sp>
       <p:sp>
         <p:nvSpPr>
-          <p:cNvPr id="133" name="PlaceHolder 2"/>
+          <p:cNvPr id="135" name="PlaceHolder 2"/>
           <p:cNvSpPr>
             <a:spLocks noGrp="1"/>
           </p:cNvSpPr>
@@ -3964,120 +3811,127 @@
           </a:bodyPr>
           <a:p>
             <a:pPr marL="216000" indent="-216000">
-              <a:spcBef>
-                <a:spcPts val="1417"/>
-              </a:spcBef>
-              <a:buNone/>
-            </a:pPr>
-            <a:r>
-              <a:rPr b="0" lang="en-US" sz="2000" strike="noStrike" u="none">
-                <a:solidFill>
-                  <a:srgbClr val="000000"/>
-                </a:solidFill>
-                <a:uFillTx/>
-                <a:latin typeface="Arial"/>
-              </a:rPr>
-              <a:t>do not tell the story of the work</a:t>
-            </a:r>
-            <a:endParaRPr b="0" lang="en-US" sz="2000" strike="noStrike" u="none">
-              <a:solidFill>
-                <a:srgbClr val="000000"/>
-              </a:solidFill>
-              <a:uFillTx/>
-              <a:latin typeface="Arial"/>
-            </a:endParaRPr>
-          </a:p>
-          <a:p>
-            <a:pPr marL="216000" indent="-216000">
-              <a:spcBef>
-                <a:spcPts val="1417"/>
-              </a:spcBef>
-              <a:buNone/>
-            </a:pPr>
-            <a:r>
-              <a:rPr b="0" lang="en-US" sz="2000" strike="noStrike" u="none">
-                <a:solidFill>
-                  <a:srgbClr val="000000"/>
-                </a:solidFill>
-                <a:uFillTx/>
-                <a:latin typeface="Arial"/>
-              </a:rPr>
-              <a:t>do not write lots of text</a:t>
-            </a:r>
-            <a:endParaRPr b="0" lang="en-US" sz="2000" strike="noStrike" u="none">
-              <a:solidFill>
-                <a:srgbClr val="000000"/>
-              </a:solidFill>
-              <a:uFillTx/>
-              <a:latin typeface="Arial"/>
-            </a:endParaRPr>
-          </a:p>
-          <a:p>
-            <a:pPr marL="216000" indent="-216000">
-              <a:spcBef>
-                <a:spcPts val="1417"/>
-              </a:spcBef>
-              <a:buNone/>
-            </a:pPr>
-            <a:r>
-              <a:rPr b="0" lang="en-US" sz="2000" strike="noStrike" u="none">
-                <a:solidFill>
-                  <a:srgbClr val="000000"/>
-                </a:solidFill>
-                <a:uFillTx/>
-                <a:latin typeface="Arial"/>
-              </a:rPr>
-              <a:t>do not screenshot your paper’s technical material</a:t>
-            </a:r>
-            <a:endParaRPr b="0" lang="en-US" sz="2000" strike="noStrike" u="none">
-              <a:solidFill>
-                <a:srgbClr val="000000"/>
-              </a:solidFill>
-              <a:uFillTx/>
-              <a:latin typeface="Arial"/>
-            </a:endParaRPr>
-          </a:p>
-          <a:p>
-            <a:pPr marL="216000" indent="-216000">
-              <a:spcBef>
-                <a:spcPts val="1417"/>
-              </a:spcBef>
-              <a:buNone/>
-            </a:pPr>
-            <a:r>
-              <a:rPr b="0" lang="en-US" sz="2000" strike="noStrike" u="none">
-                <a:solidFill>
-                  <a:srgbClr val="000000"/>
-                </a:solidFill>
-                <a:uFillTx/>
-                <a:latin typeface="Arial"/>
-              </a:rPr>
-              <a:t>do not use new notation</a:t>
-            </a:r>
-            <a:endParaRPr b="0" lang="en-US" sz="2000" strike="noStrike" u="none">
-              <a:solidFill>
-                <a:srgbClr val="000000"/>
-              </a:solidFill>
-              <a:uFillTx/>
-              <a:latin typeface="Arial"/>
-            </a:endParaRPr>
-          </a:p>
-          <a:p>
-            <a:pPr marL="216000" indent="-216000">
-              <a:spcBef>
-                <a:spcPts val="1417"/>
-              </a:spcBef>
-              <a:buNone/>
-            </a:pPr>
-            <a:r>
-              <a:rPr b="0" lang="en-US" sz="2000" strike="noStrike" u="none">
-                <a:solidFill>
-                  <a:srgbClr val="000000"/>
-                </a:solidFill>
-                <a:uFillTx/>
-                <a:latin typeface="Arial"/>
-              </a:rPr>
-              <a:t>do not show inference rules</a:t>
+              <a:buNone/>
+            </a:pPr>
+            <a:r>
+              <a:rPr b="0" lang="en-US" sz="2000" strike="noStrike" u="none">
+                <a:solidFill>
+                  <a:srgbClr val="000000"/>
+                </a:solidFill>
+                <a:uFillTx/>
+                <a:latin typeface="Arial"/>
+              </a:rPr>
+              <a:t>it’s hard to give real guidelines on slide design.</a:t>
+            </a:r>
+            <a:endParaRPr b="0" lang="en-US" sz="2000" strike="noStrike" u="none">
+              <a:solidFill>
+                <a:srgbClr val="000000"/>
+              </a:solidFill>
+              <a:uFillTx/>
+              <a:latin typeface="Arial"/>
+            </a:endParaRPr>
+          </a:p>
+          <a:p>
+            <a:pPr marL="216000" indent="-216000">
+              <a:buNone/>
+            </a:pPr>
+            <a:r>
+              <a:rPr b="0" lang="en-US" sz="2000" strike="noStrike" u="none">
+                <a:solidFill>
+                  <a:srgbClr val="000000"/>
+                </a:solidFill>
+                <a:uFillTx/>
+                <a:latin typeface="Arial"/>
+              </a:rPr>
+              <a:t>but:</a:t>
+            </a:r>
+            <a:endParaRPr b="0" lang="en-US" sz="2000" strike="noStrike" u="none">
+              <a:solidFill>
+                <a:srgbClr val="000000"/>
+              </a:solidFill>
+              <a:uFillTx/>
+              <a:latin typeface="Arial"/>
+            </a:endParaRPr>
+          </a:p>
+          <a:p>
+            <a:pPr marL="216000" indent="-216000">
+              <a:buNone/>
+            </a:pPr>
+            <a:r>
+              <a:rPr b="0" lang="en-US" sz="2000" strike="noStrike" u="none">
+                <a:solidFill>
+                  <a:srgbClr val="000000"/>
+                </a:solidFill>
+                <a:uFillTx/>
+                <a:latin typeface="Arial"/>
+              </a:rPr>
+              <a:t>they should be neat</a:t>
+            </a:r>
+            <a:endParaRPr b="0" lang="en-US" sz="2000" strike="noStrike" u="none">
+              <a:solidFill>
+                <a:srgbClr val="000000"/>
+              </a:solidFill>
+              <a:uFillTx/>
+              <a:latin typeface="Arial"/>
+            </a:endParaRPr>
+          </a:p>
+          <a:p>
+            <a:pPr marL="216000" indent="-216000">
+              <a:buNone/>
+            </a:pPr>
+            <a:r>
+              <a:rPr b="0" lang="en-US" sz="2000" strike="noStrike" u="none">
+                <a:solidFill>
+                  <a:srgbClr val="000000"/>
+                </a:solidFill>
+                <a:uFillTx/>
+                <a:latin typeface="Arial"/>
+              </a:rPr>
+              <a:t>you should use pictures</a:t>
+            </a:r>
+            <a:endParaRPr b="0" lang="en-US" sz="2000" strike="noStrike" u="none">
+              <a:solidFill>
+                <a:srgbClr val="000000"/>
+              </a:solidFill>
+              <a:uFillTx/>
+              <a:latin typeface="Arial"/>
+            </a:endParaRPr>
+          </a:p>
+          <a:p>
+            <a:pPr marL="216000" indent="-216000">
+              <a:buNone/>
+            </a:pPr>
+            <a:r>
+              <a:rPr b="0" lang="en-US" sz="2000" strike="noStrike" u="none">
+                <a:solidFill>
+                  <a:srgbClr val="000000"/>
+                </a:solidFill>
+                <a:uFillTx/>
+                <a:latin typeface="Arial"/>
+              </a:rPr>
+              <a:t>you should present results diagrammatically</a:t>
+            </a:r>
+            <a:endParaRPr b="0" lang="en-US" sz="2000" strike="noStrike" u="none">
+              <a:solidFill>
+                <a:srgbClr val="000000"/>
+              </a:solidFill>
+              <a:uFillTx/>
+              <a:latin typeface="Arial"/>
+            </a:endParaRPr>
+          </a:p>
+          <a:p>
+            <a:pPr marL="216000" indent="-216000">
+              <a:buNone/>
+            </a:pPr>
+            <a:r>
+              <a:rPr b="0" lang="en-US" sz="2000" strike="noStrike" u="none">
+                <a:solidFill>
+                  <a:srgbClr val="000000"/>
+                </a:solidFill>
+                <a:uFillTx/>
+                <a:latin typeface="Arial"/>
+              </a:rPr>
+              <a:t>your slides should make sense on their own, without you there (haha oops)</a:t>
             </a:r>
             <a:endParaRPr b="0" lang="en-US" sz="2000" strike="noStrike" u="none">
               <a:solidFill>
@@ -4113,7 +3967,7 @@
       </p:grpSpPr>
       <p:sp>
         <p:nvSpPr>
-          <p:cNvPr id="80" name="PlaceHolder 1"/>
+          <p:cNvPr id="84" name="PlaceHolder 1"/>
           <p:cNvSpPr>
             <a:spLocks noGrp="1"/>
           </p:cNvSpPr>
@@ -4136,7 +3990,7 @@
       </p:sp>
       <p:sp>
         <p:nvSpPr>
-          <p:cNvPr id="81" name="PlaceHolder 2"/>
+          <p:cNvPr id="85" name="PlaceHolder 2"/>
           <p:cNvSpPr>
             <a:spLocks noGrp="1"/>
           </p:cNvSpPr>
@@ -4262,7 +4116,7 @@
       </p:grpSpPr>
       <p:sp>
         <p:nvSpPr>
-          <p:cNvPr id="134" name="PlaceHolder 1"/>
+          <p:cNvPr id="136" name="PlaceHolder 1"/>
           <p:cNvSpPr>
             <a:spLocks noGrp="1"/>
           </p:cNvSpPr>
@@ -4285,7 +4139,7 @@
       </p:sp>
       <p:sp>
         <p:nvSpPr>
-          <p:cNvPr id="135" name="PlaceHolder 2"/>
+          <p:cNvPr id="137" name="PlaceHolder 2"/>
           <p:cNvSpPr>
             <a:spLocks noGrp="1"/>
           </p:cNvSpPr>
@@ -4312,173 +4166,120 @@
           </a:bodyPr>
           <a:p>
             <a:pPr marL="216000" indent="-216000">
-              <a:buNone/>
-            </a:pPr>
-            <a:r>
-              <a:rPr b="0" lang="en-US" sz="2000" strike="noStrike" u="none">
-                <a:solidFill>
-                  <a:srgbClr val="000000"/>
-                </a:solidFill>
-                <a:uFillTx/>
-                <a:latin typeface="Arial"/>
-              </a:rPr>
-              <a:t>so much for technology.</a:t>
-            </a:r>
-            <a:endParaRPr b="0" lang="en-US" sz="2000" strike="noStrike" u="none">
-              <a:solidFill>
-                <a:srgbClr val="000000"/>
-              </a:solidFill>
-              <a:uFillTx/>
-              <a:latin typeface="Arial"/>
-            </a:endParaRPr>
-          </a:p>
-          <a:p>
-            <a:pPr marL="216000" indent="-216000">
-              <a:buNone/>
-            </a:pPr>
-            <a:endParaRPr b="0" lang="en-US" sz="2000" strike="noStrike" u="none">
-              <a:solidFill>
-                <a:srgbClr val="000000"/>
-              </a:solidFill>
-              <a:uFillTx/>
-              <a:latin typeface="Arial"/>
-            </a:endParaRPr>
-          </a:p>
-          <a:p>
-            <a:pPr marL="216000" indent="-216000">
-              <a:buNone/>
-            </a:pPr>
-            <a:r>
-              <a:rPr b="0" lang="en-US" sz="2000" strike="noStrike" u="none">
-                <a:solidFill>
-                  <a:srgbClr val="000000"/>
-                </a:solidFill>
-                <a:uFillTx/>
-                <a:latin typeface="Arial"/>
-              </a:rPr>
-              <a:t>we’ve talked about what a talk needs to do.</a:t>
-            </a:r>
-            <a:endParaRPr b="0" lang="en-US" sz="2000" strike="noStrike" u="none">
-              <a:solidFill>
-                <a:srgbClr val="000000"/>
-              </a:solidFill>
-              <a:uFillTx/>
-              <a:latin typeface="Arial"/>
-            </a:endParaRPr>
-          </a:p>
-          <a:p>
-            <a:pPr marL="216000" indent="-216000">
-              <a:buNone/>
-            </a:pPr>
-            <a:r>
-              <a:rPr b="0" lang="en-US" sz="2000" strike="noStrike" u="none">
-                <a:solidFill>
-                  <a:srgbClr val="000000"/>
-                </a:solidFill>
-                <a:uFillTx/>
-                <a:latin typeface="Arial"/>
-              </a:rPr>
-              <a:t>and the whole time we’ve circled the idea of “value”</a:t>
-            </a:r>
-            <a:endParaRPr b="0" lang="en-US" sz="2000" strike="noStrike" u="none">
-              <a:solidFill>
-                <a:srgbClr val="000000"/>
-              </a:solidFill>
-              <a:uFillTx/>
-              <a:latin typeface="Arial"/>
-            </a:endParaRPr>
-          </a:p>
-          <a:p>
-            <a:pPr marL="216000" indent="-216000">
-              <a:buNone/>
-            </a:pPr>
-            <a:r>
-              <a:rPr b="0" lang="en-US" sz="2000" strike="noStrike" u="none">
-                <a:solidFill>
-                  <a:srgbClr val="000000"/>
-                </a:solidFill>
-                <a:uFillTx/>
-                <a:latin typeface="Arial"/>
-              </a:rPr>
-              <a:t>we want to inform the audience that our work is valuable</a:t>
-            </a:r>
-            <a:endParaRPr b="0" lang="en-US" sz="2000" strike="noStrike" u="none">
-              <a:solidFill>
-                <a:srgbClr val="000000"/>
-              </a:solidFill>
-              <a:uFillTx/>
-              <a:latin typeface="Arial"/>
-            </a:endParaRPr>
-          </a:p>
-          <a:p>
-            <a:pPr marL="216000" indent="-216000">
-              <a:buNone/>
-            </a:pPr>
-            <a:r>
-              <a:rPr b="0" lang="en-US" sz="2000" strike="noStrike" u="none">
-                <a:solidFill>
-                  <a:srgbClr val="000000"/>
-                </a:solidFill>
-                <a:uFillTx/>
-                <a:latin typeface="Arial"/>
-              </a:rPr>
-              <a:t>we want to educate the audience, delivering value</a:t>
-            </a:r>
-            <a:endParaRPr b="0" lang="en-US" sz="2000" strike="noStrike" u="none">
-              <a:solidFill>
-                <a:srgbClr val="000000"/>
-              </a:solidFill>
-              <a:uFillTx/>
-              <a:latin typeface="Arial"/>
-            </a:endParaRPr>
-          </a:p>
-          <a:p>
-            <a:pPr marL="216000" indent="-216000">
-              <a:buNone/>
-            </a:pPr>
-            <a:r>
-              <a:rPr b="0" lang="en-US" sz="2000" strike="noStrike" u="none">
-                <a:solidFill>
-                  <a:srgbClr val="000000"/>
-                </a:solidFill>
-                <a:uFillTx/>
-                <a:latin typeface="Arial"/>
-              </a:rPr>
-              <a:t>we want to entertain the audience, keeping their valuable attention</a:t>
-            </a:r>
-            <a:endParaRPr b="0" lang="en-US" sz="2000" strike="noStrike" u="none">
-              <a:solidFill>
-                <a:srgbClr val="000000"/>
-              </a:solidFill>
-              <a:uFillTx/>
-              <a:latin typeface="Arial"/>
-            </a:endParaRPr>
-          </a:p>
-          <a:p>
-            <a:pPr marL="216000" indent="-216000">
-              <a:buNone/>
-            </a:pPr>
-            <a:endParaRPr b="0" lang="en-US" sz="2000" strike="noStrike" u="none">
-              <a:solidFill>
-                <a:srgbClr val="000000"/>
-              </a:solidFill>
-              <a:uFillTx/>
-              <a:latin typeface="Arial"/>
-            </a:endParaRPr>
-          </a:p>
-          <a:p>
-            <a:pPr marL="216000" indent="-216000">
-              <a:buNone/>
-            </a:pPr>
-            <a:r>
-              <a:rPr b="0" lang="en-US" sz="2000" strike="noStrike" u="none">
-                <a:solidFill>
-                  <a:srgbClr val="000000"/>
-                </a:solidFill>
-                <a:uFillTx/>
-                <a:latin typeface="Arial"/>
-              </a:rPr>
-              <a:t>let’s talk a bit more about value.</a:t>
+              <a:spcBef>
+                <a:spcPts val="1417"/>
+              </a:spcBef>
+              <a:buNone/>
+            </a:pPr>
+            <a:r>
+              <a:rPr b="0" lang="en-US" sz="2000" strike="noStrike" u="none">
+                <a:solidFill>
+                  <a:srgbClr val="000000"/>
+                </a:solidFill>
+                <a:uFillTx/>
+                <a:latin typeface="Arial"/>
+              </a:rPr>
+              <a:t>do not tell the story of the work</a:t>
+            </a:r>
+            <a:endParaRPr b="0" lang="en-US" sz="2000" strike="noStrike" u="none">
+              <a:solidFill>
+                <a:srgbClr val="000000"/>
+              </a:solidFill>
+              <a:uFillTx/>
+              <a:latin typeface="Arial"/>
+            </a:endParaRPr>
+          </a:p>
+          <a:p>
+            <a:pPr marL="216000" indent="-216000">
+              <a:spcBef>
+                <a:spcPts val="1417"/>
+              </a:spcBef>
+              <a:buNone/>
+            </a:pPr>
+            <a:r>
+              <a:rPr b="0" lang="en-US" sz="2000" strike="noStrike" u="none">
+                <a:solidFill>
+                  <a:srgbClr val="000000"/>
+                </a:solidFill>
+                <a:uFillTx/>
+                <a:latin typeface="Arial"/>
+              </a:rPr>
+              <a:t>do not write lots of text</a:t>
+            </a:r>
+            <a:endParaRPr b="0" lang="en-US" sz="2000" strike="noStrike" u="none">
+              <a:solidFill>
+                <a:srgbClr val="000000"/>
+              </a:solidFill>
+              <a:uFillTx/>
+              <a:latin typeface="Arial"/>
+            </a:endParaRPr>
+          </a:p>
+          <a:p>
+            <a:pPr marL="216000" indent="-216000">
+              <a:spcBef>
+                <a:spcPts val="1417"/>
+              </a:spcBef>
+              <a:buNone/>
+            </a:pPr>
+            <a:r>
+              <a:rPr b="0" lang="en-US" sz="2000" strike="noStrike" u="none">
+                <a:solidFill>
+                  <a:srgbClr val="000000"/>
+                </a:solidFill>
+                <a:uFillTx/>
+                <a:latin typeface="Arial"/>
+              </a:rPr>
+              <a:t>do not screenshot your paper’s technical material</a:t>
+            </a:r>
+            <a:endParaRPr b="0" lang="en-US" sz="2000" strike="noStrike" u="none">
+              <a:solidFill>
+                <a:srgbClr val="000000"/>
+              </a:solidFill>
+              <a:uFillTx/>
+              <a:latin typeface="Arial"/>
+            </a:endParaRPr>
+          </a:p>
+          <a:p>
+            <a:pPr marL="216000" indent="-216000">
+              <a:spcBef>
+                <a:spcPts val="1417"/>
+              </a:spcBef>
+              <a:buNone/>
+            </a:pPr>
+            <a:r>
+              <a:rPr b="0" lang="en-US" sz="2000" strike="noStrike" u="none">
+                <a:solidFill>
+                  <a:srgbClr val="000000"/>
+                </a:solidFill>
+                <a:uFillTx/>
+                <a:latin typeface="Arial"/>
+              </a:rPr>
+              <a:t>do not use new notation</a:t>
+            </a:r>
+            <a:endParaRPr b="0" lang="en-US" sz="2000" strike="noStrike" u="none">
+              <a:solidFill>
+                <a:srgbClr val="000000"/>
+              </a:solidFill>
+              <a:uFillTx/>
+              <a:latin typeface="Arial"/>
+            </a:endParaRPr>
+          </a:p>
+          <a:p>
+            <a:pPr marL="216000" indent="-216000">
+              <a:spcBef>
+                <a:spcPts val="1417"/>
+              </a:spcBef>
+              <a:buNone/>
+            </a:pPr>
+            <a:r>
+              <a:rPr b="0" lang="en-US" sz="2000" strike="noStrike" u="none">
+                <a:solidFill>
+                  <a:srgbClr val="000000"/>
+                </a:solidFill>
+                <a:uFillTx/>
+                <a:latin typeface="Arial"/>
+              </a:rPr>
+              <a:t>do not show inference rules</a:t>
             </a:r>
             <a:endParaRPr b="0" lang="en-US" sz="2000" strike="noStrike" u="none">
               <a:solidFill>
@@ -4514,7 +4315,7 @@
       </p:grpSpPr>
       <p:sp>
         <p:nvSpPr>
-          <p:cNvPr id="136" name="PlaceHolder 1"/>
+          <p:cNvPr id="138" name="PlaceHolder 1"/>
           <p:cNvSpPr>
             <a:spLocks noGrp="1"/>
           </p:cNvSpPr>
@@ -4537,7 +4338,7 @@
       </p:sp>
       <p:sp>
         <p:nvSpPr>
-          <p:cNvPr id="137" name="PlaceHolder 2"/>
+          <p:cNvPr id="139" name="PlaceHolder 2"/>
           <p:cNvSpPr>
             <a:spLocks noGrp="1"/>
           </p:cNvSpPr>
@@ -4574,29 +4375,163 @@
                 <a:uFillTx/>
                 <a:latin typeface="Arial"/>
               </a:rPr>
-              <a:t>this next bit isn’t really just about talks, but about everything we do.</a:t>
-            </a:r>
-            <a:endParaRPr b="0" lang="en-US" sz="2000" strike="noStrike" u="none">
-              <a:solidFill>
-                <a:srgbClr val="000000"/>
-              </a:solidFill>
-              <a:uFillTx/>
-              <a:latin typeface="Arial"/>
-            </a:endParaRPr>
-          </a:p>
-          <a:p>
-            <a:pPr marL="216000" indent="-216000">
-              <a:buNone/>
-            </a:pPr>
-            <a:r>
-              <a:rPr b="0" lang="en-US" sz="2000" strike="noStrike" u="none">
-                <a:solidFill>
-                  <a:srgbClr val="000000"/>
-                </a:solidFill>
-                <a:uFillTx/>
-                <a:latin typeface="Arial"/>
-              </a:rPr>
-              <a:t>speaking, writing, choosing what to work on. everything.</a:t>
+              <a:t>so much for technology.</a:t>
+            </a:r>
+            <a:endParaRPr b="0" lang="en-US" sz="2000" strike="noStrike" u="none">
+              <a:solidFill>
+                <a:srgbClr val="000000"/>
+              </a:solidFill>
+              <a:uFillTx/>
+              <a:latin typeface="Arial"/>
+            </a:endParaRPr>
+          </a:p>
+          <a:p>
+            <a:pPr marL="216000" indent="-216000">
+              <a:buNone/>
+            </a:pPr>
+            <a:endParaRPr b="0" lang="en-US" sz="2000" strike="noStrike" u="none">
+              <a:solidFill>
+                <a:srgbClr val="000000"/>
+              </a:solidFill>
+              <a:uFillTx/>
+              <a:latin typeface="Arial"/>
+            </a:endParaRPr>
+          </a:p>
+          <a:p>
+            <a:pPr marL="216000" indent="-216000">
+              <a:buNone/>
+            </a:pPr>
+            <a:r>
+              <a:rPr b="0" lang="en-US" sz="2000" strike="noStrike" u="none">
+                <a:solidFill>
+                  <a:srgbClr val="000000"/>
+                </a:solidFill>
+                <a:uFillTx/>
+                <a:latin typeface="Arial"/>
+              </a:rPr>
+              <a:t>we’ve talked about what a talk needs to do.</a:t>
+            </a:r>
+            <a:endParaRPr b="0" lang="en-US" sz="2000" strike="noStrike" u="none">
+              <a:solidFill>
+                <a:srgbClr val="000000"/>
+              </a:solidFill>
+              <a:uFillTx/>
+              <a:latin typeface="Arial"/>
+            </a:endParaRPr>
+          </a:p>
+          <a:p>
+            <a:pPr marL="216000" indent="-216000">
+              <a:buNone/>
+            </a:pPr>
+            <a:r>
+              <a:rPr b="0" lang="en-US" sz="2000" strike="noStrike" u="none">
+                <a:solidFill>
+                  <a:srgbClr val="000000"/>
+                </a:solidFill>
+                <a:uFillTx/>
+                <a:latin typeface="Arial"/>
+              </a:rPr>
+              <a:t>and the whole time we’ve circled the idea of “value”</a:t>
+            </a:r>
+            <a:endParaRPr b="0" lang="en-US" sz="2000" strike="noStrike" u="none">
+              <a:solidFill>
+                <a:srgbClr val="000000"/>
+              </a:solidFill>
+              <a:uFillTx/>
+              <a:latin typeface="Arial"/>
+            </a:endParaRPr>
+          </a:p>
+          <a:p>
+            <a:pPr marL="216000" indent="-216000">
+              <a:buNone/>
+            </a:pPr>
+            <a:r>
+              <a:rPr b="0" lang="en-US" sz="2000" strike="noStrike" u="none">
+                <a:solidFill>
+                  <a:srgbClr val="000000"/>
+                </a:solidFill>
+                <a:uFillTx/>
+                <a:latin typeface="Arial"/>
+              </a:rPr>
+              <a:t>we want to inform the audience that our work is valuable</a:t>
+            </a:r>
+            <a:endParaRPr b="0" lang="en-US" sz="2000" strike="noStrike" u="none">
+              <a:solidFill>
+                <a:srgbClr val="000000"/>
+              </a:solidFill>
+              <a:uFillTx/>
+              <a:latin typeface="Arial"/>
+            </a:endParaRPr>
+          </a:p>
+          <a:p>
+            <a:pPr marL="216000" indent="-216000">
+              <a:buNone/>
+            </a:pPr>
+            <a:r>
+              <a:rPr b="0" lang="en-US" sz="2000" strike="noStrike" u="none">
+                <a:solidFill>
+                  <a:srgbClr val="000000"/>
+                </a:solidFill>
+                <a:uFillTx/>
+                <a:latin typeface="Arial"/>
+              </a:rPr>
+              <a:t>we want to educate the audience, delivering value</a:t>
+            </a:r>
+            <a:endParaRPr b="0" lang="en-US" sz="2000" strike="noStrike" u="none">
+              <a:solidFill>
+                <a:srgbClr val="000000"/>
+              </a:solidFill>
+              <a:uFillTx/>
+              <a:latin typeface="Arial"/>
+            </a:endParaRPr>
+          </a:p>
+          <a:p>
+            <a:pPr marL="216000" indent="-216000">
+              <a:buNone/>
+            </a:pPr>
+            <a:r>
+              <a:rPr b="0" lang="en-US" sz="2000" strike="noStrike" u="none">
+                <a:solidFill>
+                  <a:srgbClr val="000000"/>
+                </a:solidFill>
+                <a:uFillTx/>
+                <a:latin typeface="Arial"/>
+              </a:rPr>
+              <a:t>we want to entertain the audience, keeping their valuable attention</a:t>
+            </a:r>
+            <a:endParaRPr b="0" lang="en-US" sz="2000" strike="noStrike" u="none">
+              <a:solidFill>
+                <a:srgbClr val="000000"/>
+              </a:solidFill>
+              <a:uFillTx/>
+              <a:latin typeface="Arial"/>
+            </a:endParaRPr>
+          </a:p>
+          <a:p>
+            <a:pPr marL="216000" indent="-216000">
+              <a:buNone/>
+            </a:pPr>
+            <a:endParaRPr b="0" lang="en-US" sz="2000" strike="noStrike" u="none">
+              <a:solidFill>
+                <a:srgbClr val="000000"/>
+              </a:solidFill>
+              <a:uFillTx/>
+              <a:latin typeface="Arial"/>
+            </a:endParaRPr>
+          </a:p>
+          <a:p>
+            <a:pPr marL="216000" indent="-216000">
+              <a:buNone/>
+            </a:pPr>
+            <a:r>
+              <a:rPr b="0" lang="en-US" sz="2000" strike="noStrike" u="none">
+                <a:solidFill>
+                  <a:srgbClr val="000000"/>
+                </a:solidFill>
+                <a:uFillTx/>
+                <a:latin typeface="Arial"/>
+              </a:rPr>
+              <a:t>let’s talk a bit more about value.</a:t>
             </a:r>
             <a:endParaRPr b="0" lang="en-US" sz="2000" strike="noStrike" u="none">
               <a:solidFill>
@@ -4632,7 +4567,7 @@
       </p:grpSpPr>
       <p:sp>
         <p:nvSpPr>
-          <p:cNvPr id="138" name="PlaceHolder 1"/>
+          <p:cNvPr id="140" name="PlaceHolder 1"/>
           <p:cNvSpPr>
             <a:spLocks noGrp="1"/>
           </p:cNvSpPr>
@@ -4655,7 +4590,7 @@
       </p:sp>
       <p:sp>
         <p:nvSpPr>
-          <p:cNvPr id="139" name="PlaceHolder 2"/>
+          <p:cNvPr id="141" name="PlaceHolder 2"/>
           <p:cNvSpPr>
             <a:spLocks noGrp="1"/>
           </p:cNvSpPr>
@@ -4692,239 +4627,29 @@
                 <a:uFillTx/>
                 <a:latin typeface="Arial"/>
               </a:rPr>
-              <a:t>Value is not just money.</a:t>
-            </a:r>
-            <a:endParaRPr b="0" lang="en-US" sz="2000" strike="noStrike" u="none">
-              <a:solidFill>
-                <a:srgbClr val="000000"/>
-              </a:solidFill>
-              <a:uFillTx/>
-              <a:latin typeface="Arial"/>
-            </a:endParaRPr>
-          </a:p>
-          <a:p>
-            <a:pPr marL="216000" indent="-216000">
-              <a:buNone/>
-            </a:pPr>
-            <a:r>
-              <a:rPr b="0" lang="en-US" sz="2000" strike="noStrike" u="none">
-                <a:solidFill>
-                  <a:srgbClr val="000000"/>
-                </a:solidFill>
-                <a:uFillTx/>
-                <a:latin typeface="Arial"/>
-              </a:rPr>
-              <a:t>We assign _value_ to the things we care about.</a:t>
-            </a:r>
-            <a:endParaRPr b="0" lang="en-US" sz="2000" strike="noStrike" u="none">
-              <a:solidFill>
-                <a:srgbClr val="000000"/>
-              </a:solidFill>
-              <a:uFillTx/>
-              <a:latin typeface="Arial"/>
-            </a:endParaRPr>
-          </a:p>
-          <a:p>
-            <a:pPr marL="216000" indent="-216000">
-              <a:buNone/>
-            </a:pPr>
-            <a:endParaRPr b="0" lang="en-US" sz="2000" strike="noStrike" u="none">
-              <a:solidFill>
-                <a:srgbClr val="000000"/>
-              </a:solidFill>
-              <a:uFillTx/>
-              <a:latin typeface="Arial"/>
-            </a:endParaRPr>
-          </a:p>
-          <a:p>
-            <a:pPr marL="216000" indent="-216000">
-              <a:buNone/>
-            </a:pPr>
-            <a:r>
-              <a:rPr b="0" lang="en-US" sz="2000" strike="noStrike" u="none">
-                <a:solidFill>
-                  <a:srgbClr val="000000"/>
-                </a:solidFill>
-                <a:uFillTx/>
-                <a:latin typeface="Arial"/>
-              </a:rPr>
-              <a:t>it is a hard truth that, in general, people do not care.</a:t>
-            </a:r>
-            <a:endParaRPr b="0" lang="en-US" sz="2000" strike="noStrike" u="none">
-              <a:solidFill>
-                <a:srgbClr val="000000"/>
-              </a:solidFill>
-              <a:uFillTx/>
-              <a:latin typeface="Arial"/>
-            </a:endParaRPr>
-          </a:p>
-          <a:p>
-            <a:pPr marL="216000" indent="-216000">
-              <a:buNone/>
-            </a:pPr>
-            <a:r>
-              <a:rPr b="0" lang="en-US" sz="2000" strike="noStrike" u="none">
-                <a:solidFill>
-                  <a:srgbClr val="000000"/>
-                </a:solidFill>
-                <a:uFillTx/>
-                <a:latin typeface="Arial"/>
-              </a:rPr>
-              <a:t>making people care is hard!</a:t>
-            </a:r>
-            <a:endParaRPr b="0" lang="en-US" sz="2000" strike="noStrike" u="none">
-              <a:solidFill>
-                <a:srgbClr val="000000"/>
-              </a:solidFill>
-              <a:uFillTx/>
-              <a:latin typeface="Arial"/>
-            </a:endParaRPr>
-          </a:p>
-          <a:p>
-            <a:pPr marL="216000" indent="-216000">
-              <a:buNone/>
-            </a:pPr>
-            <a:endParaRPr b="0" lang="en-US" sz="2000" strike="noStrike" u="none">
-              <a:solidFill>
-                <a:srgbClr val="000000"/>
-              </a:solidFill>
-              <a:uFillTx/>
-              <a:latin typeface="Arial"/>
-            </a:endParaRPr>
-          </a:p>
-          <a:p>
-            <a:pPr marL="216000" indent="-216000">
-              <a:buNone/>
-            </a:pPr>
-            <a:r>
-              <a:rPr b="0" lang="en-US" sz="2000" strike="noStrike" u="none">
-                <a:solidFill>
-                  <a:srgbClr val="000000"/>
-                </a:solidFill>
-                <a:uFillTx/>
-                <a:latin typeface="Arial"/>
-              </a:rPr>
-              <a:t>a “good” talk is a </a:t>
-            </a:r>
-            <a:r>
-              <a:rPr b="0" i="1" lang="en-US" sz="2000" strike="noStrike" u="none">
-                <a:solidFill>
-                  <a:srgbClr val="000000"/>
-                </a:solidFill>
-                <a:uFillTx/>
-                <a:latin typeface="Arial"/>
-              </a:rPr>
-              <a:t>valuable </a:t>
-            </a:r>
-            <a:r>
-              <a:rPr b="0" lang="en-US" sz="2000" strike="noStrike" u="none">
-                <a:solidFill>
-                  <a:srgbClr val="000000"/>
-                </a:solidFill>
-                <a:uFillTx/>
-                <a:latin typeface="Arial"/>
-              </a:rPr>
-              <a:t>talk.</a:t>
-            </a:r>
-            <a:endParaRPr b="0" lang="en-US" sz="2000" strike="noStrike" u="none">
-              <a:solidFill>
-                <a:srgbClr val="000000"/>
-              </a:solidFill>
-              <a:uFillTx/>
-              <a:latin typeface="Arial"/>
-            </a:endParaRPr>
-          </a:p>
-          <a:p>
-            <a:pPr marL="216000" indent="-216000">
-              <a:buNone/>
-            </a:pPr>
-            <a:r>
-              <a:rPr b="0" lang="en-US" sz="2000" strike="noStrike" u="none">
-                <a:solidFill>
-                  <a:srgbClr val="000000"/>
-                </a:solidFill>
-                <a:uFillTx/>
-                <a:latin typeface="Arial"/>
-              </a:rPr>
-              <a:t>it provides value. the audience values it.</a:t>
-            </a:r>
-            <a:endParaRPr b="0" lang="en-US" sz="2000" strike="noStrike" u="none">
-              <a:solidFill>
-                <a:srgbClr val="000000"/>
-              </a:solidFill>
-              <a:uFillTx/>
-              <a:latin typeface="Arial"/>
-            </a:endParaRPr>
-          </a:p>
-          <a:p>
-            <a:pPr marL="216000" indent="-216000">
-              <a:buNone/>
-            </a:pPr>
-            <a:endParaRPr b="0" lang="en-US" sz="2000" strike="noStrike" u="none">
-              <a:solidFill>
-                <a:srgbClr val="000000"/>
-              </a:solidFill>
-              <a:uFillTx/>
-              <a:latin typeface="Arial"/>
-            </a:endParaRPr>
-          </a:p>
-          <a:p>
-            <a:pPr marL="216000" indent="-216000">
-              <a:buNone/>
-            </a:pPr>
-            <a:r>
-              <a:rPr b="0" lang="en-US" sz="2000" strike="noStrike" u="none">
-                <a:solidFill>
-                  <a:srgbClr val="000000"/>
-                </a:solidFill>
-                <a:uFillTx/>
-                <a:latin typeface="Arial"/>
-              </a:rPr>
-              <a:t>Technical research claims value through its contributions.</a:t>
-            </a:r>
-            <a:endParaRPr b="0" lang="en-US" sz="2000" strike="noStrike" u="none">
-              <a:solidFill>
-                <a:srgbClr val="000000"/>
-              </a:solidFill>
-              <a:uFillTx/>
-              <a:latin typeface="Arial"/>
-            </a:endParaRPr>
-          </a:p>
-          <a:p>
-            <a:pPr marL="216000" indent="-216000">
-              <a:buNone/>
-            </a:pPr>
-            <a:r>
-              <a:rPr b="0" lang="en-US" sz="2000" strike="noStrike" u="none">
-                <a:solidFill>
-                  <a:srgbClr val="000000"/>
-                </a:solidFill>
-                <a:uFillTx/>
-                <a:latin typeface="Arial"/>
-              </a:rPr>
-              <a:t>Literally: what value is it contributing?</a:t>
-            </a:r>
-            <a:endParaRPr b="0" lang="en-US" sz="2000" strike="noStrike" u="none">
-              <a:solidFill>
-                <a:srgbClr val="000000"/>
-              </a:solidFill>
-              <a:uFillTx/>
-              <a:latin typeface="Arial"/>
-            </a:endParaRPr>
-          </a:p>
-          <a:p>
-            <a:pPr marL="216000" indent="-216000">
-              <a:buNone/>
-            </a:pPr>
-            <a:r>
-              <a:rPr b="0" lang="en-US" sz="2000" strike="noStrike" u="none">
-                <a:solidFill>
-                  <a:srgbClr val="000000"/>
-                </a:solidFill>
-                <a:uFillTx/>
-                <a:latin typeface="Arial"/>
-              </a:rPr>
-              <a:t>Every technical paper should say this, explicitly.</a:t>
+              <a:t>this next bit isn’t really just about talks, but about everything we do.</a:t>
+            </a:r>
+            <a:endParaRPr b="0" lang="en-US" sz="2000" strike="noStrike" u="none">
+              <a:solidFill>
+                <a:srgbClr val="000000"/>
+              </a:solidFill>
+              <a:uFillTx/>
+              <a:latin typeface="Arial"/>
+            </a:endParaRPr>
+          </a:p>
+          <a:p>
+            <a:pPr marL="216000" indent="-216000">
+              <a:buNone/>
+            </a:pPr>
+            <a:r>
+              <a:rPr b="0" lang="en-US" sz="2000" strike="noStrike" u="none">
+                <a:solidFill>
+                  <a:srgbClr val="000000"/>
+                </a:solidFill>
+                <a:uFillTx/>
+                <a:latin typeface="Arial"/>
+              </a:rPr>
+              <a:t>speaking, writing, choosing what to work on. everything.</a:t>
             </a:r>
             <a:endParaRPr b="0" lang="en-US" sz="2000" strike="noStrike" u="none">
               <a:solidFill>
@@ -4960,7 +4685,7 @@
       </p:grpSpPr>
       <p:sp>
         <p:nvSpPr>
-          <p:cNvPr id="140" name="PlaceHolder 1"/>
+          <p:cNvPr id="142" name="PlaceHolder 1"/>
           <p:cNvSpPr>
             <a:spLocks noGrp="1"/>
           </p:cNvSpPr>
@@ -4983,7 +4708,7 @@
       </p:sp>
       <p:sp>
         <p:nvSpPr>
-          <p:cNvPr id="141" name="PlaceHolder 2"/>
+          <p:cNvPr id="143" name="PlaceHolder 2"/>
           <p:cNvSpPr>
             <a:spLocks noGrp="1"/>
           </p:cNvSpPr>
@@ -5010,170 +4735,129 @@
           </a:bodyPr>
           <a:p>
             <a:pPr marL="216000" indent="-216000">
-              <a:spcBef>
-                <a:spcPts val="1417"/>
-              </a:spcBef>
-              <a:buNone/>
-            </a:pPr>
-            <a:r>
-              <a:rPr b="0" lang="en-US" sz="2000" strike="noStrike" u="none">
-                <a:solidFill>
-                  <a:srgbClr val="000000"/>
-                </a:solidFill>
-                <a:uFillTx/>
-                <a:latin typeface="Arial"/>
-              </a:rPr>
-              <a:t>if you’re pursuing a PhD in CS in general and PL in particular, you’re giving up income</a:t>
-            </a:r>
-            <a:endParaRPr b="0" lang="en-US" sz="2000" strike="noStrike" u="none">
-              <a:solidFill>
-                <a:srgbClr val="000000"/>
-              </a:solidFill>
-              <a:uFillTx/>
-              <a:latin typeface="Arial"/>
-            </a:endParaRPr>
-          </a:p>
-          <a:p>
-            <a:pPr marL="216000" indent="-216000">
-              <a:spcBef>
-                <a:spcPts val="1417"/>
-              </a:spcBef>
-              <a:buNone/>
-            </a:pPr>
-            <a:r>
-              <a:rPr b="0" lang="en-US" sz="2000" strike="noStrike" u="none">
-                <a:solidFill>
-                  <a:srgbClr val="000000"/>
-                </a:solidFill>
-                <a:uFillTx/>
-                <a:latin typeface="Arial"/>
-              </a:rPr>
-              <a:t>your skills are worth more on the market as a SWE IC</a:t>
-            </a:r>
-            <a:endParaRPr b="0" lang="en-US" sz="2000" strike="noStrike" u="none">
-              <a:solidFill>
-                <a:srgbClr val="000000"/>
-              </a:solidFill>
-              <a:uFillTx/>
-              <a:latin typeface="Arial"/>
-            </a:endParaRPr>
-          </a:p>
-          <a:p>
-            <a:pPr marL="216000" indent="-216000">
-              <a:spcBef>
-                <a:spcPts val="1417"/>
-              </a:spcBef>
-              <a:buNone/>
-            </a:pPr>
-            <a:r>
-              <a:rPr b="0" lang="en-US" sz="2000" strike="noStrike" u="none">
-                <a:solidFill>
-                  <a:srgbClr val="000000"/>
-                </a:solidFill>
-                <a:uFillTx/>
-                <a:latin typeface="Arial"/>
-              </a:rPr>
-              <a:t>jobs requiring the phd do not, in aggregate, pay as much</a:t>
-            </a:r>
-            <a:endParaRPr b="0" lang="en-US" sz="2000" strike="noStrike" u="none">
-              <a:solidFill>
-                <a:srgbClr val="000000"/>
-              </a:solidFill>
-              <a:uFillTx/>
-              <a:latin typeface="Arial"/>
-            </a:endParaRPr>
-          </a:p>
-          <a:p>
-            <a:pPr marL="216000" indent="-216000">
-              <a:spcBef>
-                <a:spcPts val="1417"/>
-              </a:spcBef>
-              <a:buNone/>
-            </a:pPr>
-            <a:r>
-              <a:rPr b="0" lang="en-US" sz="2000" strike="noStrike" u="none">
-                <a:solidFill>
-                  <a:srgbClr val="000000"/>
-                </a:solidFill>
-                <a:uFillTx/>
-                <a:latin typeface="Arial"/>
-              </a:rPr>
-              <a:t>value is not just money!</a:t>
-            </a:r>
-            <a:endParaRPr b="0" lang="en-US" sz="2000" strike="noStrike" u="none">
-              <a:solidFill>
-                <a:srgbClr val="000000"/>
-              </a:solidFill>
-              <a:uFillTx/>
-              <a:latin typeface="Arial"/>
-            </a:endParaRPr>
-          </a:p>
-          <a:p>
-            <a:pPr marL="216000" indent="-216000">
-              <a:spcBef>
-                <a:spcPts val="1417"/>
-              </a:spcBef>
-              <a:buNone/>
-            </a:pPr>
-            <a:r>
-              <a:rPr b="0" lang="en-US" sz="2000" strike="noStrike" u="none">
-                <a:solidFill>
-                  <a:srgbClr val="000000"/>
-                </a:solidFill>
-                <a:uFillTx/>
-                <a:latin typeface="Arial"/>
-              </a:rPr>
-              <a:t>you’re here because you value other things</a:t>
-            </a:r>
-            <a:endParaRPr b="0" lang="en-US" sz="2000" strike="noStrike" u="none">
-              <a:solidFill>
-                <a:srgbClr val="000000"/>
-              </a:solidFill>
-              <a:uFillTx/>
-              <a:latin typeface="Arial"/>
-            </a:endParaRPr>
-          </a:p>
-          <a:p>
-            <a:pPr marL="216000" indent="-216000">
-              <a:spcBef>
-                <a:spcPts val="1417"/>
-              </a:spcBef>
-              <a:buNone/>
-            </a:pPr>
-            <a:r>
-              <a:rPr b="0" lang="en-US" sz="2000" strike="noStrike" u="none">
-                <a:solidFill>
-                  <a:srgbClr val="000000"/>
-                </a:solidFill>
-                <a:uFillTx/>
-                <a:latin typeface="Arial"/>
-              </a:rPr>
-              <a:t>grim, mercenary talk. I would have resented it as a student!</a:t>
-            </a:r>
-            <a:endParaRPr b="0" lang="en-US" sz="2000" strike="noStrike" u="none">
-              <a:solidFill>
-                <a:srgbClr val="000000"/>
-              </a:solidFill>
-              <a:uFillTx/>
-              <a:latin typeface="Arial"/>
-            </a:endParaRPr>
-          </a:p>
-          <a:p>
-            <a:pPr marL="216000" indent="-216000">
-              <a:spcBef>
-                <a:spcPts val="1417"/>
-              </a:spcBef>
-              <a:buNone/>
-            </a:pPr>
-            <a:r>
-              <a:rPr b="0" lang="en-US" sz="2000" strike="noStrike" u="none">
-                <a:solidFill>
-                  <a:srgbClr val="000000"/>
-                </a:solidFill>
-                <a:uFillTx/>
-                <a:latin typeface="Arial"/>
-              </a:rPr>
-              <a:t>but: we’re </a:t>
+              <a:buNone/>
+            </a:pPr>
+            <a:r>
+              <a:rPr b="0" lang="en-US" sz="2000" strike="noStrike" u="none">
+                <a:solidFill>
+                  <a:srgbClr val="000000"/>
+                </a:solidFill>
+                <a:uFillTx/>
+                <a:latin typeface="Arial"/>
+              </a:rPr>
+              <a:t>Value is not just money.</a:t>
+            </a:r>
+            <a:endParaRPr b="0" lang="en-US" sz="2000" strike="noStrike" u="none">
+              <a:solidFill>
+                <a:srgbClr val="000000"/>
+              </a:solidFill>
+              <a:uFillTx/>
+              <a:latin typeface="Arial"/>
+            </a:endParaRPr>
+          </a:p>
+          <a:p>
+            <a:pPr marL="216000" indent="-216000">
+              <a:buNone/>
+            </a:pPr>
+            <a:r>
+              <a:rPr b="0" lang="en-US" sz="2000" strike="noStrike" u="none">
+                <a:solidFill>
+                  <a:srgbClr val="000000"/>
+                </a:solidFill>
+                <a:uFillTx/>
+                <a:latin typeface="Arial"/>
+              </a:rPr>
+              <a:t>We assign _value_ to the things we care about.</a:t>
+            </a:r>
+            <a:endParaRPr b="0" lang="en-US" sz="2000" strike="noStrike" u="none">
+              <a:solidFill>
+                <a:srgbClr val="000000"/>
+              </a:solidFill>
+              <a:uFillTx/>
+              <a:latin typeface="Arial"/>
+            </a:endParaRPr>
+          </a:p>
+          <a:p>
+            <a:pPr marL="216000" indent="-216000">
+              <a:buNone/>
+            </a:pPr>
+            <a:endParaRPr b="0" lang="en-US" sz="2000" strike="noStrike" u="none">
+              <a:solidFill>
+                <a:srgbClr val="000000"/>
+              </a:solidFill>
+              <a:uFillTx/>
+              <a:latin typeface="Arial"/>
+            </a:endParaRPr>
+          </a:p>
+          <a:p>
+            <a:pPr marL="216000" indent="-216000">
+              <a:buNone/>
+            </a:pPr>
+            <a:r>
+              <a:rPr b="0" lang="en-US" sz="2000" strike="noStrike" u="none">
+                <a:solidFill>
+                  <a:srgbClr val="000000"/>
+                </a:solidFill>
+                <a:uFillTx/>
+                <a:latin typeface="Arial"/>
+              </a:rPr>
+              <a:t>it is a hard truth that, in general, people do not care.</a:t>
+            </a:r>
+            <a:endParaRPr b="0" lang="en-US" sz="2000" strike="noStrike" u="none">
+              <a:solidFill>
+                <a:srgbClr val="000000"/>
+              </a:solidFill>
+              <a:uFillTx/>
+              <a:latin typeface="Arial"/>
+            </a:endParaRPr>
+          </a:p>
+          <a:p>
+            <a:pPr marL="216000" indent="-216000">
+              <a:buNone/>
+            </a:pPr>
+            <a:r>
+              <a:rPr b="0" lang="en-US" sz="2000" strike="noStrike" u="none">
+                <a:solidFill>
+                  <a:srgbClr val="000000"/>
+                </a:solidFill>
+                <a:uFillTx/>
+                <a:latin typeface="Arial"/>
+              </a:rPr>
+              <a:t>making people care is hard!</a:t>
+            </a:r>
+            <a:endParaRPr b="0" lang="en-US" sz="2000" strike="noStrike" u="none">
+              <a:solidFill>
+                <a:srgbClr val="000000"/>
+              </a:solidFill>
+              <a:uFillTx/>
+              <a:latin typeface="Arial"/>
+            </a:endParaRPr>
+          </a:p>
+          <a:p>
+            <a:pPr marL="216000" indent="-216000">
+              <a:buNone/>
+            </a:pPr>
+            <a:endParaRPr b="0" lang="en-US" sz="2000" strike="noStrike" u="none">
+              <a:solidFill>
+                <a:srgbClr val="000000"/>
+              </a:solidFill>
+              <a:uFillTx/>
+              <a:latin typeface="Arial"/>
+            </a:endParaRPr>
+          </a:p>
+          <a:p>
+            <a:pPr marL="216000" indent="-216000">
+              <a:buNone/>
+            </a:pPr>
+            <a:r>
+              <a:rPr b="0" lang="en-US" sz="2000" strike="noStrike" u="none">
+                <a:solidFill>
+                  <a:srgbClr val="000000"/>
+                </a:solidFill>
+                <a:uFillTx/>
+                <a:latin typeface="Arial"/>
+              </a:rPr>
+              <a:t>a “good” talk is a </a:t>
             </a:r>
             <a:r>
               <a:rPr b="0" i="1" lang="en-US" sz="2000" strike="noStrike" u="none">
@@ -5183,17 +4867,117 @@
                 <a:uFillTx/>
                 <a:latin typeface="Arial"/>
               </a:rPr>
-              <a:t>all</a:t>
-            </a:r>
-            <a:r>
-              <a:rPr b="0" lang="en-US" sz="2000" strike="noStrike" u="none">
-                <a:solidFill>
-                  <a:srgbClr val="000000"/>
-                </a:solidFill>
-                <a:uFillTx/>
-                <a:latin typeface="Arial"/>
-              </a:rPr>
-              <a:t> here because we have some shared values. value is constructed by a community</a:t>
+              <a:t>valuable </a:t>
+            </a:r>
+            <a:r>
+              <a:rPr b="0" lang="en-US" sz="2000" strike="noStrike" u="none">
+                <a:solidFill>
+                  <a:srgbClr val="000000"/>
+                </a:solidFill>
+                <a:uFillTx/>
+                <a:latin typeface="Arial"/>
+              </a:rPr>
+              <a:t>talk.</a:t>
+            </a:r>
+            <a:endParaRPr b="0" lang="en-US" sz="2000" strike="noStrike" u="none">
+              <a:solidFill>
+                <a:srgbClr val="000000"/>
+              </a:solidFill>
+              <a:uFillTx/>
+              <a:latin typeface="Arial"/>
+            </a:endParaRPr>
+          </a:p>
+          <a:p>
+            <a:pPr marL="216000" indent="-216000">
+              <a:buNone/>
+            </a:pPr>
+            <a:r>
+              <a:rPr b="0" lang="en-US" sz="2000" strike="noStrike" u="none">
+                <a:solidFill>
+                  <a:srgbClr val="000000"/>
+                </a:solidFill>
+                <a:uFillTx/>
+                <a:latin typeface="Arial"/>
+              </a:rPr>
+              <a:t>it provides value. the audience values it.</a:t>
+            </a:r>
+            <a:endParaRPr b="0" lang="en-US" sz="2000" strike="noStrike" u="none">
+              <a:solidFill>
+                <a:srgbClr val="000000"/>
+              </a:solidFill>
+              <a:uFillTx/>
+              <a:latin typeface="Arial"/>
+            </a:endParaRPr>
+          </a:p>
+          <a:p>
+            <a:pPr marL="216000" indent="-216000">
+              <a:buNone/>
+            </a:pPr>
+            <a:endParaRPr b="0" lang="en-US" sz="2000" strike="noStrike" u="none">
+              <a:solidFill>
+                <a:srgbClr val="000000"/>
+              </a:solidFill>
+              <a:uFillTx/>
+              <a:latin typeface="Arial"/>
+            </a:endParaRPr>
+          </a:p>
+          <a:p>
+            <a:pPr marL="216000" indent="-216000">
+              <a:buNone/>
+            </a:pPr>
+            <a:r>
+              <a:rPr b="0" lang="en-US" sz="2000" strike="noStrike" u="none">
+                <a:solidFill>
+                  <a:srgbClr val="000000"/>
+                </a:solidFill>
+                <a:uFillTx/>
+                <a:latin typeface="Arial"/>
+              </a:rPr>
+              <a:t>Technical research claims value through its contributions.</a:t>
+            </a:r>
+            <a:endParaRPr b="0" lang="en-US" sz="2000" strike="noStrike" u="none">
+              <a:solidFill>
+                <a:srgbClr val="000000"/>
+              </a:solidFill>
+              <a:uFillTx/>
+              <a:latin typeface="Arial"/>
+            </a:endParaRPr>
+          </a:p>
+          <a:p>
+            <a:pPr marL="216000" indent="-216000">
+              <a:buNone/>
+            </a:pPr>
+            <a:r>
+              <a:rPr b="0" lang="en-US" sz="2000" strike="noStrike" u="none">
+                <a:solidFill>
+                  <a:srgbClr val="000000"/>
+                </a:solidFill>
+                <a:uFillTx/>
+                <a:latin typeface="Arial"/>
+              </a:rPr>
+              <a:t>Literally: what value is it contributing?</a:t>
+            </a:r>
+            <a:endParaRPr b="0" lang="en-US" sz="2000" strike="noStrike" u="none">
+              <a:solidFill>
+                <a:srgbClr val="000000"/>
+              </a:solidFill>
+              <a:uFillTx/>
+              <a:latin typeface="Arial"/>
+            </a:endParaRPr>
+          </a:p>
+          <a:p>
+            <a:pPr marL="216000" indent="-216000">
+              <a:buNone/>
+            </a:pPr>
+            <a:r>
+              <a:rPr b="0" lang="en-US" sz="2000" strike="noStrike" u="none">
+                <a:solidFill>
+                  <a:srgbClr val="000000"/>
+                </a:solidFill>
+                <a:uFillTx/>
+                <a:latin typeface="Arial"/>
+              </a:rPr>
+              <a:t>Every technical paper should say this, explicitly.</a:t>
             </a:r>
             <a:endParaRPr b="0" lang="en-US" sz="2000" strike="noStrike" u="none">
               <a:solidFill>
@@ -5229,7 +5013,7 @@
       </p:grpSpPr>
       <p:sp>
         <p:nvSpPr>
-          <p:cNvPr id="142" name="PlaceHolder 1"/>
+          <p:cNvPr id="144" name="PlaceHolder 1"/>
           <p:cNvSpPr>
             <a:spLocks noGrp="1"/>
           </p:cNvSpPr>
@@ -5252,7 +5036,7 @@
       </p:sp>
       <p:sp>
         <p:nvSpPr>
-          <p:cNvPr id="143" name="PlaceHolder 2"/>
+          <p:cNvPr id="145" name="PlaceHolder 2"/>
           <p:cNvSpPr>
             <a:spLocks noGrp="1"/>
           </p:cNvSpPr>
@@ -5279,73 +5063,190 @@
           </a:bodyPr>
           <a:p>
             <a:pPr marL="216000" indent="-216000">
-              <a:buNone/>
-            </a:pPr>
-            <a:r>
-              <a:rPr b="0" lang="en-US" sz="2000" strike="noStrike" u="none">
-                <a:solidFill>
-                  <a:srgbClr val="000000"/>
-                </a:solidFill>
-                <a:uFillTx/>
-                <a:latin typeface="Arial"/>
-              </a:rPr>
-              <a:t>you might be thinking… “is my work valuable? what is my motivation? what have i contributed?”</a:t>
-            </a:r>
-            <a:endParaRPr b="0" lang="en-US" sz="2000" strike="noStrike" u="none">
-              <a:solidFill>
-                <a:srgbClr val="000000"/>
-              </a:solidFill>
-              <a:uFillTx/>
-              <a:latin typeface="Arial"/>
-            </a:endParaRPr>
-          </a:p>
-          <a:p>
-            <a:pPr marL="216000" indent="-216000">
-              <a:buNone/>
-            </a:pPr>
-            <a:endParaRPr b="0" lang="en-US" sz="2000" strike="noStrike" u="none">
-              <a:solidFill>
-                <a:srgbClr val="000000"/>
-              </a:solidFill>
-              <a:uFillTx/>
-              <a:latin typeface="Arial"/>
-            </a:endParaRPr>
-          </a:p>
-          <a:p>
-            <a:pPr marL="216000" indent="-216000">
-              <a:buNone/>
-            </a:pPr>
-            <a:r>
-              <a:rPr b="0" lang="en-US" sz="2000" strike="noStrike" u="none">
-                <a:solidFill>
-                  <a:srgbClr val="000000"/>
-                </a:solidFill>
-                <a:uFillTx/>
-                <a:latin typeface="Arial"/>
-              </a:rPr>
-              <a:t>Different communities have different values.</a:t>
-            </a:r>
-            <a:endParaRPr b="0" lang="en-US" sz="2000" strike="noStrike" u="none">
-              <a:solidFill>
-                <a:srgbClr val="000000"/>
-              </a:solidFill>
-              <a:uFillTx/>
-              <a:latin typeface="Arial"/>
-            </a:endParaRPr>
-          </a:p>
-          <a:p>
-            <a:pPr marL="216000" indent="-216000">
-              <a:buNone/>
-            </a:pPr>
-            <a:r>
-              <a:rPr b="0" lang="en-US" sz="2000" strike="noStrike" u="none">
-                <a:solidFill>
-                  <a:srgbClr val="000000"/>
-                </a:solidFill>
-                <a:uFillTx/>
-                <a:latin typeface="Arial"/>
-              </a:rPr>
-              <a:t>To address a broader community, you must address broader needs.</a:t>
+              <a:spcBef>
+                <a:spcPts val="1417"/>
+              </a:spcBef>
+              <a:buNone/>
+            </a:pPr>
+            <a:r>
+              <a:rPr b="0" lang="en-US" sz="2000" strike="noStrike" u="none">
+                <a:solidFill>
+                  <a:srgbClr val="000000"/>
+                </a:solidFill>
+                <a:uFillTx/>
+                <a:latin typeface="Arial"/>
+              </a:rPr>
+              <a:t>if you’re pursuing a PhD in CS in general and PL in particular, you’re giving up income</a:t>
+            </a:r>
+            <a:endParaRPr b="0" lang="en-US" sz="2000" strike="noStrike" u="none">
+              <a:solidFill>
+                <a:srgbClr val="000000"/>
+              </a:solidFill>
+              <a:uFillTx/>
+              <a:latin typeface="Arial"/>
+            </a:endParaRPr>
+          </a:p>
+          <a:p>
+            <a:pPr marL="216000" indent="-216000">
+              <a:spcBef>
+                <a:spcPts val="1417"/>
+              </a:spcBef>
+              <a:buNone/>
+            </a:pPr>
+            <a:r>
+              <a:rPr b="0" lang="en-US" sz="2000" strike="noStrike" u="none">
+                <a:solidFill>
+                  <a:srgbClr val="000000"/>
+                </a:solidFill>
+                <a:uFillTx/>
+                <a:latin typeface="Arial"/>
+              </a:rPr>
+              <a:t>your skills are worth more on the market as a SWE IC</a:t>
+            </a:r>
+            <a:endParaRPr b="0" lang="en-US" sz="2000" strike="noStrike" u="none">
+              <a:solidFill>
+                <a:srgbClr val="000000"/>
+              </a:solidFill>
+              <a:uFillTx/>
+              <a:latin typeface="Arial"/>
+            </a:endParaRPr>
+          </a:p>
+          <a:p>
+            <a:pPr marL="216000" indent="-216000">
+              <a:spcBef>
+                <a:spcPts val="1417"/>
+              </a:spcBef>
+              <a:buNone/>
+            </a:pPr>
+            <a:r>
+              <a:rPr b="0" lang="en-US" sz="2000" strike="noStrike" u="none">
+                <a:solidFill>
+                  <a:srgbClr val="000000"/>
+                </a:solidFill>
+                <a:uFillTx/>
+                <a:latin typeface="Arial"/>
+              </a:rPr>
+              <a:t>jobs requiring the phd do not, in aggregate, pay as much</a:t>
+            </a:r>
+            <a:endParaRPr b="0" lang="en-US" sz="2000" strike="noStrike" u="none">
+              <a:solidFill>
+                <a:srgbClr val="000000"/>
+              </a:solidFill>
+              <a:uFillTx/>
+              <a:latin typeface="Arial"/>
+            </a:endParaRPr>
+          </a:p>
+          <a:p>
+            <a:pPr marL="216000" indent="-216000">
+              <a:spcBef>
+                <a:spcPts val="1417"/>
+              </a:spcBef>
+              <a:buNone/>
+            </a:pPr>
+            <a:r>
+              <a:rPr b="0" lang="en-US" sz="2000" strike="noStrike" u="none">
+                <a:solidFill>
+                  <a:srgbClr val="000000"/>
+                </a:solidFill>
+                <a:uFillTx/>
+                <a:latin typeface="Arial"/>
+              </a:rPr>
+              <a:t>value is not just money!</a:t>
+            </a:r>
+            <a:endParaRPr b="0" lang="en-US" sz="2000" strike="noStrike" u="none">
+              <a:solidFill>
+                <a:srgbClr val="000000"/>
+              </a:solidFill>
+              <a:uFillTx/>
+              <a:latin typeface="Arial"/>
+            </a:endParaRPr>
+          </a:p>
+          <a:p>
+            <a:pPr marL="216000" indent="-216000">
+              <a:spcBef>
+                <a:spcPts val="1417"/>
+              </a:spcBef>
+              <a:buNone/>
+            </a:pPr>
+            <a:r>
+              <a:rPr b="0" lang="en-US" sz="2000" strike="noStrike" u="none">
+                <a:solidFill>
+                  <a:srgbClr val="000000"/>
+                </a:solidFill>
+                <a:uFillTx/>
+                <a:latin typeface="Arial"/>
+              </a:rPr>
+              <a:t>you’re here because you value other things</a:t>
+            </a:r>
+            <a:endParaRPr b="0" lang="en-US" sz="2000" strike="noStrike" u="none">
+              <a:solidFill>
+                <a:srgbClr val="000000"/>
+              </a:solidFill>
+              <a:uFillTx/>
+              <a:latin typeface="Arial"/>
+            </a:endParaRPr>
+          </a:p>
+          <a:p>
+            <a:pPr marL="216000" indent="-216000">
+              <a:spcBef>
+                <a:spcPts val="1417"/>
+              </a:spcBef>
+              <a:buNone/>
+            </a:pPr>
+            <a:r>
+              <a:rPr b="0" lang="en-US" sz="2000" strike="noStrike" u="none">
+                <a:solidFill>
+                  <a:srgbClr val="000000"/>
+                </a:solidFill>
+                <a:uFillTx/>
+                <a:latin typeface="Arial"/>
+              </a:rPr>
+              <a:t>grim, mercenary talk. I would have resented it as a student!</a:t>
+            </a:r>
+            <a:endParaRPr b="0" lang="en-US" sz="2000" strike="noStrike" u="none">
+              <a:solidFill>
+                <a:srgbClr val="000000"/>
+              </a:solidFill>
+              <a:uFillTx/>
+              <a:latin typeface="Arial"/>
+            </a:endParaRPr>
+          </a:p>
+          <a:p>
+            <a:pPr marL="216000" indent="-216000">
+              <a:spcBef>
+                <a:spcPts val="1417"/>
+              </a:spcBef>
+              <a:buNone/>
+            </a:pPr>
+            <a:r>
+              <a:rPr b="0" lang="en-US" sz="2000" strike="noStrike" u="none">
+                <a:solidFill>
+                  <a:srgbClr val="000000"/>
+                </a:solidFill>
+                <a:uFillTx/>
+                <a:latin typeface="Arial"/>
+              </a:rPr>
+              <a:t>but: we’re </a:t>
+            </a:r>
+            <a:r>
+              <a:rPr b="0" i="1" lang="en-US" sz="2000" strike="noStrike" u="none">
+                <a:solidFill>
+                  <a:srgbClr val="000000"/>
+                </a:solidFill>
+                <a:uFillTx/>
+                <a:latin typeface="Arial"/>
+              </a:rPr>
+              <a:t>all</a:t>
+            </a:r>
+            <a:r>
+              <a:rPr b="0" lang="en-US" sz="2000" strike="noStrike" u="none">
+                <a:solidFill>
+                  <a:srgbClr val="000000"/>
+                </a:solidFill>
+                <a:uFillTx/>
+                <a:latin typeface="Arial"/>
+              </a:rPr>
+              <a:t> here because we have some shared values. value is constructed by a community</a:t>
             </a:r>
             <a:endParaRPr b="0" lang="en-US" sz="2000" strike="noStrike" u="none">
               <a:solidFill>
@@ -5381,7 +5282,7 @@
       </p:grpSpPr>
       <p:sp>
         <p:nvSpPr>
-          <p:cNvPr id="144" name="PlaceHolder 1"/>
+          <p:cNvPr id="146" name="PlaceHolder 1"/>
           <p:cNvSpPr>
             <a:spLocks noGrp="1"/>
           </p:cNvSpPr>
@@ -5404,7 +5305,7 @@
       </p:sp>
       <p:sp>
         <p:nvSpPr>
-          <p:cNvPr id="145" name="PlaceHolder 2"/>
+          <p:cNvPr id="147" name="PlaceHolder 2"/>
           <p:cNvSpPr>
             <a:spLocks noGrp="1"/>
           </p:cNvSpPr>
@@ -5441,29 +5342,63 @@
                 <a:uFillTx/>
                 <a:latin typeface="Arial"/>
               </a:rPr>
-              <a:t>Everyone values their time, their safety, justice, scarce resources, power.</a:t>
-            </a:r>
-            <a:endParaRPr b="0" lang="en-US" sz="2000" strike="noStrike" u="none">
-              <a:solidFill>
-                <a:srgbClr val="000000"/>
-              </a:solidFill>
-              <a:uFillTx/>
-              <a:latin typeface="Arial"/>
-            </a:endParaRPr>
-          </a:p>
-          <a:p>
-            <a:pPr marL="216000" indent="-216000">
-              <a:buNone/>
-            </a:pPr>
-            <a:r>
-              <a:rPr b="0" lang="en-US" sz="2000" strike="noStrike" u="none">
-                <a:solidFill>
-                  <a:srgbClr val="000000"/>
-                </a:solidFill>
-                <a:uFillTx/>
-                <a:latin typeface="Arial"/>
-              </a:rPr>
-              <a:t>The more your work can address these real concerns, the more people will value it.</a:t>
+              <a:t>you might be thinking… “is my work valuable? what is my motivation? what have i contributed?”</a:t>
+            </a:r>
+            <a:endParaRPr b="0" lang="en-US" sz="2000" strike="noStrike" u="none">
+              <a:solidFill>
+                <a:srgbClr val="000000"/>
+              </a:solidFill>
+              <a:uFillTx/>
+              <a:latin typeface="Arial"/>
+            </a:endParaRPr>
+          </a:p>
+          <a:p>
+            <a:pPr marL="216000" indent="-216000">
+              <a:buNone/>
+            </a:pPr>
+            <a:endParaRPr b="0" lang="en-US" sz="2000" strike="noStrike" u="none">
+              <a:solidFill>
+                <a:srgbClr val="000000"/>
+              </a:solidFill>
+              <a:uFillTx/>
+              <a:latin typeface="Arial"/>
+            </a:endParaRPr>
+          </a:p>
+          <a:p>
+            <a:pPr marL="216000" indent="-216000">
+              <a:buNone/>
+            </a:pPr>
+            <a:r>
+              <a:rPr b="0" lang="en-US" sz="2000" strike="noStrike" u="none">
+                <a:solidFill>
+                  <a:srgbClr val="000000"/>
+                </a:solidFill>
+                <a:uFillTx/>
+                <a:latin typeface="Arial"/>
+              </a:rPr>
+              <a:t>Different communities have different values.</a:t>
+            </a:r>
+            <a:endParaRPr b="0" lang="en-US" sz="2000" strike="noStrike" u="none">
+              <a:solidFill>
+                <a:srgbClr val="000000"/>
+              </a:solidFill>
+              <a:uFillTx/>
+              <a:latin typeface="Arial"/>
+            </a:endParaRPr>
+          </a:p>
+          <a:p>
+            <a:pPr marL="216000" indent="-216000">
+              <a:buNone/>
+            </a:pPr>
+            <a:r>
+              <a:rPr b="0" lang="en-US" sz="2000" strike="noStrike" u="none">
+                <a:solidFill>
+                  <a:srgbClr val="000000"/>
+                </a:solidFill>
+                <a:uFillTx/>
+                <a:latin typeface="Arial"/>
+              </a:rPr>
+              <a:t>To address a broader community, you must address broader needs.</a:t>
             </a:r>
             <a:endParaRPr b="0" lang="en-US" sz="2000" strike="noStrike" u="none">
               <a:solidFill>
@@ -5499,7 +5434,7 @@
       </p:grpSpPr>
       <p:sp>
         <p:nvSpPr>
-          <p:cNvPr id="146" name="PlaceHolder 1"/>
+          <p:cNvPr id="148" name="PlaceHolder 1"/>
           <p:cNvSpPr>
             <a:spLocks noGrp="1"/>
           </p:cNvSpPr>
@@ -5522,7 +5457,7 @@
       </p:sp>
       <p:sp>
         <p:nvSpPr>
-          <p:cNvPr id="147" name="PlaceHolder 2"/>
+          <p:cNvPr id="149" name="PlaceHolder 2"/>
           <p:cNvSpPr>
             <a:spLocks noGrp="1"/>
           </p:cNvSpPr>
@@ -5533,7 +5468,7 @@
         <p:spPr>
           <a:xfrm>
             <a:off x="777240" y="4777560"/>
-            <a:ext cx="6217560" cy="5666760"/>
+            <a:ext cx="6217560" cy="4525920"/>
           </a:xfrm>
           <a:prstGeom prst="rect">
             <a:avLst/>
@@ -5559,198 +5494,30 @@
                 <a:uFillTx/>
                 <a:latin typeface="Arial"/>
               </a:rPr>
-              <a:t>For what it's worth, I hated this kind of thinking as a grad student.</a:t>
-            </a:r>
-            <a:endParaRPr b="0" lang="en-US" sz="2000" strike="noStrike" u="none">
-              <a:solidFill>
-                <a:srgbClr val="000000"/>
-              </a:solidFill>
-              <a:uFillTx/>
-              <a:latin typeface="Arial"/>
-            </a:endParaRPr>
-          </a:p>
-          <a:p>
-            <a:pPr marL="216000" indent="-216000">
-              <a:buNone/>
-            </a:pPr>
-            <a:r>
-              <a:rPr b="0" lang="en-US" sz="2000" strike="noStrike" u="none">
-                <a:solidFill>
-                  <a:srgbClr val="000000"/>
-                </a:solidFill>
-                <a:uFillTx/>
-                <a:latin typeface="Arial"/>
-              </a:rPr>
-              <a:t>I was interested in theory, and I rejected anything tainted with the reek of application.</a:t>
-            </a:r>
-            <a:endParaRPr b="0" lang="en-US" sz="2000" strike="noStrike" u="none">
-              <a:solidFill>
-                <a:srgbClr val="000000"/>
-              </a:solidFill>
-              <a:uFillTx/>
-              <a:latin typeface="Arial"/>
-            </a:endParaRPr>
-          </a:p>
-          <a:p>
-            <a:pPr marL="216000" indent="-216000">
-              <a:buNone/>
-            </a:pPr>
-            <a:r>
-              <a:rPr b="0" lang="en-US" sz="2000" strike="noStrike" u="none">
-                <a:solidFill>
-                  <a:srgbClr val="000000"/>
-                </a:solidFill>
-                <a:uFillTx/>
-                <a:latin typeface="Arial"/>
-              </a:rPr>
-              <a:t>There's room for that pure theory, but not a lot. Our community values a clever proof or clear framing of things.</a:t>
-            </a:r>
-            <a:endParaRPr b="0" lang="en-US" sz="2000" strike="noStrike" u="none">
-              <a:solidFill>
-                <a:srgbClr val="000000"/>
-              </a:solidFill>
-              <a:uFillTx/>
-              <a:latin typeface="Arial"/>
-            </a:endParaRPr>
-          </a:p>
-          <a:p>
-            <a:pPr marL="216000" indent="-216000">
-              <a:buNone/>
-            </a:pPr>
-            <a:r>
-              <a:rPr b="0" lang="en-US" sz="2000" strike="noStrike" u="none">
-                <a:solidFill>
-                  <a:srgbClr val="000000"/>
-                </a:solidFill>
-                <a:uFillTx/>
-                <a:latin typeface="Arial"/>
-              </a:rPr>
-              <a:t>But most people don't.</a:t>
-            </a:r>
-            <a:endParaRPr b="0" lang="en-US" sz="2000" strike="noStrike" u="none">
-              <a:solidFill>
-                <a:srgbClr val="000000"/>
-              </a:solidFill>
-              <a:uFillTx/>
-              <a:latin typeface="Arial"/>
-            </a:endParaRPr>
-          </a:p>
-          <a:p>
-            <a:pPr marL="216000" indent="-216000">
-              <a:buNone/>
-            </a:pPr>
-            <a:endParaRPr b="0" lang="en-US" sz="2000" strike="noStrike" u="none">
-              <a:solidFill>
-                <a:srgbClr val="000000"/>
-              </a:solidFill>
-              <a:uFillTx/>
-              <a:latin typeface="Arial"/>
-            </a:endParaRPr>
-          </a:p>
-          <a:p>
-            <a:pPr marL="216000" indent="-216000">
-              <a:buNone/>
-            </a:pPr>
-            <a:r>
-              <a:rPr b="0" lang="en-US" sz="2000" strike="noStrike" u="none">
-                <a:solidFill>
-                  <a:srgbClr val="000000"/>
-                </a:solidFill>
-                <a:uFillTx/>
-                <a:latin typeface="Arial"/>
-              </a:rPr>
-              <a:t>The value of your work could be that you enjoyed using some particular method. Good for you!</a:t>
-            </a:r>
-            <a:endParaRPr b="0" lang="en-US" sz="2000" strike="noStrike" u="none">
-              <a:solidFill>
-                <a:srgbClr val="000000"/>
-              </a:solidFill>
-              <a:uFillTx/>
-              <a:latin typeface="Arial"/>
-            </a:endParaRPr>
-          </a:p>
-          <a:p>
-            <a:pPr marL="216000" indent="-216000">
-              <a:buNone/>
-            </a:pPr>
-            <a:r>
-              <a:rPr b="0" lang="en-US" sz="2000" strike="noStrike" u="none">
-                <a:solidFill>
-                  <a:srgbClr val="000000"/>
-                </a:solidFill>
-                <a:uFillTx/>
-                <a:latin typeface="Arial"/>
-              </a:rPr>
-              <a:t>But without clear, broad, real motivations, only a few will share your enthusiasm. Maybe not zero!</a:t>
-            </a:r>
-            <a:endParaRPr b="0" lang="en-US" sz="2000" strike="noStrike" u="none">
-              <a:solidFill>
-                <a:srgbClr val="000000"/>
-              </a:solidFill>
-              <a:uFillTx/>
-              <a:latin typeface="Arial"/>
-            </a:endParaRPr>
-          </a:p>
-          <a:p>
-            <a:pPr marL="216000" indent="-216000">
-              <a:buNone/>
-            </a:pPr>
-            <a:r>
-              <a:rPr b="0" lang="en-US" sz="2000" strike="noStrike" u="none">
-                <a:solidFill>
-                  <a:srgbClr val="000000"/>
-                </a:solidFill>
-                <a:uFillTx/>
-                <a:latin typeface="Arial"/>
-              </a:rPr>
-              <a:t>But you have to address real concerns to have people value your work.</a:t>
-            </a:r>
-            <a:endParaRPr b="0" lang="en-US" sz="2000" strike="noStrike" u="none">
-              <a:solidFill>
-                <a:srgbClr val="000000"/>
-              </a:solidFill>
-              <a:uFillTx/>
-              <a:latin typeface="Arial"/>
-            </a:endParaRPr>
-          </a:p>
-          <a:p>
-            <a:pPr marL="216000" indent="-216000">
-              <a:buNone/>
-            </a:pPr>
-            <a:endParaRPr b="0" lang="en-US" sz="2000" strike="noStrike" u="none">
-              <a:solidFill>
-                <a:srgbClr val="000000"/>
-              </a:solidFill>
-              <a:uFillTx/>
-              <a:latin typeface="Arial"/>
-            </a:endParaRPr>
-          </a:p>
-          <a:p>
-            <a:pPr marL="216000" indent="-216000">
-              <a:buNone/>
-            </a:pPr>
-            <a:r>
-              <a:rPr b="0" lang="en-US" sz="2000" strike="noStrike" u="none">
-                <a:solidFill>
-                  <a:srgbClr val="000000"/>
-                </a:solidFill>
-                <a:uFillTx/>
-                <a:latin typeface="Arial"/>
-              </a:rPr>
-              <a:t>If you feel stuck with a small audience for your work and that compromise doesn't sound good... you can work on something else?</a:t>
-            </a:r>
-            <a:endParaRPr b="0" lang="en-US" sz="2000" strike="noStrike" u="none">
-              <a:solidFill>
-                <a:srgbClr val="000000"/>
-              </a:solidFill>
-              <a:uFillTx/>
-              <a:latin typeface="Arial"/>
-            </a:endParaRPr>
-          </a:p>
-          <a:p>
-            <a:pPr marL="216000" indent="-216000">
-              <a:buNone/>
-            </a:pPr>
+              <a:t>Everyone values their time, their safety, justice, scarce resources, power.</a:t>
+            </a:r>
+            <a:endParaRPr b="0" lang="en-US" sz="2000" strike="noStrike" u="none">
+              <a:solidFill>
+                <a:srgbClr val="000000"/>
+              </a:solidFill>
+              <a:uFillTx/>
+              <a:latin typeface="Arial"/>
+            </a:endParaRPr>
+          </a:p>
+          <a:p>
+            <a:pPr marL="216000" indent="-216000">
+              <a:buNone/>
+            </a:pPr>
+            <a:r>
+              <a:rPr b="0" lang="en-US" sz="2000" strike="noStrike" u="none">
+                <a:solidFill>
+                  <a:srgbClr val="000000"/>
+                </a:solidFill>
+                <a:uFillTx/>
+                <a:latin typeface="Arial"/>
+              </a:rPr>
+              <a:t>The more your work can address these real concerns, the more people will value it.</a:t>
+            </a:r>
             <a:endParaRPr b="0" lang="en-US" sz="2000" strike="noStrike" u="none">
               <a:solidFill>
                 <a:srgbClr val="000000"/>
@@ -5785,7 +5552,7 @@
       </p:grpSpPr>
       <p:sp>
         <p:nvSpPr>
-          <p:cNvPr id="148" name="PlaceHolder 1"/>
+          <p:cNvPr id="150" name="PlaceHolder 1"/>
           <p:cNvSpPr>
             <a:spLocks noGrp="1"/>
           </p:cNvSpPr>
@@ -5808,7 +5575,7 @@
       </p:sp>
       <p:sp>
         <p:nvSpPr>
-          <p:cNvPr id="149" name="PlaceHolder 2"/>
+          <p:cNvPr id="151" name="PlaceHolder 2"/>
           <p:cNvSpPr>
             <a:spLocks noGrp="1"/>
           </p:cNvSpPr>
@@ -5819,7 +5586,7 @@
         <p:spPr>
           <a:xfrm>
             <a:off x="777240" y="4777560"/>
-            <a:ext cx="6217560" cy="4525920"/>
+            <a:ext cx="6217560" cy="5950080"/>
           </a:xfrm>
           <a:prstGeom prst="rect">
             <a:avLst/>
@@ -5845,76 +5612,220 @@
                 <a:uFillTx/>
                 <a:latin typeface="Arial"/>
               </a:rPr>
-              <a:t>These days, I reject the theory/practice distinction.</a:t>
-            </a:r>
-            <a:endParaRPr b="0" lang="en-US" sz="2000" strike="noStrike" u="none">
-              <a:solidFill>
-                <a:srgbClr val="000000"/>
-              </a:solidFill>
-              <a:uFillTx/>
-              <a:latin typeface="Arial"/>
-            </a:endParaRPr>
-          </a:p>
-          <a:p>
-            <a:pPr marL="216000" indent="-216000">
-              <a:buNone/>
-            </a:pPr>
-            <a:endParaRPr b="0" lang="en-US" sz="2000" strike="noStrike" u="none">
-              <a:solidFill>
-                <a:srgbClr val="000000"/>
-              </a:solidFill>
-              <a:uFillTx/>
-              <a:latin typeface="Arial"/>
-            </a:endParaRPr>
-          </a:p>
-          <a:p>
-            <a:pPr marL="216000" indent="-216000">
-              <a:buNone/>
-            </a:pPr>
-            <a:r>
-              <a:rPr b="0" lang="en-US" sz="2000" strike="noStrike" u="none">
-                <a:solidFill>
-                  <a:srgbClr val="000000"/>
-                </a:solidFill>
-                <a:uFillTx/>
-                <a:latin typeface="Arial"/>
-              </a:rPr>
-              <a:t>all of the best work in cs has both.</a:t>
-            </a:r>
-            <a:endParaRPr b="0" lang="en-US" sz="2000" strike="noStrike" u="none">
-              <a:solidFill>
-                <a:srgbClr val="000000"/>
-              </a:solidFill>
-              <a:uFillTx/>
-              <a:latin typeface="Arial"/>
-            </a:endParaRPr>
-          </a:p>
-          <a:p>
-            <a:pPr marL="216000" indent="-216000">
-              <a:buNone/>
-            </a:pPr>
-            <a:endParaRPr b="0" lang="en-US" sz="2000" strike="noStrike" u="none">
-              <a:solidFill>
-                <a:srgbClr val="000000"/>
-              </a:solidFill>
-              <a:uFillTx/>
-              <a:latin typeface="Arial"/>
-            </a:endParaRPr>
-          </a:p>
-          <a:p>
-            <a:pPr marL="216000" indent="-216000">
-              <a:buNone/>
-            </a:pPr>
-            <a:r>
-              <a:rPr b="0" lang="en-US" sz="2000" strike="noStrike" u="none">
-                <a:solidFill>
-                  <a:srgbClr val="000000"/>
-                </a:solidFill>
-                <a:uFillTx/>
-                <a:latin typeface="Arial"/>
-              </a:rPr>
-              <a:t>if you haven’t read this essay, check it out.</a:t>
-            </a:r>
+              <a:t>For what it's worth, I hated this kind of thinking as a grad student.</a:t>
+            </a:r>
+            <a:endParaRPr b="0" lang="en-US" sz="2000" strike="noStrike" u="none">
+              <a:solidFill>
+                <a:srgbClr val="000000"/>
+              </a:solidFill>
+              <a:uFillTx/>
+              <a:latin typeface="Arial"/>
+            </a:endParaRPr>
+          </a:p>
+          <a:p>
+            <a:pPr marL="216000" indent="-216000">
+              <a:buNone/>
+            </a:pPr>
+            <a:r>
+              <a:rPr b="0" lang="en-US" sz="2000" strike="noStrike" u="none">
+                <a:solidFill>
+                  <a:srgbClr val="000000"/>
+                </a:solidFill>
+                <a:uFillTx/>
+                <a:latin typeface="Arial"/>
+              </a:rPr>
+              <a:t>I was interested in theory, and I rejected anything tainted with the reek of application.</a:t>
+            </a:r>
+            <a:endParaRPr b="0" lang="en-US" sz="2000" strike="noStrike" u="none">
+              <a:solidFill>
+                <a:srgbClr val="000000"/>
+              </a:solidFill>
+              <a:uFillTx/>
+              <a:latin typeface="Arial"/>
+            </a:endParaRPr>
+          </a:p>
+          <a:p>
+            <a:pPr marL="216000" indent="-216000">
+              <a:buNone/>
+            </a:pPr>
+            <a:r>
+              <a:rPr b="0" lang="en-US" sz="2000" strike="noStrike" u="none">
+                <a:solidFill>
+                  <a:srgbClr val="000000"/>
+                </a:solidFill>
+                <a:uFillTx/>
+                <a:latin typeface="Arial"/>
+              </a:rPr>
+              <a:t>I reject that distinction now. the best work has both.</a:t>
+            </a:r>
+            <a:endParaRPr b="0" lang="en-US" sz="2000" strike="noStrike" u="none">
+              <a:solidFill>
+                <a:srgbClr val="000000"/>
+              </a:solidFill>
+              <a:uFillTx/>
+              <a:latin typeface="Arial"/>
+            </a:endParaRPr>
+          </a:p>
+          <a:p>
+            <a:pPr marL="216000" indent="-216000">
+              <a:buNone/>
+            </a:pPr>
+            <a:r>
+              <a:rPr b="0" lang="en-US" sz="2000" strike="noStrike" u="none">
+                <a:solidFill>
+                  <a:srgbClr val="000000"/>
+                </a:solidFill>
+                <a:uFillTx/>
+                <a:latin typeface="Arial"/>
+              </a:rPr>
+              <a:t>There's room for that pure theory, but not a lot. Our community values a clever proof or clear framing of things.</a:t>
+            </a:r>
+            <a:endParaRPr b="0" lang="en-US" sz="2000" strike="noStrike" u="none">
+              <a:solidFill>
+                <a:srgbClr val="000000"/>
+              </a:solidFill>
+              <a:uFillTx/>
+              <a:latin typeface="Arial"/>
+            </a:endParaRPr>
+          </a:p>
+          <a:p>
+            <a:pPr marL="216000" indent="-216000">
+              <a:buNone/>
+            </a:pPr>
+            <a:r>
+              <a:rPr b="0" lang="en-US" sz="2000" strike="noStrike" u="none">
+                <a:solidFill>
+                  <a:srgbClr val="000000"/>
+                </a:solidFill>
+                <a:uFillTx/>
+                <a:latin typeface="Arial"/>
+              </a:rPr>
+              <a:t>But most people don't.</a:t>
+            </a:r>
+            <a:endParaRPr b="0" lang="en-US" sz="2000" strike="noStrike" u="none">
+              <a:solidFill>
+                <a:srgbClr val="000000"/>
+              </a:solidFill>
+              <a:uFillTx/>
+              <a:latin typeface="Arial"/>
+            </a:endParaRPr>
+          </a:p>
+          <a:p>
+            <a:pPr marL="216000" indent="-216000">
+              <a:buNone/>
+            </a:pPr>
+            <a:endParaRPr b="0" lang="en-US" sz="2000" strike="noStrike" u="none">
+              <a:solidFill>
+                <a:srgbClr val="000000"/>
+              </a:solidFill>
+              <a:uFillTx/>
+              <a:latin typeface="Arial"/>
+            </a:endParaRPr>
+          </a:p>
+          <a:p>
+            <a:pPr marL="216000" indent="-216000">
+              <a:buNone/>
+            </a:pPr>
+            <a:r>
+              <a:rPr b="0" lang="en-US" sz="2000" strike="noStrike" u="none">
+                <a:solidFill>
+                  <a:srgbClr val="000000"/>
+                </a:solidFill>
+                <a:uFillTx/>
+                <a:latin typeface="Arial"/>
+              </a:rPr>
+              <a:t>The value of your work could be that you enjoyed using some particular method. Good for you!</a:t>
+            </a:r>
+            <a:endParaRPr b="0" lang="en-US" sz="2000" strike="noStrike" u="none">
+              <a:solidFill>
+                <a:srgbClr val="000000"/>
+              </a:solidFill>
+              <a:uFillTx/>
+              <a:latin typeface="Arial"/>
+            </a:endParaRPr>
+          </a:p>
+          <a:p>
+            <a:pPr marL="216000" indent="-216000">
+              <a:buNone/>
+            </a:pPr>
+            <a:r>
+              <a:rPr b="0" lang="en-US" sz="2000" strike="noStrike" u="none">
+                <a:solidFill>
+                  <a:srgbClr val="000000"/>
+                </a:solidFill>
+                <a:uFillTx/>
+                <a:latin typeface="Arial"/>
+              </a:rPr>
+              <a:t>But without clear, broad, real motivations, only a few will share your enthusiasm. Maybe not zero!</a:t>
+            </a:r>
+            <a:endParaRPr b="0" lang="en-US" sz="2000" strike="noStrike" u="none">
+              <a:solidFill>
+                <a:srgbClr val="000000"/>
+              </a:solidFill>
+              <a:uFillTx/>
+              <a:latin typeface="Arial"/>
+            </a:endParaRPr>
+          </a:p>
+          <a:p>
+            <a:pPr marL="216000" indent="-216000">
+              <a:buNone/>
+            </a:pPr>
+            <a:r>
+              <a:rPr b="0" lang="en-US" sz="2000" strike="noStrike" u="none">
+                <a:solidFill>
+                  <a:srgbClr val="000000"/>
+                </a:solidFill>
+                <a:uFillTx/>
+                <a:latin typeface="Arial"/>
+              </a:rPr>
+              <a:t>But you have to address real concerns to have people value your work.</a:t>
+            </a:r>
+            <a:endParaRPr b="0" lang="en-US" sz="2000" strike="noStrike" u="none">
+              <a:solidFill>
+                <a:srgbClr val="000000"/>
+              </a:solidFill>
+              <a:uFillTx/>
+              <a:latin typeface="Arial"/>
+            </a:endParaRPr>
+          </a:p>
+          <a:p>
+            <a:pPr marL="216000" indent="-216000">
+              <a:buNone/>
+            </a:pPr>
+            <a:endParaRPr b="0" lang="en-US" sz="2000" strike="noStrike" u="none">
+              <a:solidFill>
+                <a:srgbClr val="000000"/>
+              </a:solidFill>
+              <a:uFillTx/>
+              <a:latin typeface="Arial"/>
+            </a:endParaRPr>
+          </a:p>
+          <a:p>
+            <a:pPr marL="216000" indent="-216000">
+              <a:buNone/>
+            </a:pPr>
+            <a:r>
+              <a:rPr b="0" lang="en-US" sz="2000" strike="noStrike" u="none">
+                <a:solidFill>
+                  <a:srgbClr val="000000"/>
+                </a:solidFill>
+                <a:uFillTx/>
+                <a:latin typeface="Arial"/>
+              </a:rPr>
+              <a:t>If you feel stuck with a small audience for your work and that compromise doesn't sound good... you can work on something else?</a:t>
+            </a:r>
+            <a:endParaRPr b="0" lang="en-US" sz="2000" strike="noStrike" u="none">
+              <a:solidFill>
+                <a:srgbClr val="000000"/>
+              </a:solidFill>
+              <a:uFillTx/>
+              <a:latin typeface="Arial"/>
+            </a:endParaRPr>
+          </a:p>
+          <a:p>
+            <a:pPr marL="216000" indent="-216000">
+              <a:buNone/>
+            </a:pPr>
             <a:endParaRPr b="0" lang="en-US" sz="2000" strike="noStrike" u="none">
               <a:solidFill>
                 <a:srgbClr val="000000"/>
@@ -5949,7 +5860,7 @@
       </p:grpSpPr>
       <p:sp>
         <p:nvSpPr>
-          <p:cNvPr id="150" name="PlaceHolder 1"/>
+          <p:cNvPr id="152" name="PlaceHolder 1"/>
           <p:cNvSpPr>
             <a:spLocks noGrp="1"/>
           </p:cNvSpPr>
@@ -5972,7 +5883,7 @@
       </p:sp>
       <p:sp>
         <p:nvSpPr>
-          <p:cNvPr id="151" name="PlaceHolder 2"/>
+          <p:cNvPr id="153" name="PlaceHolder 2"/>
           <p:cNvSpPr>
             <a:spLocks noGrp="1"/>
           </p:cNvSpPr>
@@ -6135,7 +6046,7 @@
       </p:grpSpPr>
       <p:sp>
         <p:nvSpPr>
-          <p:cNvPr id="152" name="PlaceHolder 1"/>
+          <p:cNvPr id="154" name="PlaceHolder 1"/>
           <p:cNvSpPr>
             <a:spLocks noGrp="1"/>
           </p:cNvSpPr>
@@ -6158,7 +6069,7 @@
       </p:sp>
       <p:sp>
         <p:nvSpPr>
-          <p:cNvPr id="153" name="PlaceHolder 2"/>
+          <p:cNvPr id="155" name="PlaceHolder 2"/>
           <p:cNvSpPr>
             <a:spLocks noGrp="1"/>
           </p:cNvSpPr>
@@ -6195,74 +6106,119 @@
                 <a:uFillTx/>
                 <a:latin typeface="Arial"/>
               </a:rPr>
-              <a:t>PL in particular tends to be technique-focused rather than problem-focused, which is more inward looking.</a:t>
-            </a:r>
-            <a:endParaRPr b="0" lang="en-US" sz="2000" strike="noStrike" u="none">
-              <a:solidFill>
-                <a:srgbClr val="000000"/>
-              </a:solidFill>
-              <a:uFillTx/>
-              <a:latin typeface="Arial"/>
-            </a:endParaRPr>
-          </a:p>
-          <a:p>
-            <a:pPr marL="216000" indent="-216000">
-              <a:buNone/>
-            </a:pPr>
-            <a:r>
-              <a:rPr b="0" lang="en-US" sz="2000" strike="noStrike" u="none">
-                <a:solidFill>
-                  <a:srgbClr val="000000"/>
-                </a:solidFill>
-                <a:uFillTx/>
-                <a:latin typeface="Arial"/>
-                <a:ea typeface="Noto Sans"/>
-              </a:rPr>
-              <a:t>In the worst case, it is omphaloskepsis---</a:t>
-            </a:r>
-            <a:r>
-              <a:rPr b="0" lang="en-US" sz="2000" strike="noStrike" u="none">
-                <a:solidFill>
-                  <a:srgbClr val="000000"/>
-                </a:solidFill>
-                <a:uFillTx/>
-                <a:latin typeface="Arial"/>
-              </a:rPr>
-              <a:t>navel-gazing. </a:t>
-            </a:r>
-            <a:endParaRPr b="0" lang="en-US" sz="2000" strike="noStrike" u="none">
-              <a:solidFill>
-                <a:srgbClr val="000000"/>
-              </a:solidFill>
-              <a:uFillTx/>
-              <a:latin typeface="Arial"/>
-            </a:endParaRPr>
-          </a:p>
-          <a:p>
-            <a:pPr marL="216000" indent="-216000">
-              <a:buNone/>
-            </a:pPr>
-            <a:endParaRPr b="0" lang="en-US" sz="2000" strike="noStrike" u="none">
-              <a:solidFill>
-                <a:srgbClr val="000000"/>
-              </a:solidFill>
-              <a:uFillTx/>
-              <a:latin typeface="Arial"/>
-            </a:endParaRPr>
-          </a:p>
-          <a:p>
-            <a:pPr marL="216000" indent="-216000">
-              <a:buNone/>
-            </a:pPr>
-            <a:r>
-              <a:rPr b="0" lang="en-US" sz="2000" strike="noStrike" u="none">
-                <a:solidFill>
-                  <a:srgbClr val="000000"/>
-                </a:solidFill>
-                <a:uFillTx/>
-                <a:latin typeface="Arial"/>
-              </a:rPr>
-              <a:t>If you want your work to affect the world---if you want people to notice what you've done---focus on problems more than techniques. You can learn and master and create the techniques you need along the way.</a:t>
+              <a:t>I've given a bunch of advice, some of it quite concrete.</a:t>
+            </a:r>
+            <a:endParaRPr b="0" lang="en-US" sz="2000" strike="noStrike" u="none">
+              <a:solidFill>
+                <a:srgbClr val="000000"/>
+              </a:solidFill>
+              <a:uFillTx/>
+              <a:latin typeface="Arial"/>
+            </a:endParaRPr>
+          </a:p>
+          <a:p>
+            <a:pPr marL="216000" indent="-216000">
+              <a:buNone/>
+            </a:pPr>
+            <a:r>
+              <a:rPr b="0" lang="en-US" sz="2000" strike="noStrike" u="none">
+                <a:solidFill>
+                  <a:srgbClr val="000000"/>
+                </a:solidFill>
+                <a:uFillTx/>
+                <a:latin typeface="Arial"/>
+              </a:rPr>
+              <a:t>I have seen these rules broken very effectively in good talks.</a:t>
+            </a:r>
+            <a:endParaRPr b="0" lang="en-US" sz="2000" strike="noStrike" u="none">
+              <a:solidFill>
+                <a:srgbClr val="000000"/>
+              </a:solidFill>
+              <a:uFillTx/>
+              <a:latin typeface="Arial"/>
+            </a:endParaRPr>
+          </a:p>
+          <a:p>
+            <a:pPr marL="216000" indent="-216000">
+              <a:buNone/>
+            </a:pPr>
+            <a:endParaRPr b="0" lang="en-US" sz="2000" strike="noStrike" u="none">
+              <a:solidFill>
+                <a:srgbClr val="000000"/>
+              </a:solidFill>
+              <a:uFillTx/>
+              <a:latin typeface="Arial"/>
+            </a:endParaRPr>
+          </a:p>
+          <a:p>
+            <a:pPr marL="216000" indent="-216000">
+              <a:buNone/>
+            </a:pPr>
+            <a:r>
+              <a:rPr b="0" lang="en-US" sz="2000" strike="noStrike" u="none">
+                <a:solidFill>
+                  <a:srgbClr val="000000"/>
+                </a:solidFill>
+                <a:uFillTx/>
+                <a:latin typeface="Arial"/>
+              </a:rPr>
+              <a:t>There's really only one rule, and that's to give something valuable to your audience.</a:t>
+            </a:r>
+            <a:endParaRPr b="0" lang="en-US" sz="2000" strike="noStrike" u="none">
+              <a:solidFill>
+                <a:srgbClr val="000000"/>
+              </a:solidFill>
+              <a:uFillTx/>
+              <a:latin typeface="Arial"/>
+            </a:endParaRPr>
+          </a:p>
+          <a:p>
+            <a:pPr marL="216000" indent="-216000">
+              <a:buNone/>
+            </a:pPr>
+            <a:r>
+              <a:rPr b="0" lang="en-US" sz="2000" strike="noStrike" u="none">
+                <a:solidFill>
+                  <a:srgbClr val="000000"/>
+                </a:solidFill>
+                <a:uFillTx/>
+                <a:latin typeface="Arial"/>
+              </a:rPr>
+              <a:t>They're giving you their time and attention---and our time is our most precious resource.</a:t>
+            </a:r>
+            <a:endParaRPr b="0" lang="en-US" sz="2000" strike="noStrike" u="none">
+              <a:solidFill>
+                <a:srgbClr val="000000"/>
+              </a:solidFill>
+              <a:uFillTx/>
+              <a:latin typeface="Arial"/>
+            </a:endParaRPr>
+          </a:p>
+          <a:p>
+            <a:pPr marL="216000" indent="-216000">
+              <a:buNone/>
+            </a:pPr>
+            <a:endParaRPr b="0" lang="en-US" sz="2000" strike="noStrike" u="none">
+              <a:solidFill>
+                <a:srgbClr val="000000"/>
+              </a:solidFill>
+              <a:uFillTx/>
+              <a:latin typeface="Arial"/>
+            </a:endParaRPr>
+          </a:p>
+          <a:p>
+            <a:pPr marL="216000" indent="-216000">
+              <a:buNone/>
+            </a:pPr>
+            <a:r>
+              <a:rPr b="0" lang="en-US" sz="2000" strike="noStrike" u="none">
+                <a:solidFill>
+                  <a:srgbClr val="000000"/>
+                </a:solidFill>
+                <a:uFillTx/>
+                <a:latin typeface="Arial"/>
+              </a:rPr>
+              <a:t>Thank you for _your_ time and attention; I hope this has been valuable for you.</a:t>
             </a:r>
             <a:endParaRPr b="0" lang="en-US" sz="2000" strike="noStrike" u="none">
               <a:solidFill>
@@ -6310,7 +6266,7 @@
       </p:grpSpPr>
       <p:sp>
         <p:nvSpPr>
-          <p:cNvPr id="82" name="PlaceHolder 1"/>
+          <p:cNvPr id="86" name="PlaceHolder 1"/>
           <p:cNvSpPr>
             <a:spLocks noGrp="1"/>
           </p:cNvSpPr>
@@ -6333,7 +6289,7 @@
       </p:sp>
       <p:sp>
         <p:nvSpPr>
-          <p:cNvPr id="83" name="PlaceHolder 2"/>
+          <p:cNvPr id="87" name="PlaceHolder 2"/>
           <p:cNvSpPr>
             <a:spLocks noGrp="1"/>
           </p:cNvSpPr>
@@ -6496,226 +6452,6 @@
             <a:pPr marL="216000" indent="-216000">
               <a:buNone/>
             </a:pPr>
-            <a:endParaRPr b="0" lang="en-US" sz="2000" strike="noStrike" u="none">
-              <a:solidFill>
-                <a:srgbClr val="000000"/>
-              </a:solidFill>
-              <a:uFillTx/>
-              <a:latin typeface="Arial"/>
-            </a:endParaRPr>
-          </a:p>
-          <a:p>
-            <a:pPr marL="216000" indent="-216000">
-              <a:buNone/>
-            </a:pPr>
-            <a:endParaRPr b="0" lang="en-US" sz="2000" strike="noStrike" u="none">
-              <a:solidFill>
-                <a:srgbClr val="000000"/>
-              </a:solidFill>
-              <a:uFillTx/>
-              <a:latin typeface="Arial"/>
-            </a:endParaRPr>
-          </a:p>
-        </p:txBody>
-      </p:sp>
-    </p:spTree>
-  </p:cSld>
-</p:notes>
-</file>
-
-<file path=ppt/notesSlides/notesSlide40.xml><?xml version="1.0" encoding="utf-8"?>
-<p:notes xmlns:a="http://schemas.openxmlformats.org/drawingml/2006/main" xmlns:p="http://schemas.openxmlformats.org/presentationml/2006/main" xmlns:r="http://schemas.openxmlformats.org/officeDocument/2006/relationships" xmlns:p14="http://schemas.microsoft.com/office/powerpoint/2010/main" xmlns:p15="http://schemas.microsoft.com/office/powerpoint/2012/main" xmlns:mc="http://schemas.openxmlformats.org/markup-compatibility/2006">
-  <p:cSld>
-    <p:spTree>
-      <p:nvGrpSpPr>
-        <p:cNvPr id="1" name=""/>
-        <p:cNvGrpSpPr/>
-        <p:nvPr/>
-      </p:nvGrpSpPr>
-      <p:grpSpPr>
-        <a:xfrm>
-          <a:off x="0" y="0"/>
-          <a:ext cx="0" cy="0"/>
-          <a:chOff x="0" y="0"/>
-          <a:chExt cx="0" cy="0"/>
-        </a:xfrm>
-      </p:grpSpPr>
-      <p:sp>
-        <p:nvSpPr>
-          <p:cNvPr id="154" name="PlaceHolder 1"/>
-          <p:cNvSpPr>
-            <a:spLocks noGrp="1"/>
-          </p:cNvSpPr>
-          <p:nvPr>
-            <p:ph type="sldImg"/>
-          </p:nvPr>
-        </p:nvSpPr>
-        <p:spPr>
-          <a:xfrm>
-            <a:off x="533520" y="764280"/>
-            <a:ext cx="6704640" cy="3771360"/>
-          </a:xfrm>
-          <a:prstGeom prst="rect">
-            <a:avLst/>
-          </a:prstGeom>
-          <a:ln w="0">
-            <a:noFill/>
-          </a:ln>
-        </p:spPr>
-      </p:sp>
-      <p:sp>
-        <p:nvSpPr>
-          <p:cNvPr id="155" name="PlaceHolder 2"/>
-          <p:cNvSpPr>
-            <a:spLocks noGrp="1"/>
-          </p:cNvSpPr>
-          <p:nvPr>
-            <p:ph type="body"/>
-          </p:nvPr>
-        </p:nvSpPr>
-        <p:spPr>
-          <a:xfrm>
-            <a:off x="777240" y="4777560"/>
-            <a:ext cx="6217560" cy="4525920"/>
-          </a:xfrm>
-          <a:prstGeom prst="rect">
-            <a:avLst/>
-          </a:prstGeom>
-          <a:noFill/>
-          <a:ln w="0">
-            <a:noFill/>
-          </a:ln>
-        </p:spPr>
-        <p:txBody>
-          <a:bodyPr lIns="0" rIns="0" tIns="0" bIns="0" anchor="t">
-            <a:noAutofit/>
-          </a:bodyPr>
-          <a:p>
-            <a:pPr marL="216000" indent="-216000">
-              <a:buNone/>
-            </a:pPr>
-            <a:r>
-              <a:rPr b="0" lang="en-US" sz="2000" strike="noStrike" u="none">
-                <a:solidFill>
-                  <a:srgbClr val="000000"/>
-                </a:solidFill>
-                <a:uFillTx/>
-                <a:latin typeface="Arial"/>
-              </a:rPr>
-              <a:t>I've given a bunch of advice, some of it quite concrete.</a:t>
-            </a:r>
-            <a:endParaRPr b="0" lang="en-US" sz="2000" strike="noStrike" u="none">
-              <a:solidFill>
-                <a:srgbClr val="000000"/>
-              </a:solidFill>
-              <a:uFillTx/>
-              <a:latin typeface="Arial"/>
-            </a:endParaRPr>
-          </a:p>
-          <a:p>
-            <a:pPr marL="216000" indent="-216000">
-              <a:buNone/>
-            </a:pPr>
-            <a:r>
-              <a:rPr b="0" lang="en-US" sz="2000" strike="noStrike" u="none">
-                <a:solidFill>
-                  <a:srgbClr val="000000"/>
-                </a:solidFill>
-                <a:uFillTx/>
-                <a:latin typeface="Arial"/>
-              </a:rPr>
-              <a:t>I have seen these rules broken very effectively in good talks.</a:t>
-            </a:r>
-            <a:endParaRPr b="0" lang="en-US" sz="2000" strike="noStrike" u="none">
-              <a:solidFill>
-                <a:srgbClr val="000000"/>
-              </a:solidFill>
-              <a:uFillTx/>
-              <a:latin typeface="Arial"/>
-            </a:endParaRPr>
-          </a:p>
-          <a:p>
-            <a:pPr marL="216000" indent="-216000">
-              <a:buNone/>
-            </a:pPr>
-            <a:endParaRPr b="0" lang="en-US" sz="2000" strike="noStrike" u="none">
-              <a:solidFill>
-                <a:srgbClr val="000000"/>
-              </a:solidFill>
-              <a:uFillTx/>
-              <a:latin typeface="Arial"/>
-            </a:endParaRPr>
-          </a:p>
-          <a:p>
-            <a:pPr marL="216000" indent="-216000">
-              <a:buNone/>
-            </a:pPr>
-            <a:r>
-              <a:rPr b="0" lang="en-US" sz="2000" strike="noStrike" u="none">
-                <a:solidFill>
-                  <a:srgbClr val="000000"/>
-                </a:solidFill>
-                <a:uFillTx/>
-                <a:latin typeface="Arial"/>
-              </a:rPr>
-              <a:t>There's really only one rule, and that's to give something valuable to your audience.</a:t>
-            </a:r>
-            <a:endParaRPr b="0" lang="en-US" sz="2000" strike="noStrike" u="none">
-              <a:solidFill>
-                <a:srgbClr val="000000"/>
-              </a:solidFill>
-              <a:uFillTx/>
-              <a:latin typeface="Arial"/>
-            </a:endParaRPr>
-          </a:p>
-          <a:p>
-            <a:pPr marL="216000" indent="-216000">
-              <a:buNone/>
-            </a:pPr>
-            <a:r>
-              <a:rPr b="0" lang="en-US" sz="2000" strike="noStrike" u="none">
-                <a:solidFill>
-                  <a:srgbClr val="000000"/>
-                </a:solidFill>
-                <a:uFillTx/>
-                <a:latin typeface="Arial"/>
-              </a:rPr>
-              <a:t>They're giving you their time and attention---and our time is our most precious resource.</a:t>
-            </a:r>
-            <a:endParaRPr b="0" lang="en-US" sz="2000" strike="noStrike" u="none">
-              <a:solidFill>
-                <a:srgbClr val="000000"/>
-              </a:solidFill>
-              <a:uFillTx/>
-              <a:latin typeface="Arial"/>
-            </a:endParaRPr>
-          </a:p>
-          <a:p>
-            <a:pPr marL="216000" indent="-216000">
-              <a:buNone/>
-            </a:pPr>
-            <a:endParaRPr b="0" lang="en-US" sz="2000" strike="noStrike" u="none">
-              <a:solidFill>
-                <a:srgbClr val="000000"/>
-              </a:solidFill>
-              <a:uFillTx/>
-              <a:latin typeface="Arial"/>
-            </a:endParaRPr>
-          </a:p>
-          <a:p>
-            <a:pPr marL="216000" indent="-216000">
-              <a:buNone/>
-            </a:pPr>
-            <a:r>
-              <a:rPr b="0" lang="en-US" sz="2000" strike="noStrike" u="none">
-                <a:solidFill>
-                  <a:srgbClr val="000000"/>
-                </a:solidFill>
-                <a:uFillTx/>
-                <a:latin typeface="Arial"/>
-              </a:rPr>
-              <a:t>Thank you for _your_ time and attention; I hope this has been valuable for you.</a:t>
-            </a:r>
             <a:endParaRPr b="0" lang="en-US" sz="2000" strike="noStrike" u="none">
               <a:solidFill>
                 <a:srgbClr val="000000"/>
@@ -6762,7 +6498,7 @@
       </p:grpSpPr>
       <p:sp>
         <p:nvSpPr>
-          <p:cNvPr id="84" name="PlaceHolder 1"/>
+          <p:cNvPr id="88" name="PlaceHolder 1"/>
           <p:cNvSpPr>
             <a:spLocks noGrp="1"/>
           </p:cNvSpPr>
@@ -6785,7 +6521,7 @@
       </p:sp>
       <p:sp>
         <p:nvSpPr>
-          <p:cNvPr id="85" name="PlaceHolder 2"/>
+          <p:cNvPr id="89" name="PlaceHolder 2"/>
           <p:cNvSpPr>
             <a:spLocks noGrp="1"/>
           </p:cNvSpPr>
@@ -7034,7 +6770,7 @@
       </p:grpSpPr>
       <p:sp>
         <p:nvSpPr>
-          <p:cNvPr id="86" name="PlaceHolder 1"/>
+          <p:cNvPr id="90" name="PlaceHolder 1"/>
           <p:cNvSpPr>
             <a:spLocks noGrp="1"/>
           </p:cNvSpPr>
@@ -7057,7 +6793,7 @@
       </p:sp>
       <p:sp>
         <p:nvSpPr>
-          <p:cNvPr id="87" name="PlaceHolder 2"/>
+          <p:cNvPr id="91" name="PlaceHolder 2"/>
           <p:cNvSpPr>
             <a:spLocks noGrp="1"/>
           </p:cNvSpPr>
@@ -7139,6 +6875,28 @@
                 <a:latin typeface="Arial"/>
               </a:rPr>
               <a:t>For people to care about it, they must first know about it.</a:t>
+            </a:r>
+            <a:endParaRPr b="0" lang="en-US" sz="2000" strike="noStrike" u="none">
+              <a:solidFill>
+                <a:srgbClr val="000000"/>
+              </a:solidFill>
+              <a:uFillTx/>
+              <a:latin typeface="Arial"/>
+            </a:endParaRPr>
+          </a:p>
+          <a:p>
+            <a:pPr marL="216000" indent="-216000">
+              <a:buNone/>
+            </a:pPr>
+            <a:r>
+              <a:rPr b="0" lang="en-US" sz="2000" strike="noStrike" u="none">
+                <a:solidFill>
+                  <a:srgbClr val="000000"/>
+                </a:solidFill>
+                <a:uFillTx/>
+                <a:latin typeface="Arial"/>
+              </a:rPr>
+              <a:t>per joe, “the existence of an area”</a:t>
             </a:r>
             <a:endParaRPr b="0" lang="en-US" sz="2000" strike="noStrike" u="none">
               <a:solidFill>
@@ -7186,7 +6944,7 @@
       </p:grpSpPr>
       <p:sp>
         <p:nvSpPr>
-          <p:cNvPr id="88" name="PlaceHolder 1"/>
+          <p:cNvPr id="92" name="PlaceHolder 1"/>
           <p:cNvSpPr>
             <a:spLocks noGrp="1"/>
           </p:cNvSpPr>
@@ -7209,7 +6967,7 @@
       </p:sp>
       <p:sp>
         <p:nvSpPr>
-          <p:cNvPr id="89" name="PlaceHolder 2"/>
+          <p:cNvPr id="93" name="PlaceHolder 2"/>
           <p:cNvSpPr>
             <a:spLocks noGrp="1"/>
           </p:cNvSpPr>
@@ -7328,7 +7086,7 @@
       </p:grpSpPr>
       <p:sp>
         <p:nvSpPr>
-          <p:cNvPr id="90" name="PlaceHolder 1"/>
+          <p:cNvPr id="94" name="PlaceHolder 1"/>
           <p:cNvSpPr>
             <a:spLocks noGrp="1"/>
           </p:cNvSpPr>
@@ -7351,7 +7109,7 @@
       </p:sp>
       <p:sp>
         <p:nvSpPr>
-          <p:cNvPr id="91" name="PlaceHolder 2"/>
+          <p:cNvPr id="95" name="PlaceHolder 2"/>
           <p:cNvSpPr>
             <a:spLocks noGrp="1"/>
           </p:cNvSpPr>
@@ -7436,7 +7194,7 @@
       </p:grpSpPr>
       <p:sp>
         <p:nvSpPr>
-          <p:cNvPr id="92" name="PlaceHolder 1"/>
+          <p:cNvPr id="96" name="PlaceHolder 1"/>
           <p:cNvSpPr>
             <a:spLocks noGrp="1"/>
           </p:cNvSpPr>
@@ -7459,7 +7217,7 @@
       </p:sp>
       <p:sp>
         <p:nvSpPr>
-          <p:cNvPr id="93" name="PlaceHolder 2"/>
+          <p:cNvPr id="97" name="PlaceHolder 2"/>
           <p:cNvSpPr>
             <a:spLocks noGrp="1"/>
           </p:cNvSpPr>
@@ -7576,7 +7334,7 @@
         <p:txBody>
           <a:bodyPr/>
           <a:p>
-            <a:fld id="{B35CB11D-BACB-4DAE-A254-A9BF424ECB41}" type="slidenum">
+            <a:fld id="{1B77BBFE-9E3A-4738-8BC0-2F73B64342B9}" type="slidenum">
               <a:t>&lt;#&gt;</a:t>
             </a:fld>
           </a:p>
@@ -7700,7 +7458,7 @@
         <p:txBody>
           <a:bodyPr/>
           <a:p>
-            <a:fld id="{50B98CB6-7EB5-41C6-9390-BA07298BF88A}" type="slidenum">
+            <a:fld id="{CF528862-4B02-423A-84F1-A96B227C7E97}" type="slidenum">
               <a:t>&lt;#&gt;</a:t>
             </a:fld>
           </a:p>
@@ -7868,7 +7626,7 @@
         <p:txBody>
           <a:bodyPr/>
           <a:p>
-            <a:fld id="{5F83B804-AF2A-4C6D-9EE2-F354056E706E}" type="slidenum">
+            <a:fld id="{D0A79F72-99B9-4D2F-A970-7E0B1A193EA6}" type="slidenum">
               <a:t>&lt;#&gt;</a:t>
             </a:fld>
           </a:p>
@@ -8033,7 +7791,7 @@
         <p:txBody>
           <a:bodyPr/>
           <a:p>
-            <a:fld id="{54C3A108-1A72-42F9-B3E8-745BA161FD63}" type="slidenum">
+            <a:fld id="{133E4EAE-BD05-4D73-8696-BA762F422D8B}" type="slidenum">
               <a:t>&lt;#&gt;</a:t>
             </a:fld>
           </a:p>
@@ -8541,7 +8299,7 @@
             <a:pPr indent="0" algn="r">
               <a:buNone/>
             </a:pPr>
-            <a:fld id="{E81DF819-BE87-4531-8E5E-C355BBC951D0}" type="slidenum">
+            <a:fld id="{FB00FFA1-314A-43F0-9245-1EE483165919}" type="slidenum">
               <a:rPr b="0" lang="en-US" sz="1400" strike="noStrike" u="none">
                 <a:solidFill>
                   <a:srgbClr val="000000"/>
@@ -9968,16 +9726,115 @@
           <a:chExt cx="0" cy="0"/>
         </a:xfrm>
       </p:grpSpPr>
-      <p:sp>
-        <p:nvSpPr>
+      <p:grpSp>
+        <p:nvGrpSpPr>
           <p:cNvPr id="40" name=""/>
-          <p:cNvSpPr/>
+          <p:cNvGrpSpPr/>
           <p:nvPr/>
+        </p:nvGrpSpPr>
+        <p:grpSpPr>
+          <a:xfrm>
+            <a:off x="1265400" y="892080"/>
+            <a:ext cx="7549560" cy="3886200"/>
+            <a:chOff x="1265400" y="892080"/>
+            <a:chExt cx="7549560" cy="3886200"/>
+          </a:xfrm>
+        </p:grpSpPr>
+        <p:sp>
+          <p:nvSpPr>
+            <p:cNvPr id="41" name=""/>
+            <p:cNvSpPr/>
+            <p:nvPr/>
+          </p:nvSpPr>
+          <p:spPr>
+            <a:xfrm>
+              <a:off x="1265400" y="892080"/>
+              <a:ext cx="0" cy="3886200"/>
+            </a:xfrm>
+            <a:prstGeom prst="line">
+              <a:avLst/>
+            </a:prstGeom>
+            <a:ln w="19080">
+              <a:solidFill>
+                <a:srgbClr val="000000"/>
+              </a:solidFill>
+              <a:round/>
+            </a:ln>
+          </p:spPr>
+          <p:style>
+            <a:lnRef idx="0"/>
+            <a:fillRef idx="0"/>
+            <a:effectRef idx="0"/>
+            <a:fontRef idx="minor"/>
+          </p:style>
+          <p:txBody>
+            <a:bodyPr lIns="99360" rIns="99360" tIns="54360" bIns="54360" anchor="ctr">
+              <a:noAutofit/>
+            </a:bodyPr>
+            <a:p>
+              <a:endParaRPr b="0" lang="en-US" sz="1800" strike="noStrike" u="none">
+                <a:solidFill>
+                  <a:srgbClr val="000000"/>
+                </a:solidFill>
+                <a:uFillTx/>
+                <a:latin typeface="Arial"/>
+              </a:endParaRPr>
+            </a:p>
+          </p:txBody>
+        </p:sp>
+        <p:sp>
+          <p:nvSpPr>
+            <p:cNvPr id="42" name=""/>
+            <p:cNvSpPr/>
+            <p:nvPr/>
+          </p:nvSpPr>
+          <p:spPr>
+            <a:xfrm>
+              <a:off x="1265400" y="4778280"/>
+              <a:ext cx="7549560" cy="0"/>
+            </a:xfrm>
+            <a:prstGeom prst="line">
+              <a:avLst/>
+            </a:prstGeom>
+            <a:ln w="19080">
+              <a:solidFill>
+                <a:srgbClr val="000000"/>
+              </a:solidFill>
+              <a:round/>
+            </a:ln>
+          </p:spPr>
+          <p:style>
+            <a:lnRef idx="0"/>
+            <a:fillRef idx="0"/>
+            <a:effectRef idx="0"/>
+            <a:fontRef idx="minor"/>
+          </p:style>
+          <p:txBody>
+            <a:bodyPr lIns="99360" rIns="99360" tIns="-54360" bIns="-54360" anchor="ctr">
+              <a:noAutofit/>
+            </a:bodyPr>
+            <a:p>
+              <a:endParaRPr b="0" lang="en-US" sz="1800" strike="noStrike" u="none">
+                <a:solidFill>
+                  <a:srgbClr val="000000"/>
+                </a:solidFill>
+                <a:uFillTx/>
+                <a:latin typeface="Arial"/>
+              </a:endParaRPr>
+            </a:p>
+          </p:txBody>
+        </p:sp>
+      </p:grpSp>
+      <p:sp>
+        <p:nvSpPr>
+          <p:cNvPr id="43" name=""/>
+          <p:cNvSpPr txBox="1"/>
+          <p:nvPr/>
         </p:nvSpPr>
         <p:spPr>
-          <a:xfrm>
-            <a:off x="239400" y="2707200"/>
-            <a:ext cx="9601200" cy="359640"/>
+          <a:xfrm rot="16200000">
+            <a:off x="-658440" y="2661480"/>
+            <a:ext cx="3256560" cy="346680"/>
           </a:xfrm>
           <a:prstGeom prst="rect">
             <a:avLst/>
@@ -9987,39 +9844,162 @@
             <a:noFill/>
           </a:ln>
         </p:spPr>
-        <p:style>
-          <a:lnRef idx="0"/>
-          <a:fillRef idx="0"/>
-          <a:effectRef idx="0"/>
-          <a:fontRef idx="minor"/>
-        </p:style>
         <p:txBody>
-          <a:bodyPr lIns="90000" rIns="90000" tIns="45000" bIns="45000" anchor="ctr">
+          <a:bodyPr lIns="90000" rIns="90000" tIns="45000" bIns="45000" anchor="t">
             <a:noAutofit/>
           </a:bodyPr>
           <a:p>
+            <a:r>
+              <a:rPr b="0" lang="en-US" sz="1800" strike="noStrike" u="none">
+                <a:solidFill>
+                  <a:srgbClr val="000000"/>
+                </a:solidFill>
+                <a:uFillTx/>
+                <a:latin typeface="Arial"/>
+              </a:rPr>
+              <a:t>mean audience understanding</a:t>
+            </a:r>
+            <a:endParaRPr b="0" lang="en-US" sz="1800" strike="noStrike" u="none">
+              <a:solidFill>
+                <a:srgbClr val="000000"/>
+              </a:solidFill>
+              <a:uFillTx/>
+              <a:latin typeface="Arial"/>
+            </a:endParaRPr>
+          </a:p>
+        </p:txBody>
+      </p:sp>
+      <p:sp>
+        <p:nvSpPr>
+          <p:cNvPr id="44" name=""/>
+          <p:cNvSpPr txBox="1"/>
+          <p:nvPr/>
+        </p:nvSpPr>
+        <p:spPr>
+          <a:xfrm>
+            <a:off x="4733640" y="4911120"/>
+            <a:ext cx="612720" cy="346680"/>
+          </a:xfrm>
+          <a:prstGeom prst="rect">
+            <a:avLst/>
+          </a:prstGeom>
+          <a:noFill/>
+          <a:ln w="0">
+            <a:noFill/>
+          </a:ln>
+        </p:spPr>
+        <p:txBody>
+          <a:bodyPr lIns="90000" rIns="90000" tIns="45000" bIns="45000" anchor="t">
+            <a:noAutofit/>
+          </a:bodyPr>
+          <a:p>
+            <a:r>
+              <a:rPr b="0" lang="en-US" sz="1800" strike="noStrike" u="none">
+                <a:solidFill>
+                  <a:srgbClr val="000000"/>
+                </a:solidFill>
+                <a:uFillTx/>
+                <a:latin typeface="Arial"/>
+              </a:rPr>
+              <a:t>time</a:t>
+            </a:r>
+            <a:endParaRPr b="0" lang="en-US" sz="1800" strike="noStrike" u="none">
+              <a:solidFill>
+                <a:srgbClr val="000000"/>
+              </a:solidFill>
+              <a:uFillTx/>
+              <a:latin typeface="Arial"/>
+            </a:endParaRPr>
+          </a:p>
+        </p:txBody>
+      </p:sp>
+      <p:sp>
+        <p:nvSpPr>
+          <p:cNvPr id="45" name=""/>
+          <p:cNvSpPr/>
+          <p:nvPr/>
+        </p:nvSpPr>
+        <p:spPr>
+          <a:xfrm>
+            <a:off x="1600200" y="914400"/>
+            <a:ext cx="6629400" cy="3431880"/>
+          </a:xfrm>
+          <a:custGeom>
+            <a:avLst/>
+            <a:gdLst/>
+            <a:ahLst/>
+            <a:rect l="0" t="0" r="r" b="b"/>
+            <a:pathLst>
+              <a:path fill="none" w="18415" h="9533">
+                <a:moveTo>
+                  <a:pt x="0" y="0"/>
+                </a:moveTo>
+                <a:cubicBezTo>
+                  <a:pt x="0" y="10160"/>
+                  <a:pt x="18415" y="9525"/>
+                  <a:pt x="18415" y="9525"/>
+                </a:cubicBezTo>
+              </a:path>
+            </a:pathLst>
+          </a:custGeom>
+          <a:ln w="29160">
+            <a:solidFill>
+              <a:srgbClr val="000000"/>
+            </a:solidFill>
+            <a:round/>
+          </a:ln>
+        </p:spPr>
+        <p:txBody>
+          <a:bodyPr lIns="104400" rIns="104400" tIns="59400" bIns="59400" anchor="ctr">
+            <a:noAutofit/>
+          </a:bodyPr>
+          <a:p>
+            <a:endParaRPr b="0" lang="en-US" sz="1800" strike="noStrike" u="none">
+              <a:solidFill>
+                <a:srgbClr val="000000"/>
+              </a:solidFill>
+              <a:uFillTx/>
+              <a:latin typeface="Arial"/>
+            </a:endParaRPr>
+          </a:p>
+        </p:txBody>
+      </p:sp>
+      <p:sp>
+        <p:nvSpPr>
+          <p:cNvPr id="46" name=""/>
+          <p:cNvSpPr txBox="1"/>
+          <p:nvPr/>
+        </p:nvSpPr>
+        <p:spPr>
+          <a:xfrm>
+            <a:off x="505080" y="227160"/>
+            <a:ext cx="9071640" cy="5031720"/>
+          </a:xfrm>
+          <a:prstGeom prst="rect">
+            <a:avLst/>
+          </a:prstGeom>
+          <a:noFill/>
+          <a:ln w="0">
+            <a:noFill/>
+          </a:ln>
+        </p:spPr>
+        <p:txBody>
+          <a:bodyPr lIns="0" rIns="0" tIns="0" bIns="0" anchor="ctr">
+            <a:noAutofit/>
+          </a:bodyPr>
+          <a:p>
             <a:pPr algn="ctr"/>
             <a:r>
-              <a:rPr b="0" lang="en-US" sz="10350" strike="noStrike" u="none">
-                <a:solidFill>
-                  <a:srgbClr val="000000"/>
-                </a:solidFill>
-                <a:uFillTx/>
-                <a:latin typeface="IBM Plex Sans"/>
-              </a:rPr>
-              <a:t>😂</a:t>
-            </a:r>
-            <a:r>
-              <a:rPr b="0" lang="en-US" sz="10350" strike="noStrike" u="none">
-                <a:solidFill>
-                  <a:srgbClr val="000000"/>
-                </a:solidFill>
-                <a:uFillTx/>
-                <a:latin typeface="IBM Plex Sans"/>
-              </a:rPr>
-              <a:t>entertain🎭</a:t>
-            </a:r>
-            <a:endParaRPr b="0" lang="en-US" sz="10350" strike="noStrike" u="none">
+              <a:rPr b="0" lang="en-US" sz="14420" strike="noStrike" u="none">
+                <a:solidFill>
+                  <a:srgbClr val="000000"/>
+                </a:solidFill>
+                <a:uFillTx/>
+                <a:latin typeface="Noto Color Emoji"/>
+              </a:rPr>
+              <a:t>🤨</a:t>
+            </a:r>
+            <a:endParaRPr b="0" lang="en-US" sz="14420" strike="noStrike" u="none">
               <a:solidFill>
                 <a:srgbClr val="000000"/>
               </a:solidFill>
@@ -10061,18 +10041,14 @@
       </p:grpSpPr>
       <p:sp>
         <p:nvSpPr>
-          <p:cNvPr id="41" name="PlaceHolder 1"/>
-          <p:cNvSpPr>
-            <a:spLocks noGrp="1"/>
-          </p:cNvSpPr>
-          <p:nvPr>
-            <p:ph type="title"/>
-          </p:nvPr>
+          <p:cNvPr id="47" name=""/>
+          <p:cNvSpPr/>
+          <p:nvPr/>
         </p:nvSpPr>
         <p:spPr>
           <a:xfrm>
-            <a:off x="505800" y="227880"/>
-            <a:ext cx="9071640" cy="5031720"/>
+            <a:off x="239400" y="2707200"/>
+            <a:ext cx="9601200" cy="359640"/>
           </a:xfrm>
           <a:prstGeom prst="rect">
             <a:avLst/>
@@ -10082,25 +10058,39 @@
             <a:noFill/>
           </a:ln>
         </p:spPr>
+        <p:style>
+          <a:lnRef idx="0"/>
+          <a:fillRef idx="0"/>
+          <a:effectRef idx="0"/>
+          <a:fontRef idx="minor"/>
+        </p:style>
         <p:txBody>
-          <a:bodyPr lIns="0" rIns="0" tIns="0" bIns="0" anchor="ctr">
+          <a:bodyPr lIns="90000" rIns="90000" tIns="45000" bIns="45000" anchor="ctr">
             <a:noAutofit/>
           </a:bodyPr>
           <a:p>
-            <a:pPr indent="0" algn="ctr">
-              <a:buNone/>
-            </a:pPr>
-            <a:r>
-              <a:rPr b="0" lang="en-US" sz="14420" strike="noStrike" u="none">
-                <a:solidFill>
-                  <a:srgbClr val="000000"/>
-                </a:solidFill>
-                <a:uFillTx/>
-                <a:latin typeface="Noto Color Emoji"/>
-              </a:rPr>
-              <a:t>🎭</a:t>
-            </a:r>
-            <a:endParaRPr b="0" lang="en-US" sz="14420" strike="noStrike" u="none">
+            <a:pPr algn="ctr"/>
+            <a:r>
+              <a:rPr b="0" lang="en-US" sz="10350" strike="noStrike" u="none">
+                <a:solidFill>
+                  <a:srgbClr val="000000"/>
+                </a:solidFill>
+                <a:uFillTx/>
+                <a:latin typeface="IBM Plex Sans"/>
+              </a:rPr>
+              <a:t>😂</a:t>
+            </a:r>
+            <a:r>
+              <a:rPr b="0" lang="en-US" sz="10350" strike="noStrike" u="none">
+                <a:solidFill>
+                  <a:srgbClr val="000000"/>
+                </a:solidFill>
+                <a:uFillTx/>
+                <a:latin typeface="IBM Plex Sans"/>
+              </a:rPr>
+              <a:t>entertain🎭</a:t>
+            </a:r>
+            <a:endParaRPr b="0" lang="en-US" sz="10350" strike="noStrike" u="none">
               <a:solidFill>
                 <a:srgbClr val="000000"/>
               </a:solidFill>
@@ -10142,7 +10132,7 @@
       </p:grpSpPr>
       <p:sp>
         <p:nvSpPr>
-          <p:cNvPr id="42" name="PlaceHolder 1"/>
+          <p:cNvPr id="48" name="PlaceHolder 1"/>
           <p:cNvSpPr>
             <a:spLocks noGrp="1"/>
           </p:cNvSpPr>
@@ -10179,20 +10169,7 @@
                 <a:uFillTx/>
                 <a:latin typeface="Noto Color Emoji"/>
               </a:rPr>
-              <a:t>😆🥹🫨</a:t>
-            </a:r>
-            <a:br>
-              <a:rPr sz="14420"/>
-            </a:br>
-            <a:r>
-              <a:rPr b="0" lang="en-US" sz="14420" strike="noStrike" u="none">
-                <a:solidFill>
-                  <a:srgbClr val="000000"/>
-                </a:solidFill>
-                <a:uFillTx/>
-                <a:latin typeface="Noto Color Emoji"/>
-              </a:rPr>
-              <a:t>⏱🧑‍🎤</a:t>
+              <a:t>🎭</a:t>
             </a:r>
             <a:endParaRPr b="0" lang="en-US" sz="14420" strike="noStrike" u="none">
               <a:solidFill>
@@ -10290,7 +10267,7 @@
       </p:grpSpPr>
       <p:sp>
         <p:nvSpPr>
-          <p:cNvPr id="43" name="PlaceHolder 1"/>
+          <p:cNvPr id="49" name="PlaceHolder 1"/>
           <p:cNvSpPr>
             <a:spLocks noGrp="1"/>
           </p:cNvSpPr>
@@ -10300,7 +10277,7 @@
         </p:nvSpPr>
         <p:spPr>
           <a:xfrm>
-            <a:off x="506160" y="228240"/>
+            <a:off x="505800" y="227880"/>
             <a:ext cx="9071640" cy="5031720"/>
           </a:xfrm>
           <a:prstGeom prst="rect">
@@ -10327,7 +10304,20 @@
                 <a:uFillTx/>
                 <a:latin typeface="Noto Color Emoji"/>
               </a:rPr>
-              <a:t>🔁</a:t>
+              <a:t>😆🥹🫨</a:t>
+            </a:r>
+            <a:br>
+              <a:rPr sz="14420"/>
+            </a:br>
+            <a:r>
+              <a:rPr b="0" lang="en-US" sz="14420" strike="noStrike" u="none">
+                <a:solidFill>
+                  <a:srgbClr val="000000"/>
+                </a:solidFill>
+                <a:uFillTx/>
+                <a:latin typeface="Noto Color Emoji"/>
+              </a:rPr>
+              <a:t>⏱🧑‍🎤</a:t>
             </a:r>
             <a:endParaRPr b="0" lang="en-US" sz="14420" strike="noStrike" u="none">
               <a:solidFill>
@@ -10371,7 +10361,7 @@
       </p:grpSpPr>
       <p:sp>
         <p:nvSpPr>
-          <p:cNvPr id="44" name="PlaceHolder 1"/>
+          <p:cNvPr id="50" name="PlaceHolder 1"/>
           <p:cNvSpPr>
             <a:spLocks noGrp="1"/>
           </p:cNvSpPr>
@@ -10381,7 +10371,7 @@
         </p:nvSpPr>
         <p:spPr>
           <a:xfrm>
-            <a:off x="506520" y="228600"/>
+            <a:off x="506160" y="228240"/>
             <a:ext cx="9071640" cy="5031720"/>
           </a:xfrm>
           <a:prstGeom prst="rect">
@@ -10408,60 +10398,9 @@
                 <a:uFillTx/>
                 <a:latin typeface="Noto Color Emoji"/>
               </a:rPr>
-              <a:t>👤</a:t>
+              <a:t>🔁</a:t>
             </a:r>
             <a:endParaRPr b="0" lang="en-US" sz="14420" strike="noStrike" u="none">
-              <a:solidFill>
-                <a:srgbClr val="000000"/>
-              </a:solidFill>
-              <a:uFillTx/>
-              <a:latin typeface="IBM Plex Sans"/>
-            </a:endParaRPr>
-          </a:p>
-        </p:txBody>
-      </p:sp>
-      <p:sp>
-        <p:nvSpPr>
-          <p:cNvPr id="45" name=""/>
-          <p:cNvSpPr/>
-          <p:nvPr/>
-        </p:nvSpPr>
-        <p:spPr>
-          <a:xfrm>
-            <a:off x="3554280" y="3886200"/>
-            <a:ext cx="2971800" cy="457200"/>
-          </a:xfrm>
-          <a:prstGeom prst="rect">
-            <a:avLst/>
-          </a:prstGeom>
-          <a:noFill/>
-          <a:ln w="0">
-            <a:noFill/>
-          </a:ln>
-        </p:spPr>
-        <p:style>
-          <a:lnRef idx="0"/>
-          <a:fillRef idx="0"/>
-          <a:effectRef idx="0"/>
-          <a:fontRef idx="minor"/>
-        </p:style>
-        <p:txBody>
-          <a:bodyPr lIns="90000" rIns="90000" tIns="45000" bIns="45000" anchor="ctr">
-            <a:noAutofit/>
-          </a:bodyPr>
-          <a:p>
-            <a:pPr algn="ctr"/>
-            <a:r>
-              <a:rPr b="1" lang="en-US" sz="8000" strike="noStrike" u="none">
-                <a:solidFill>
-                  <a:srgbClr val="000000"/>
-                </a:solidFill>
-                <a:uFillTx/>
-                <a:latin typeface="IBM Plex Sans"/>
-              </a:rPr>
-              <a:t>you</a:t>
-            </a:r>
-            <a:endParaRPr b="1" lang="en-US" sz="8000" strike="noStrike" u="none">
               <a:solidFill>
                 <a:srgbClr val="000000"/>
               </a:solidFill>
@@ -10503,7 +10442,7 @@
       </p:grpSpPr>
       <p:sp>
         <p:nvSpPr>
-          <p:cNvPr id="46" name="PlaceHolder 1"/>
+          <p:cNvPr id="51" name="PlaceHolder 1"/>
           <p:cNvSpPr>
             <a:spLocks noGrp="1"/>
           </p:cNvSpPr>
@@ -10513,8 +10452,8 @@
         </p:nvSpPr>
         <p:spPr>
           <a:xfrm>
-            <a:off x="505440" y="222840"/>
-            <a:ext cx="9071640" cy="5230800"/>
+            <a:off x="506520" y="228600"/>
+            <a:ext cx="9071640" cy="5031720"/>
           </a:xfrm>
           <a:prstGeom prst="rect">
             <a:avLst/>
@@ -10533,29 +10472,67 @@
               <a:buNone/>
             </a:pPr>
             <a:r>
-              <a:rPr b="1" lang="en-US" sz="10560" strike="noStrike" u="none">
+              <a:rPr b="0" lang="en-US" sz="14420" strike="noStrike" u="none">
+                <a:solidFill>
+                  <a:srgbClr val="000000"/>
+                </a:solidFill>
+                <a:uFillTx/>
+                <a:latin typeface="Noto Color Emoji"/>
+              </a:rPr>
+              <a:t>👤</a:t>
+            </a:r>
+            <a:endParaRPr b="0" lang="en-US" sz="14420" strike="noStrike" u="none">
+              <a:solidFill>
+                <a:srgbClr val="000000"/>
+              </a:solidFill>
+              <a:uFillTx/>
+              <a:latin typeface="IBM Plex Sans"/>
+            </a:endParaRPr>
+          </a:p>
+        </p:txBody>
+      </p:sp>
+      <p:sp>
+        <p:nvSpPr>
+          <p:cNvPr id="52" name=""/>
+          <p:cNvSpPr/>
+          <p:nvPr/>
+        </p:nvSpPr>
+        <p:spPr>
+          <a:xfrm>
+            <a:off x="3554280" y="3886200"/>
+            <a:ext cx="2971800" cy="457200"/>
+          </a:xfrm>
+          <a:prstGeom prst="rect">
+            <a:avLst/>
+          </a:prstGeom>
+          <a:noFill/>
+          <a:ln w="0">
+            <a:noFill/>
+          </a:ln>
+        </p:spPr>
+        <p:style>
+          <a:lnRef idx="0"/>
+          <a:fillRef idx="0"/>
+          <a:effectRef idx="0"/>
+          <a:fontRef idx="minor"/>
+        </p:style>
+        <p:txBody>
+          <a:bodyPr lIns="90000" rIns="90000" tIns="45000" bIns="45000" anchor="ctr">
+            <a:noAutofit/>
+          </a:bodyPr>
+          <a:p>
+            <a:pPr algn="ctr"/>
+            <a:r>
+              <a:rPr b="1" lang="en-US" sz="8000" strike="noStrike" u="none">
                 <a:solidFill>
                   <a:srgbClr val="000000"/>
                 </a:solidFill>
                 <a:uFillTx/>
                 <a:latin typeface="IBM Plex Sans"/>
               </a:rPr>
-              <a:t>rule #3</a:t>
-            </a:r>
-            <a:br>
-              <a:rPr sz="10560"/>
-            </a:br>
-            <a:r>
-              <a:rPr b="1" lang="en-US" sz="10560" strike="noStrike" u="none">
-                <a:solidFill>
-                  <a:srgbClr val="800080"/>
-                </a:solidFill>
-                <a:uFillTx/>
-                <a:latin typeface="IBM Plex Sans"/>
-              </a:rPr>
-              <a:t>every talk is a job talk</a:t>
-            </a:r>
-            <a:endParaRPr b="0" lang="en-US" sz="10560" strike="noStrike" u="none">
+              <a:t>you</a:t>
+            </a:r>
+            <a:endParaRPr b="1" lang="en-US" sz="8000" strike="noStrike" u="none">
               <a:solidFill>
                 <a:srgbClr val="000000"/>
               </a:solidFill>
@@ -10597,7 +10574,7 @@
       </p:grpSpPr>
       <p:sp>
         <p:nvSpPr>
-          <p:cNvPr id="47" name="PlaceHolder 1"/>
+          <p:cNvPr id="53" name="PlaceHolder 1"/>
           <p:cNvSpPr>
             <a:spLocks noGrp="1"/>
           </p:cNvSpPr>
@@ -10607,8 +10584,8 @@
         </p:nvSpPr>
         <p:spPr>
           <a:xfrm>
-            <a:off x="506160" y="228240"/>
-            <a:ext cx="9071640" cy="5031720"/>
+            <a:off x="505440" y="222840"/>
+            <a:ext cx="9071640" cy="5230800"/>
           </a:xfrm>
           <a:prstGeom prst="rect">
             <a:avLst/>
@@ -10627,16 +10604,29 @@
               <a:buNone/>
             </a:pPr>
             <a:r>
-              <a:rPr b="0" lang="en-US" sz="14420" strike="noStrike" u="none">
-                <a:solidFill>
-                  <a:srgbClr val="000000"/>
-                </a:solidFill>
-                <a:uFillTx/>
-                <a:latin typeface="Noto Color Emoji"/>
-              </a:rPr>
-              <a:t>😰</a:t>
-            </a:r>
-            <a:endParaRPr b="0" lang="en-US" sz="14420" strike="noStrike" u="none">
+              <a:rPr b="1" lang="en-US" sz="10560" strike="noStrike" u="none">
+                <a:solidFill>
+                  <a:srgbClr val="000000"/>
+                </a:solidFill>
+                <a:uFillTx/>
+                <a:latin typeface="IBM Plex Sans"/>
+              </a:rPr>
+              <a:t>rule #3</a:t>
+            </a:r>
+            <a:br>
+              <a:rPr sz="10560"/>
+            </a:br>
+            <a:r>
+              <a:rPr b="1" lang="en-US" sz="10560" strike="noStrike" u="none">
+                <a:solidFill>
+                  <a:srgbClr val="800080"/>
+                </a:solidFill>
+                <a:uFillTx/>
+                <a:latin typeface="IBM Plex Sans"/>
+              </a:rPr>
+              <a:t>every talk is a job talk</a:t>
+            </a:r>
+            <a:endParaRPr b="0" lang="en-US" sz="10560" strike="noStrike" u="none">
               <a:solidFill>
                 <a:srgbClr val="000000"/>
               </a:solidFill>
@@ -10676,9 +10666,90 @@
           <a:chExt cx="0" cy="0"/>
         </a:xfrm>
       </p:grpSpPr>
+      <p:sp>
+        <p:nvSpPr>
+          <p:cNvPr id="54" name="PlaceHolder 1"/>
+          <p:cNvSpPr>
+            <a:spLocks noGrp="1"/>
+          </p:cNvSpPr>
+          <p:nvPr>
+            <p:ph type="title"/>
+          </p:nvPr>
+        </p:nvSpPr>
+        <p:spPr>
+          <a:xfrm>
+            <a:off x="506160" y="228240"/>
+            <a:ext cx="9071640" cy="5031720"/>
+          </a:xfrm>
+          <a:prstGeom prst="rect">
+            <a:avLst/>
+          </a:prstGeom>
+          <a:noFill/>
+          <a:ln w="0">
+            <a:noFill/>
+          </a:ln>
+        </p:spPr>
+        <p:txBody>
+          <a:bodyPr lIns="0" rIns="0" tIns="0" bIns="0" anchor="ctr">
+            <a:noAutofit/>
+          </a:bodyPr>
+          <a:p>
+            <a:pPr indent="0" algn="ctr">
+              <a:buNone/>
+            </a:pPr>
+            <a:r>
+              <a:rPr b="0" lang="en-US" sz="14420" strike="noStrike" u="none">
+                <a:solidFill>
+                  <a:srgbClr val="000000"/>
+                </a:solidFill>
+                <a:uFillTx/>
+                <a:latin typeface="Noto Color Emoji"/>
+              </a:rPr>
+              <a:t>😰</a:t>
+            </a:r>
+            <a:endParaRPr b="0" lang="en-US" sz="14420" strike="noStrike" u="none">
+              <a:solidFill>
+                <a:srgbClr val="000000"/>
+              </a:solidFill>
+              <a:uFillTx/>
+              <a:latin typeface="IBM Plex Sans"/>
+            </a:endParaRPr>
+          </a:p>
+        </p:txBody>
+      </p:sp>
+    </p:spTree>
+  </p:cSld>
+  <mc:AlternateContent>
+    <mc:Choice Requires="p14">
+      <p:transition spd="slow" p14:dur="2000"/>
+    </mc:Choice>
+    <mc:Fallback>
+      <p:transition spd="slow"/>
+    </mc:Fallback>
+  </mc:AlternateContent>
+</p:sld>
+</file>
+
+<file path=ppt/slides/slide25.xml><?xml version="1.0" encoding="utf-8"?>
+<p:sld xmlns:a="http://schemas.openxmlformats.org/drawingml/2006/main" xmlns:p="http://schemas.openxmlformats.org/presentationml/2006/main" xmlns:r="http://schemas.openxmlformats.org/officeDocument/2006/relationships" xmlns:p14="http://schemas.microsoft.com/office/powerpoint/2010/main" xmlns:p15="http://schemas.microsoft.com/office/powerpoint/2012/main" xmlns:mc="http://schemas.openxmlformats.org/markup-compatibility/2006">
+  <p:cSld>
+    <p:spTree>
+      <p:nvGrpSpPr>
+        <p:cNvPr id="1" name=""/>
+        <p:cNvGrpSpPr/>
+        <p:nvPr/>
+      </p:nvGrpSpPr>
+      <p:grpSpPr>
+        <a:xfrm>
+          <a:off x="0" y="0"/>
+          <a:ext cx="0" cy="0"/>
+          <a:chOff x="0" y="0"/>
+          <a:chExt cx="0" cy="0"/>
+        </a:xfrm>
+      </p:grpSpPr>
       <p:grpSp>
         <p:nvGrpSpPr>
-          <p:cNvPr id="48" name=""/>
+          <p:cNvPr id="55" name=""/>
           <p:cNvGrpSpPr/>
           <p:nvPr/>
         </p:nvGrpSpPr>
@@ -10692,7 +10763,7 @@
         </p:grpSpPr>
         <p:sp>
           <p:nvSpPr>
-            <p:cNvPr id="49" name=""/>
+            <p:cNvPr id="56" name=""/>
             <p:cNvSpPr/>
             <p:nvPr/>
           </p:nvSpPr>
@@ -10753,7 +10824,7 @@
         </p:sp>
         <p:sp>
           <p:nvSpPr>
-            <p:cNvPr id="50" name=""/>
+            <p:cNvPr id="57" name=""/>
             <p:cNvSpPr/>
             <p:nvPr/>
           </p:nvSpPr>
@@ -10814,7 +10885,7 @@
         </p:sp>
         <p:sp>
           <p:nvSpPr>
-            <p:cNvPr id="51" name=""/>
+            <p:cNvPr id="58" name=""/>
             <p:cNvSpPr/>
             <p:nvPr/>
           </p:nvSpPr>
@@ -10887,97 +10958,6 @@
 </p:sld>
 </file>
 
-<file path=ppt/slides/slide25.xml><?xml version="1.0" encoding="utf-8"?>
-<p:sld xmlns:a="http://schemas.openxmlformats.org/drawingml/2006/main" xmlns:p="http://schemas.openxmlformats.org/presentationml/2006/main" xmlns:r="http://schemas.openxmlformats.org/officeDocument/2006/relationships" xmlns:p14="http://schemas.microsoft.com/office/powerpoint/2010/main" xmlns:p15="http://schemas.microsoft.com/office/powerpoint/2012/main" xmlns:mc="http://schemas.openxmlformats.org/markup-compatibility/2006">
-  <p:cSld>
-    <p:spTree>
-      <p:nvGrpSpPr>
-        <p:cNvPr id="1" name=""/>
-        <p:cNvGrpSpPr/>
-        <p:nvPr/>
-      </p:nvGrpSpPr>
-      <p:grpSpPr>
-        <a:xfrm>
-          <a:off x="0" y="0"/>
-          <a:ext cx="0" cy="0"/>
-          <a:chOff x="0" y="0"/>
-          <a:chExt cx="0" cy="0"/>
-        </a:xfrm>
-      </p:grpSpPr>
-      <p:sp>
-        <p:nvSpPr>
-          <p:cNvPr id="52" name="PlaceHolder 1"/>
-          <p:cNvSpPr>
-            <a:spLocks noGrp="1"/>
-          </p:cNvSpPr>
-          <p:nvPr>
-            <p:ph type="title"/>
-          </p:nvPr>
-        </p:nvSpPr>
-        <p:spPr>
-          <a:xfrm>
-            <a:off x="504360" y="2109240"/>
-            <a:ext cx="9071640" cy="1452600"/>
-          </a:xfrm>
-          <a:prstGeom prst="rect">
-            <a:avLst/>
-          </a:prstGeom>
-          <a:noFill/>
-          <a:ln w="0">
-            <a:noFill/>
-          </a:ln>
-        </p:spPr>
-        <p:txBody>
-          <a:bodyPr lIns="0" rIns="0" tIns="0" bIns="0" anchor="ctr">
-            <a:noAutofit/>
-          </a:bodyPr>
-          <a:p>
-            <a:pPr indent="0" algn="ctr">
-              <a:buNone/>
-            </a:pPr>
-            <a:r>
-              <a:rPr b="0" lang="en-US" sz="8800" strike="noStrike" u="none">
-                <a:solidFill>
-                  <a:srgbClr val="000000"/>
-                </a:solidFill>
-                <a:uFillTx/>
-                <a:latin typeface="IBM Plex Sans"/>
-              </a:rPr>
-              <a:t>🧑‍💻</a:t>
-            </a:r>
-            <a:r>
-              <a:rPr b="0" lang="en-US" sz="8800" strike="noStrike" u="none">
-                <a:solidFill>
-                  <a:srgbClr val="000000"/>
-                </a:solidFill>
-                <a:uFillTx/>
-                <a:latin typeface="IBM Plex Sans"/>
-              </a:rPr>
-              <a:t>technology🖥</a:t>
-            </a:r>
-            <a:endParaRPr b="0" lang="en-US" sz="8800" strike="noStrike" u="none">
-              <a:solidFill>
-                <a:srgbClr val="000000"/>
-              </a:solidFill>
-              <a:uFillTx/>
-              <a:latin typeface="IBM Plex Sans"/>
-            </a:endParaRPr>
-          </a:p>
-        </p:txBody>
-      </p:sp>
-    </p:spTree>
-  </p:cSld>
-  <mc:AlternateContent>
-    <mc:Choice Requires="p14">
-      <p:transition spd="slow" p14:dur="2000"/>
-    </mc:Choice>
-    <mc:Fallback>
-      <p:transition spd="slow"/>
-    </mc:Fallback>
-  </mc:AlternateContent>
-</p:sld>
-</file>
-
 <file path=ppt/slides/slide26.xml><?xml version="1.0" encoding="utf-8"?>
 <p:sld xmlns:a="http://schemas.openxmlformats.org/drawingml/2006/main" xmlns:p="http://schemas.openxmlformats.org/presentationml/2006/main" xmlns:r="http://schemas.openxmlformats.org/officeDocument/2006/relationships" xmlns:p14="http://schemas.microsoft.com/office/powerpoint/2010/main" xmlns:p15="http://schemas.microsoft.com/office/powerpoint/2012/main" xmlns:mc="http://schemas.openxmlformats.org/markup-compatibility/2006">
   <p:cSld>
@@ -10997,7 +10977,7 @@
       </p:grpSpPr>
       <p:sp>
         <p:nvSpPr>
-          <p:cNvPr id="53" name="PlaceHolder 1"/>
+          <p:cNvPr id="59" name="PlaceHolder 1"/>
           <p:cNvSpPr>
             <a:spLocks noGrp="1"/>
           </p:cNvSpPr>
@@ -11007,8 +10987,8 @@
         </p:nvSpPr>
         <p:spPr>
           <a:xfrm>
-            <a:off x="506520" y="228600"/>
-            <a:ext cx="9071640" cy="5031720"/>
+            <a:off x="504360" y="2109240"/>
+            <a:ext cx="9071640" cy="1452600"/>
           </a:xfrm>
           <a:prstGeom prst="rect">
             <a:avLst/>
@@ -11027,16 +11007,26 @@
               <a:buNone/>
             </a:pPr>
             <a:r>
-              <a:rPr b="0" lang="en-US" sz="14420" strike="noStrike" u="none">
-                <a:solidFill>
-                  <a:srgbClr val="000000"/>
-                </a:solidFill>
-                <a:uFillTx/>
-                <a:latin typeface="Noto Color Emoji"/>
-              </a:rPr>
-              <a:t>😴</a:t>
-            </a:r>
-            <a:endParaRPr b="0" lang="en-US" sz="14420" strike="noStrike" u="none">
+              <a:rPr b="0" lang="en-US" sz="8800" strike="noStrike" u="none">
+                <a:solidFill>
+                  <a:srgbClr val="000000"/>
+                </a:solidFill>
+                <a:uFillTx/>
+                <a:latin typeface="IBM Plex Sans"/>
+              </a:rPr>
+              <a:t>🧑‍💻</a:t>
+            </a:r>
+            <a:r>
+              <a:rPr b="0" lang="en-US" sz="8800" strike="noStrike" u="none">
+                <a:solidFill>
+                  <a:srgbClr val="000000"/>
+                </a:solidFill>
+                <a:uFillTx/>
+                <a:latin typeface="IBM Plex Sans"/>
+              </a:rPr>
+              <a:t>technology🖥</a:t>
+            </a:r>
+            <a:endParaRPr b="0" lang="en-US" sz="8800" strike="noStrike" u="none">
               <a:solidFill>
                 <a:srgbClr val="000000"/>
               </a:solidFill>
@@ -11076,33 +11066,9 @@
           <a:chExt cx="0" cy="0"/>
         </a:xfrm>
       </p:grpSpPr>
-      <p:pic>
-        <p:nvPicPr>
-          <p:cNvPr id="54" name="" descr=""/>
-          <p:cNvPicPr/>
-          <p:nvPr/>
-        </p:nvPicPr>
-        <p:blipFill>
-          <a:blip r:embed="rId1"/>
-          <a:stretch/>
-        </p:blipFill>
-        <p:spPr>
-          <a:xfrm>
-            <a:off x="6139080" y="1566720"/>
-            <a:ext cx="3904920" cy="3904920"/>
-          </a:xfrm>
-          <a:prstGeom prst="rect">
-            <a:avLst/>
-          </a:prstGeom>
-          <a:noFill/>
-          <a:ln w="0">
-            <a:noFill/>
-          </a:ln>
-        </p:spPr>
-      </p:pic>
-      <p:sp>
-        <p:nvSpPr>
-          <p:cNvPr id="55" name="PlaceHolder 1"/>
+      <p:sp>
+        <p:nvSpPr>
+          <p:cNvPr id="60" name="PlaceHolder 1"/>
           <p:cNvSpPr>
             <a:spLocks noGrp="1"/>
           </p:cNvSpPr>
@@ -11112,8 +11078,8 @@
         </p:nvSpPr>
         <p:spPr>
           <a:xfrm>
-            <a:off x="506880" y="228960"/>
-            <a:ext cx="5208120" cy="5031720"/>
+            <a:off x="506520" y="228600"/>
+            <a:ext cx="9071640" cy="5031720"/>
           </a:xfrm>
           <a:prstGeom prst="rect">
             <a:avLst/>
@@ -11139,7 +11105,7 @@
                 <a:uFillTx/>
                 <a:latin typeface="Noto Color Emoji"/>
               </a:rPr>
-              <a:t>🏗</a:t>
+              <a:t>😴</a:t>
             </a:r>
             <a:endParaRPr b="0" lang="en-US" sz="14420" strike="noStrike" u="none">
               <a:solidFill>
@@ -11147,71 +11113,6 @@
               </a:solidFill>
               <a:uFillTx/>
               <a:latin typeface="IBM Plex Sans"/>
-            </a:endParaRPr>
-          </a:p>
-        </p:txBody>
-      </p:sp>
-      <p:sp>
-        <p:nvSpPr>
-          <p:cNvPr id="56" name=""/>
-          <p:cNvSpPr txBox="1"/>
-          <p:nvPr/>
-        </p:nvSpPr>
-        <p:spPr>
-          <a:xfrm>
-            <a:off x="5715000" y="357120"/>
-            <a:ext cx="4876560" cy="1014480"/>
-          </a:xfrm>
-          <a:prstGeom prst="rect">
-            <a:avLst/>
-          </a:prstGeom>
-          <a:noFill/>
-          <a:ln w="0">
-            <a:noFill/>
-          </a:ln>
-        </p:spPr>
-        <p:txBody>
-          <a:bodyPr lIns="90000" rIns="90000" tIns="45000" bIns="45000" anchor="t">
-            <a:noAutofit/>
-          </a:bodyPr>
-          <a:p>
-            <a:pPr algn="ctr"/>
-            <a:r>
-              <a:rPr b="0" i="1" lang="en-US" sz="2800" strike="noStrike" u="none">
-                <a:solidFill>
-                  <a:srgbClr val="000000"/>
-                </a:solidFill>
-                <a:uFillTx/>
-                <a:latin typeface="IBM Plex Sans"/>
-              </a:rPr>
-              <a:t>How to Give a Talk</a:t>
-            </a:r>
-            <a:endParaRPr b="0" lang="en-US" sz="2800" strike="noStrike" u="none">
-              <a:solidFill>
-                <a:srgbClr val="000000"/>
-              </a:solidFill>
-              <a:uFillTx/>
-              <a:latin typeface="Arial"/>
-            </a:endParaRPr>
-          </a:p>
-          <a:p>
-            <a:pPr algn="ctr"/>
-            <a:r>
-              <a:rPr b="1" lang="en-US" sz="2800" strike="noStrike" u="none">
-                <a:solidFill>
-                  <a:srgbClr val="000000"/>
-                </a:solidFill>
-                <a:uFillTx/>
-                <a:latin typeface="IBM Plex Sans"/>
-              </a:rPr>
-              <a:t>Neel Krishnaswami</a:t>
-            </a:r>
-            <a:endParaRPr b="0" lang="en-US" sz="2800" strike="noStrike" u="none">
-              <a:solidFill>
-                <a:srgbClr val="000000"/>
-              </a:solidFill>
-              <a:uFillTx/>
-              <a:latin typeface="Arial"/>
             </a:endParaRPr>
           </a:p>
         </p:txBody>
@@ -11246,9 +11147,33 @@
           <a:chExt cx="0" cy="0"/>
         </a:xfrm>
       </p:grpSpPr>
-      <p:sp>
-        <p:nvSpPr>
-          <p:cNvPr id="57" name="PlaceHolder 1"/>
+      <p:pic>
+        <p:nvPicPr>
+          <p:cNvPr id="61" name="" descr=""/>
+          <p:cNvPicPr/>
+          <p:nvPr/>
+        </p:nvPicPr>
+        <p:blipFill>
+          <a:blip r:embed="rId1"/>
+          <a:stretch/>
+        </p:blipFill>
+        <p:spPr>
+          <a:xfrm>
+            <a:off x="6139080" y="1566720"/>
+            <a:ext cx="3904920" cy="3904920"/>
+          </a:xfrm>
+          <a:prstGeom prst="rect">
+            <a:avLst/>
+          </a:prstGeom>
+          <a:noFill/>
+          <a:ln w="0">
+            <a:noFill/>
+          </a:ln>
+        </p:spPr>
+      </p:pic>
+      <p:sp>
+        <p:nvSpPr>
+          <p:cNvPr id="62" name="PlaceHolder 1"/>
           <p:cNvSpPr>
             <a:spLocks noGrp="1"/>
           </p:cNvSpPr>
@@ -11258,8 +11183,8 @@
         </p:nvSpPr>
         <p:spPr>
           <a:xfrm>
-            <a:off x="507240" y="229320"/>
-            <a:ext cx="9071640" cy="5031720"/>
+            <a:off x="506880" y="228960"/>
+            <a:ext cx="5208120" cy="5031720"/>
           </a:xfrm>
           <a:prstGeom prst="rect">
             <a:avLst/>
@@ -11285,20 +11210,7 @@
                 <a:uFillTx/>
                 <a:latin typeface="Noto Color Emoji"/>
               </a:rPr>
-              <a:t>💅🖼</a:t>
-            </a:r>
-            <a:br>
-              <a:rPr sz="14420"/>
-            </a:br>
-            <a:r>
-              <a:rPr b="0" lang="en-US" sz="14420" strike="noStrike" u="none">
-                <a:solidFill>
-                  <a:srgbClr val="000000"/>
-                </a:solidFill>
-                <a:uFillTx/>
-                <a:latin typeface="Noto Color Emoji"/>
-              </a:rPr>
-              <a:t>📊🫥</a:t>
+              <a:t>🏗</a:t>
             </a:r>
             <a:endParaRPr b="0" lang="en-US" sz="14420" strike="noStrike" u="none">
               <a:solidFill>
@@ -11306,6 +11218,71 @@
               </a:solidFill>
               <a:uFillTx/>
               <a:latin typeface="IBM Plex Sans"/>
+            </a:endParaRPr>
+          </a:p>
+        </p:txBody>
+      </p:sp>
+      <p:sp>
+        <p:nvSpPr>
+          <p:cNvPr id="63" name=""/>
+          <p:cNvSpPr txBox="1"/>
+          <p:nvPr/>
+        </p:nvSpPr>
+        <p:spPr>
+          <a:xfrm>
+            <a:off x="5715000" y="357120"/>
+            <a:ext cx="4876560" cy="1014480"/>
+          </a:xfrm>
+          <a:prstGeom prst="rect">
+            <a:avLst/>
+          </a:prstGeom>
+          <a:noFill/>
+          <a:ln w="0">
+            <a:noFill/>
+          </a:ln>
+        </p:spPr>
+        <p:txBody>
+          <a:bodyPr lIns="90000" rIns="90000" tIns="45000" bIns="45000" anchor="t">
+            <a:noAutofit/>
+          </a:bodyPr>
+          <a:p>
+            <a:pPr algn="ctr"/>
+            <a:r>
+              <a:rPr b="0" i="1" lang="en-US" sz="2800" strike="noStrike" u="none">
+                <a:solidFill>
+                  <a:srgbClr val="000000"/>
+                </a:solidFill>
+                <a:uFillTx/>
+                <a:latin typeface="IBM Plex Sans"/>
+              </a:rPr>
+              <a:t>How to Give a Talk</a:t>
+            </a:r>
+            <a:endParaRPr b="0" lang="en-US" sz="2800" strike="noStrike" u="none">
+              <a:solidFill>
+                <a:srgbClr val="000000"/>
+              </a:solidFill>
+              <a:uFillTx/>
+              <a:latin typeface="Arial"/>
+            </a:endParaRPr>
+          </a:p>
+          <a:p>
+            <a:pPr algn="ctr"/>
+            <a:r>
+              <a:rPr b="1" lang="en-US" sz="2800" strike="noStrike" u="none">
+                <a:solidFill>
+                  <a:srgbClr val="000000"/>
+                </a:solidFill>
+                <a:uFillTx/>
+                <a:latin typeface="IBM Plex Sans"/>
+              </a:rPr>
+              <a:t>Neel Krishnaswami</a:t>
+            </a:r>
+            <a:endParaRPr b="0" lang="en-US" sz="2800" strike="noStrike" u="none">
+              <a:solidFill>
+                <a:srgbClr val="000000"/>
+              </a:solidFill>
+              <a:uFillTx/>
+              <a:latin typeface="Arial"/>
             </a:endParaRPr>
           </a:p>
         </p:txBody>
@@ -11342,7 +11319,7 @@
       </p:grpSpPr>
       <p:sp>
         <p:nvSpPr>
-          <p:cNvPr id="58" name="PlaceHolder 1"/>
+          <p:cNvPr id="64" name="PlaceHolder 1"/>
           <p:cNvSpPr>
             <a:spLocks noGrp="1"/>
           </p:cNvSpPr>
@@ -11352,8 +11329,8 @@
         </p:nvSpPr>
         <p:spPr>
           <a:xfrm>
-            <a:off x="504000" y="226080"/>
-            <a:ext cx="9071640" cy="946440"/>
+            <a:off x="507240" y="229320"/>
+            <a:ext cx="9071640" cy="5031720"/>
           </a:xfrm>
           <a:prstGeom prst="rect">
             <a:avLst/>
@@ -11372,88 +11349,29 @@
               <a:buNone/>
             </a:pPr>
             <a:r>
-              <a:rPr b="0" lang="en-US" sz="4400" strike="noStrike" u="none">
-                <a:solidFill>
-                  <a:srgbClr val="000000"/>
-                </a:solidFill>
-                <a:uFillTx/>
-                <a:latin typeface="IBM Plex Sans"/>
-              </a:rPr>
-              <a:t>🙅</a:t>
-            </a:r>
-            <a:r>
-              <a:rPr b="0" lang="en-US" sz="4400" strike="noStrike" u="none">
-                <a:solidFill>
-                  <a:srgbClr val="000000"/>
-                </a:solidFill>
-                <a:uFillTx/>
-                <a:latin typeface="IBM Plex Sans"/>
-              </a:rPr>
-              <a:t>anti-patterns⛔</a:t>
-            </a:r>
-            <a:endParaRPr b="0" lang="en-US" sz="4400" strike="noStrike" u="none">
-              <a:solidFill>
-                <a:srgbClr val="000000"/>
-              </a:solidFill>
-              <a:uFillTx/>
-              <a:latin typeface="IBM Plex Sans"/>
-            </a:endParaRPr>
-          </a:p>
-        </p:txBody>
-      </p:sp>
-      <p:sp>
-        <p:nvSpPr>
-          <p:cNvPr id="59" name="PlaceHolder 2"/>
-          <p:cNvSpPr>
-            <a:spLocks noGrp="1"/>
-          </p:cNvSpPr>
-          <p:nvPr>
-            <p:ph type="title"/>
-          </p:nvPr>
-        </p:nvSpPr>
-        <p:spPr>
-          <a:xfrm>
-            <a:off x="506880" y="745200"/>
-            <a:ext cx="9071640" cy="4803480"/>
-          </a:xfrm>
-          <a:prstGeom prst="rect">
-            <a:avLst/>
-          </a:prstGeom>
-          <a:noFill/>
-          <a:ln w="0">
-            <a:noFill/>
-          </a:ln>
-        </p:spPr>
-        <p:txBody>
-          <a:bodyPr lIns="0" rIns="0" tIns="0" bIns="0" anchor="ctr">
-            <a:noAutofit/>
-          </a:bodyPr>
-          <a:p>
-            <a:pPr indent="0" algn="ctr">
-              <a:buNone/>
-            </a:pPr>
-            <a:r>
-              <a:rPr b="0" lang="en-US" sz="11620" strike="noStrike" u="none">
+              <a:rPr b="0" lang="en-US" sz="14420" strike="noStrike" u="none">
                 <a:solidFill>
                   <a:srgbClr val="000000"/>
                 </a:solidFill>
                 <a:uFillTx/>
                 <a:latin typeface="Noto Color Emoji"/>
-                <a:ea typeface="Noto Sans"/>
-              </a:rPr>
-              <a:t>📜</a:t>
-            </a:r>
-            <a:r>
-              <a:rPr b="0" lang="en-US" sz="11620" strike="noStrike" u="none">
+              </a:rPr>
+              <a:t>💅🖼</a:t>
+            </a:r>
+            <a:br>
+              <a:rPr sz="14420"/>
+            </a:br>
+            <a:r>
+              <a:rPr b="0" lang="en-US" sz="14420" strike="noStrike" u="none">
                 <a:solidFill>
                   <a:srgbClr val="000000"/>
                 </a:solidFill>
                 <a:uFillTx/>
                 <a:latin typeface="Noto Color Emoji"/>
               </a:rPr>
-              <a:t>⌨📸🔣🧑‍⚖</a:t>
-            </a:r>
-            <a:endParaRPr b="0" lang="en-US" sz="11620" strike="noStrike" u="none">
+              <a:t>📊🫥</a:t>
+            </a:r>
+            <a:endParaRPr b="0" lang="en-US" sz="14420" strike="noStrike" u="none">
               <a:solidFill>
                 <a:srgbClr val="000000"/>
               </a:solidFill>
@@ -11682,7 +11600,7 @@
       </p:grpSpPr>
       <p:sp>
         <p:nvSpPr>
-          <p:cNvPr id="60" name="PlaceHolder 1"/>
+          <p:cNvPr id="65" name="PlaceHolder 1"/>
           <p:cNvSpPr>
             <a:spLocks noGrp="1"/>
           </p:cNvSpPr>
@@ -11692,8 +11610,8 @@
         </p:nvSpPr>
         <p:spPr>
           <a:xfrm>
-            <a:off x="504720" y="2109600"/>
-            <a:ext cx="9071640" cy="1452600"/>
+            <a:off x="504000" y="226080"/>
+            <a:ext cx="9071640" cy="946440"/>
           </a:xfrm>
           <a:prstGeom prst="rect">
             <a:avLst/>
@@ -11712,26 +11630,88 @@
               <a:buNone/>
             </a:pPr>
             <a:r>
-              <a:rPr b="0" lang="en-US" sz="8800" strike="noStrike" u="none">
+              <a:rPr b="0" lang="en-US" sz="4400" strike="noStrike" u="none">
                 <a:solidFill>
                   <a:srgbClr val="000000"/>
                 </a:solidFill>
                 <a:uFillTx/>
                 <a:latin typeface="IBM Plex Sans"/>
               </a:rPr>
-              <a:t>🤑</a:t>
-            </a:r>
-            <a:r>
-              <a:rPr b="0" lang="en-US" sz="8800" strike="noStrike" u="none">
+              <a:t>🙅</a:t>
+            </a:r>
+            <a:r>
+              <a:rPr b="0" lang="en-US" sz="4400" strike="noStrike" u="none">
                 <a:solidFill>
                   <a:srgbClr val="000000"/>
                 </a:solidFill>
                 <a:uFillTx/>
                 <a:latin typeface="IBM Plex Sans"/>
               </a:rPr>
-              <a:t>value😍</a:t>
-            </a:r>
-            <a:endParaRPr b="0" lang="en-US" sz="8800" strike="noStrike" u="none">
+              <a:t>anti-patterns⛔</a:t>
+            </a:r>
+            <a:endParaRPr b="0" lang="en-US" sz="4400" strike="noStrike" u="none">
+              <a:solidFill>
+                <a:srgbClr val="000000"/>
+              </a:solidFill>
+              <a:uFillTx/>
+              <a:latin typeface="IBM Plex Sans"/>
+            </a:endParaRPr>
+          </a:p>
+        </p:txBody>
+      </p:sp>
+      <p:sp>
+        <p:nvSpPr>
+          <p:cNvPr id="66" name="PlaceHolder 2"/>
+          <p:cNvSpPr>
+            <a:spLocks noGrp="1"/>
+          </p:cNvSpPr>
+          <p:nvPr>
+            <p:ph type="title"/>
+          </p:nvPr>
+        </p:nvSpPr>
+        <p:spPr>
+          <a:xfrm>
+            <a:off x="506880" y="745200"/>
+            <a:ext cx="9071640" cy="4803480"/>
+          </a:xfrm>
+          <a:prstGeom prst="rect">
+            <a:avLst/>
+          </a:prstGeom>
+          <a:noFill/>
+          <a:ln w="0">
+            <a:noFill/>
+          </a:ln>
+        </p:spPr>
+        <p:txBody>
+          <a:bodyPr lIns="0" rIns="0" tIns="0" bIns="0" anchor="ctr">
+            <a:noAutofit/>
+          </a:bodyPr>
+          <a:p>
+            <a:pPr indent="0" algn="ctr">
+              <a:buNone/>
+            </a:pPr>
+            <a:r>
+              <a:rPr b="0" lang="en-US" sz="11620" strike="noStrike" u="none">
+                <a:solidFill>
+                  <a:srgbClr val="000000"/>
+                </a:solidFill>
+                <a:uFillTx/>
+                <a:latin typeface="Noto Color Emoji"/>
+                <a:ea typeface="Noto Sans"/>
+              </a:rPr>
+              <a:t>📜</a:t>
+            </a:r>
+            <a:r>
+              <a:rPr b="0" lang="en-US" sz="11620" strike="noStrike" u="none">
+                <a:solidFill>
+                  <a:srgbClr val="000000"/>
+                </a:solidFill>
+                <a:uFillTx/>
+                <a:latin typeface="Noto Color Emoji"/>
+              </a:rPr>
+              <a:t>⌨📸🔣🧑‍⚖</a:t>
+            </a:r>
+            <a:endParaRPr b="0" lang="en-US" sz="11620" strike="noStrike" u="none">
               <a:solidFill>
                 <a:srgbClr val="000000"/>
               </a:solidFill>
@@ -11771,20 +11751,20 @@
           <a:chExt cx="0" cy="0"/>
         </a:xfrm>
       </p:grpSpPr>
-      <p:pic>
-        <p:nvPicPr>
-          <p:cNvPr id="61" name="" descr=""/>
-          <p:cNvPicPr/>
-          <p:nvPr/>
-        </p:nvPicPr>
-        <p:blipFill>
-          <a:blip r:embed="rId1"/>
-          <a:stretch/>
-        </p:blipFill>
+      <p:sp>
+        <p:nvSpPr>
+          <p:cNvPr id="67" name="PlaceHolder 1"/>
+          <p:cNvSpPr>
+            <a:spLocks noGrp="1"/>
+          </p:cNvSpPr>
+          <p:nvPr>
+            <p:ph type="title"/>
+          </p:nvPr>
+        </p:nvSpPr>
         <p:spPr>
           <a:xfrm>
-            <a:off x="6382080" y="2038680"/>
-            <a:ext cx="3904920" cy="3904920"/>
+            <a:off x="504720" y="2109600"/>
+            <a:ext cx="9071640" cy="1452600"/>
           </a:xfrm>
           <a:prstGeom prst="rect">
             <a:avLst/>
@@ -11794,92 +11774,40 @@
             <a:noFill/>
           </a:ln>
         </p:spPr>
-      </p:pic>
-      <p:pic>
-        <p:nvPicPr>
-          <p:cNvPr id="62" name="" descr=""/>
-          <p:cNvPicPr/>
-          <p:nvPr/>
-        </p:nvPicPr>
-        <p:blipFill>
-          <a:blip r:embed="rId2"/>
-          <a:stretch/>
-        </p:blipFill>
-        <p:spPr>
-          <a:xfrm>
-            <a:off x="0" y="0"/>
-            <a:ext cx="6692400" cy="5669640"/>
-          </a:xfrm>
-          <a:prstGeom prst="rect">
-            <a:avLst/>
-          </a:prstGeom>
-          <a:noFill/>
-          <a:ln w="0">
-            <a:noFill/>
-          </a:ln>
-        </p:spPr>
-      </p:pic>
-      <p:sp>
-        <p:nvSpPr>
-          <p:cNvPr id="63" name=""/>
-          <p:cNvSpPr txBox="1"/>
-          <p:nvPr/>
-        </p:nvSpPr>
-        <p:spPr>
-          <a:xfrm>
-            <a:off x="6765480" y="124200"/>
-            <a:ext cx="3292920" cy="2161800"/>
-          </a:xfrm>
-          <a:prstGeom prst="rect">
-            <a:avLst/>
-          </a:prstGeom>
-          <a:noFill/>
-          <a:ln w="0">
-            <a:noFill/>
-          </a:ln>
-        </p:spPr>
         <p:txBody>
-          <a:bodyPr lIns="90000" rIns="90000" tIns="45000" bIns="45000" anchor="ctr">
+          <a:bodyPr lIns="0" rIns="0" tIns="0" bIns="0" anchor="ctr">
             <a:noAutofit/>
           </a:bodyPr>
           <a:p>
-            <a:pPr algn="ctr"/>
-            <a:r>
-              <a:rPr b="0" i="1" lang="en-US" sz="2800" strike="noStrike" u="none">
+            <a:pPr indent="0" algn="ctr">
+              <a:buNone/>
+            </a:pPr>
+            <a:r>
+              <a:rPr b="0" lang="en-US" sz="8800" strike="noStrike" u="none">
                 <a:solidFill>
                   <a:srgbClr val="000000"/>
                 </a:solidFill>
                 <a:uFillTx/>
                 <a:latin typeface="IBM Plex Sans"/>
               </a:rPr>
-              <a:t>The Craft of Writing Effectively</a:t>
-            </a:r>
-            <a:endParaRPr b="0" lang="en-US" sz="2800" strike="noStrike" u="none">
-              <a:solidFill>
-                <a:srgbClr val="000000"/>
-              </a:solidFill>
-              <a:uFillTx/>
-              <a:latin typeface="Arial"/>
-            </a:endParaRPr>
-          </a:p>
-          <a:p>
-            <a:pPr algn="ctr"/>
-            <a:r>
-              <a:rPr b="1" lang="en-US" sz="2800" strike="noStrike" u="none">
+              <a:t>🤑</a:t>
+            </a:r>
+            <a:r>
+              <a:rPr b="0" lang="en-US" sz="8800" strike="noStrike" u="none">
                 <a:solidFill>
                   <a:srgbClr val="000000"/>
                 </a:solidFill>
                 <a:uFillTx/>
                 <a:latin typeface="IBM Plex Sans"/>
               </a:rPr>
-              <a:t>Larry McEnerney</a:t>
-            </a:r>
-            <a:endParaRPr b="0" lang="en-US" sz="2800" strike="noStrike" u="none">
-              <a:solidFill>
-                <a:srgbClr val="000000"/>
-              </a:solidFill>
-              <a:uFillTx/>
-              <a:latin typeface="Arial"/>
+              <a:t>value😍</a:t>
+            </a:r>
+            <a:endParaRPr b="0" lang="en-US" sz="8800" strike="noStrike" u="none">
+              <a:solidFill>
+                <a:srgbClr val="000000"/>
+              </a:solidFill>
+              <a:uFillTx/>
+              <a:latin typeface="IBM Plex Sans"/>
             </a:endParaRPr>
           </a:p>
         </p:txBody>
@@ -11898,6 +11826,149 @@
 </file>
 
 <file path=ppt/slides/slide32.xml><?xml version="1.0" encoding="utf-8"?>
+<p:sld xmlns:a="http://schemas.openxmlformats.org/drawingml/2006/main" xmlns:p="http://schemas.openxmlformats.org/presentationml/2006/main" xmlns:r="http://schemas.openxmlformats.org/officeDocument/2006/relationships" xmlns:p14="http://schemas.microsoft.com/office/powerpoint/2010/main" xmlns:p15="http://schemas.microsoft.com/office/powerpoint/2012/main" xmlns:mc="http://schemas.openxmlformats.org/markup-compatibility/2006">
+  <p:cSld>
+    <p:spTree>
+      <p:nvGrpSpPr>
+        <p:cNvPr id="1" name=""/>
+        <p:cNvGrpSpPr/>
+        <p:nvPr/>
+      </p:nvGrpSpPr>
+      <p:grpSpPr>
+        <a:xfrm>
+          <a:off x="0" y="0"/>
+          <a:ext cx="0" cy="0"/>
+          <a:chOff x="0" y="0"/>
+          <a:chExt cx="0" cy="0"/>
+        </a:xfrm>
+      </p:grpSpPr>
+      <p:pic>
+        <p:nvPicPr>
+          <p:cNvPr id="68" name="" descr=""/>
+          <p:cNvPicPr/>
+          <p:nvPr/>
+        </p:nvPicPr>
+        <p:blipFill>
+          <a:blip r:embed="rId1"/>
+          <a:stretch/>
+        </p:blipFill>
+        <p:spPr>
+          <a:xfrm>
+            <a:off x="6382080" y="2038680"/>
+            <a:ext cx="3904920" cy="3904920"/>
+          </a:xfrm>
+          <a:prstGeom prst="rect">
+            <a:avLst/>
+          </a:prstGeom>
+          <a:noFill/>
+          <a:ln w="0">
+            <a:noFill/>
+          </a:ln>
+        </p:spPr>
+      </p:pic>
+      <p:pic>
+        <p:nvPicPr>
+          <p:cNvPr id="69" name="" descr=""/>
+          <p:cNvPicPr/>
+          <p:nvPr/>
+        </p:nvPicPr>
+        <p:blipFill>
+          <a:blip r:embed="rId2"/>
+          <a:stretch/>
+        </p:blipFill>
+        <p:spPr>
+          <a:xfrm>
+            <a:off x="0" y="0"/>
+            <a:ext cx="6692400" cy="5669640"/>
+          </a:xfrm>
+          <a:prstGeom prst="rect">
+            <a:avLst/>
+          </a:prstGeom>
+          <a:noFill/>
+          <a:ln w="0">
+            <a:noFill/>
+          </a:ln>
+        </p:spPr>
+      </p:pic>
+      <p:sp>
+        <p:nvSpPr>
+          <p:cNvPr id="70" name=""/>
+          <p:cNvSpPr txBox="1"/>
+          <p:nvPr/>
+        </p:nvSpPr>
+        <p:spPr>
+          <a:xfrm>
+            <a:off x="6765480" y="124200"/>
+            <a:ext cx="3292920" cy="2161800"/>
+          </a:xfrm>
+          <a:prstGeom prst="rect">
+            <a:avLst/>
+          </a:prstGeom>
+          <a:noFill/>
+          <a:ln w="0">
+            <a:noFill/>
+          </a:ln>
+        </p:spPr>
+        <p:txBody>
+          <a:bodyPr lIns="90000" rIns="90000" tIns="45000" bIns="45000" anchor="ctr">
+            <a:noAutofit/>
+          </a:bodyPr>
+          <a:p>
+            <a:pPr algn="ctr"/>
+            <a:r>
+              <a:rPr b="0" i="1" lang="en-US" sz="2800" strike="noStrike" u="none">
+                <a:solidFill>
+                  <a:srgbClr val="000000"/>
+                </a:solidFill>
+                <a:uFillTx/>
+                <a:latin typeface="IBM Plex Sans"/>
+              </a:rPr>
+              <a:t>The Craft of Writing Effectively</a:t>
+            </a:r>
+            <a:endParaRPr b="0" lang="en-US" sz="2800" strike="noStrike" u="none">
+              <a:solidFill>
+                <a:srgbClr val="000000"/>
+              </a:solidFill>
+              <a:uFillTx/>
+              <a:latin typeface="Arial"/>
+            </a:endParaRPr>
+          </a:p>
+          <a:p>
+            <a:pPr algn="ctr"/>
+            <a:r>
+              <a:rPr b="1" lang="en-US" sz="2800" strike="noStrike" u="none">
+                <a:solidFill>
+                  <a:srgbClr val="000000"/>
+                </a:solidFill>
+                <a:uFillTx/>
+                <a:latin typeface="IBM Plex Sans"/>
+              </a:rPr>
+              <a:t>Larry McEnerney</a:t>
+            </a:r>
+            <a:endParaRPr b="0" lang="en-US" sz="2800" strike="noStrike" u="none">
+              <a:solidFill>
+                <a:srgbClr val="000000"/>
+              </a:solidFill>
+              <a:uFillTx/>
+              <a:latin typeface="Arial"/>
+            </a:endParaRPr>
+          </a:p>
+        </p:txBody>
+      </p:sp>
+    </p:spTree>
+  </p:cSld>
+  <mc:AlternateContent>
+    <mc:Choice Requires="p14">
+      <p:transition spd="slow" p14:dur="2000"/>
+    </mc:Choice>
+    <mc:Fallback>
+      <p:transition spd="slow"/>
+    </mc:Fallback>
+  </mc:AlternateContent>
+</p:sld>
+</file>
+
+<file path=ppt/slides/slide33.xml><?xml version="1.0" encoding="utf-8"?>
 <p:sld xmlns:a="http://schemas.openxmlformats.org/drawingml/2006/main" xmlns:p="http://schemas.openxmlformats.org/presentationml/2006/main" xmlns:r="http://schemas.openxmlformats.org/officeDocument/2006/relationships" xmlns:p14="http://schemas.microsoft.com/office/powerpoint/2010/main" xmlns:p15="http://schemas.microsoft.com/office/powerpoint/2012/main" xmlns:mc="http://schemas.openxmlformats.org/markup-compatibility/2006">
   <p:cSld>
     <p:bg>
@@ -11923,7 +11994,7 @@
       </p:grpSpPr>
       <p:pic>
         <p:nvPicPr>
-          <p:cNvPr id="64" name="" descr=""/>
+          <p:cNvPr id="71" name="" descr=""/>
           <p:cNvPicPr/>
           <p:nvPr/>
         </p:nvPicPr>
@@ -11945,105 +12016,6 @@
           </a:ln>
         </p:spPr>
       </p:pic>
-    </p:spTree>
-  </p:cSld>
-  <mc:AlternateContent>
-    <mc:Choice Requires="p14">
-      <p:transition spd="slow" p14:dur="2000"/>
-    </mc:Choice>
-    <mc:Fallback>
-      <p:transition spd="slow"/>
-    </mc:Fallback>
-  </mc:AlternateContent>
-</p:sld>
-</file>
-
-<file path=ppt/slides/slide33.xml><?xml version="1.0" encoding="utf-8"?>
-<p:sld xmlns:a="http://schemas.openxmlformats.org/drawingml/2006/main" xmlns:p="http://schemas.openxmlformats.org/presentationml/2006/main" xmlns:r="http://schemas.openxmlformats.org/officeDocument/2006/relationships" xmlns:p14="http://schemas.microsoft.com/office/powerpoint/2010/main" xmlns:p15="http://schemas.microsoft.com/office/powerpoint/2012/main" xmlns:mc="http://schemas.openxmlformats.org/markup-compatibility/2006">
-  <p:cSld>
-    <p:spTree>
-      <p:nvGrpSpPr>
-        <p:cNvPr id="1" name=""/>
-        <p:cNvGrpSpPr/>
-        <p:nvPr/>
-      </p:nvGrpSpPr>
-      <p:grpSpPr>
-        <a:xfrm>
-          <a:off x="0" y="0"/>
-          <a:ext cx="0" cy="0"/>
-          <a:chOff x="0" y="0"/>
-          <a:chExt cx="0" cy="0"/>
-        </a:xfrm>
-      </p:grpSpPr>
-      <p:pic>
-        <p:nvPicPr>
-          <p:cNvPr id="65" name="" descr=""/>
-          <p:cNvPicPr/>
-          <p:nvPr/>
-        </p:nvPicPr>
-        <p:blipFill>
-          <a:blip r:embed="rId1"/>
-          <a:stretch/>
-        </p:blipFill>
-        <p:spPr>
-          <a:xfrm>
-            <a:off x="360" y="1158120"/>
-            <a:ext cx="10079640" cy="3354120"/>
-          </a:xfrm>
-          <a:prstGeom prst="rect">
-            <a:avLst/>
-          </a:prstGeom>
-          <a:noFill/>
-          <a:ln w="0">
-            <a:noFill/>
-          </a:ln>
-        </p:spPr>
-      </p:pic>
-      <p:sp>
-        <p:nvSpPr>
-          <p:cNvPr id="66" name=""/>
-          <p:cNvSpPr txBox="1"/>
-          <p:nvPr/>
-        </p:nvSpPr>
-        <p:spPr>
-          <a:xfrm>
-            <a:off x="291600" y="5257800"/>
-            <a:ext cx="9788400" cy="354240"/>
-          </a:xfrm>
-          <a:prstGeom prst="rect">
-            <a:avLst/>
-          </a:prstGeom>
-          <a:noFill/>
-          <a:ln w="0">
-            <a:noFill/>
-          </a:ln>
-        </p:spPr>
-        <p:txBody>
-          <a:bodyPr lIns="90000" rIns="90000" tIns="45000" bIns="45000" anchor="t">
-            <a:noAutofit/>
-          </a:bodyPr>
-          <a:p>
-            <a:pPr algn="r"/>
-            <a:r>
-              <a:rPr b="0" lang="en-US" sz="1600" strike="noStrike" u="none">
-                <a:solidFill>
-                  <a:srgbClr val="000000"/>
-                </a:solidFill>
-                <a:uFillTx/>
-                <a:latin typeface="IBM Plex Sans"/>
-              </a:rPr>
-              <a:t>https://en.wikipedia.org/wiki/Household_income_in_the_United_States#Education_and_gender</a:t>
-            </a:r>
-            <a:endParaRPr b="0" lang="en-US" sz="1600" strike="noStrike" u="none">
-              <a:solidFill>
-                <a:srgbClr val="000000"/>
-              </a:solidFill>
-              <a:uFillTx/>
-              <a:latin typeface="Arial"/>
-            </a:endParaRPr>
-          </a:p>
-        </p:txBody>
-      </p:sp>
     </p:spTree>
   </p:cSld>
   <mc:AlternateContent>
@@ -12074,20 +12046,20 @@
           <a:chExt cx="0" cy="0"/>
         </a:xfrm>
       </p:grpSpPr>
-      <p:sp>
-        <p:nvSpPr>
-          <p:cNvPr id="67" name="PlaceHolder 1"/>
-          <p:cNvSpPr>
-            <a:spLocks noGrp="1"/>
-          </p:cNvSpPr>
-          <p:nvPr>
-            <p:ph type="title"/>
-          </p:nvPr>
-        </p:nvSpPr>
+      <p:pic>
+        <p:nvPicPr>
+          <p:cNvPr id="72" name="" descr=""/>
+          <p:cNvPicPr/>
+          <p:nvPr/>
+        </p:nvPicPr>
+        <p:blipFill>
+          <a:blip r:embed="rId1"/>
+          <a:stretch/>
+        </p:blipFill>
         <p:spPr>
           <a:xfrm>
-            <a:off x="506880" y="228960"/>
-            <a:ext cx="9071640" cy="5031720"/>
+            <a:off x="360" y="1158120"/>
+            <a:ext cx="10079640" cy="3354120"/>
           </a:xfrm>
           <a:prstGeom prst="rect">
             <a:avLst/>
@@ -12097,30 +12069,48 @@
             <a:noFill/>
           </a:ln>
         </p:spPr>
+      </p:pic>
+      <p:sp>
+        <p:nvSpPr>
+          <p:cNvPr id="73" name=""/>
+          <p:cNvSpPr txBox="1"/>
+          <p:nvPr/>
+        </p:nvSpPr>
+        <p:spPr>
+          <a:xfrm>
+            <a:off x="291600" y="5257800"/>
+            <a:ext cx="9788400" cy="354240"/>
+          </a:xfrm>
+          <a:prstGeom prst="rect">
+            <a:avLst/>
+          </a:prstGeom>
+          <a:noFill/>
+          <a:ln w="0">
+            <a:noFill/>
+          </a:ln>
+        </p:spPr>
         <p:txBody>
-          <a:bodyPr lIns="0" rIns="0" tIns="0" bIns="0" anchor="ctr">
+          <a:bodyPr lIns="90000" rIns="90000" tIns="45000" bIns="45000" anchor="t">
             <a:noAutofit/>
           </a:bodyPr>
           <a:p>
-            <a:pPr indent="0" algn="ctr">
-              <a:buNone/>
-            </a:pPr>
-            <a:r>
-              <a:rPr b="0" lang="en-US" sz="14420" strike="noStrike" u="none">
-                <a:solidFill>
-                  <a:srgbClr val="000000"/>
-                </a:solidFill>
-                <a:uFillTx/>
-                <a:latin typeface="Noto Color Emoji"/>
-              </a:rPr>
-              <a:t>🤔</a:t>
-            </a:r>
-            <a:endParaRPr b="0" lang="en-US" sz="14420" strike="noStrike" u="none">
-              <a:solidFill>
-                <a:srgbClr val="000000"/>
-              </a:solidFill>
-              <a:uFillTx/>
-              <a:latin typeface="IBM Plex Sans"/>
+            <a:pPr algn="r"/>
+            <a:r>
+              <a:rPr b="0" lang="en-US" sz="1600" strike="noStrike" u="none">
+                <a:solidFill>
+                  <a:srgbClr val="000000"/>
+                </a:solidFill>
+                <a:uFillTx/>
+                <a:latin typeface="IBM Plex Sans"/>
+              </a:rPr>
+              <a:t>https://en.wikipedia.org/wiki/Household_income_in_the_United_States#Education_and_gender</a:t>
+            </a:r>
+            <a:endParaRPr b="0" lang="en-US" sz="1600" strike="noStrike" u="none">
+              <a:solidFill>
+                <a:srgbClr val="000000"/>
+              </a:solidFill>
+              <a:uFillTx/>
+              <a:latin typeface="Arial"/>
             </a:endParaRPr>
           </a:p>
         </p:txBody>
@@ -12157,7 +12147,7 @@
       </p:grpSpPr>
       <p:sp>
         <p:nvSpPr>
-          <p:cNvPr id="68" name="PlaceHolder 1"/>
+          <p:cNvPr id="74" name="PlaceHolder 1"/>
           <p:cNvSpPr>
             <a:spLocks noGrp="1"/>
           </p:cNvSpPr>
@@ -12167,7 +12157,7 @@
         </p:nvSpPr>
         <p:spPr>
           <a:xfrm>
-            <a:off x="505440" y="227520"/>
+            <a:off x="506880" y="228960"/>
             <a:ext cx="9071640" cy="5031720"/>
           </a:xfrm>
           <a:prstGeom prst="rect">
@@ -12193,22 +12183,8 @@
                 </a:solidFill>
                 <a:uFillTx/>
                 <a:latin typeface="Noto Color Emoji"/>
-                <a:ea typeface="Noto Sans"/>
-              </a:rPr>
-              <a:t>💰👑🎛</a:t>
-            </a:r>
-            <a:br>
-              <a:rPr sz="14420"/>
-            </a:br>
-            <a:r>
-              <a:rPr b="0" lang="en-US" sz="14420" strike="noStrike" u="none">
-                <a:solidFill>
-                  <a:srgbClr val="000000"/>
-                </a:solidFill>
-                <a:uFillTx/>
-                <a:latin typeface="Noto Color Emoji"/>
-              </a:rPr>
-              <a:t>⌚🦺⚖</a:t>
+              </a:rPr>
+              <a:t>🤔</a:t>
             </a:r>
             <a:endParaRPr b="0" lang="en-US" sz="14420" strike="noStrike" u="none">
               <a:solidFill>
@@ -12252,7 +12228,7 @@
       </p:grpSpPr>
       <p:sp>
         <p:nvSpPr>
-          <p:cNvPr id="69" name="PlaceHolder 1"/>
+          <p:cNvPr id="75" name="PlaceHolder 1"/>
           <p:cNvSpPr>
             <a:spLocks noGrp="1"/>
           </p:cNvSpPr>
@@ -12262,7 +12238,7 @@
         </p:nvSpPr>
         <p:spPr>
           <a:xfrm>
-            <a:off x="507240" y="229320"/>
+            <a:off x="505440" y="227520"/>
             <a:ext cx="9071640" cy="5031720"/>
           </a:xfrm>
           <a:prstGeom prst="rect">
@@ -12288,8 +12264,22 @@
                 </a:solidFill>
                 <a:uFillTx/>
                 <a:latin typeface="Noto Color Emoji"/>
-              </a:rPr>
-              <a:t>🛠🆚📃</a:t>
+                <a:ea typeface="Noto Sans"/>
+              </a:rPr>
+              <a:t>💰👑🎛</a:t>
+            </a:r>
+            <a:br>
+              <a:rPr sz="14420"/>
+            </a:br>
+            <a:r>
+              <a:rPr b="0" lang="en-US" sz="14420" strike="noStrike" u="none">
+                <a:solidFill>
+                  <a:srgbClr val="000000"/>
+                </a:solidFill>
+                <a:uFillTx/>
+                <a:latin typeface="Noto Color Emoji"/>
+              </a:rPr>
+              <a:t>⌚🦺⚖</a:t>
             </a:r>
             <a:endParaRPr b="0" lang="en-US" sz="14420" strike="noStrike" u="none">
               <a:solidFill>
@@ -12333,7 +12323,7 @@
       </p:grpSpPr>
       <p:sp>
         <p:nvSpPr>
-          <p:cNvPr id="70" name="PlaceHolder 1"/>
+          <p:cNvPr id="76" name="PlaceHolder 1"/>
           <p:cNvSpPr>
             <a:spLocks noGrp="1"/>
           </p:cNvSpPr>
@@ -12382,30 +12372,6 @@
           </a:p>
         </p:txBody>
       </p:sp>
-      <p:pic>
-        <p:nvPicPr>
-          <p:cNvPr id="71" name="" descr=""/>
-          <p:cNvPicPr/>
-          <p:nvPr/>
-        </p:nvPicPr>
-        <p:blipFill>
-          <a:blip r:embed="rId1"/>
-          <a:stretch/>
-        </p:blipFill>
-        <p:spPr>
-          <a:xfrm>
-            <a:off x="3782880" y="1039680"/>
-            <a:ext cx="2514240" cy="3590640"/>
-          </a:xfrm>
-          <a:prstGeom prst="rect">
-            <a:avLst/>
-          </a:prstGeom>
-          <a:noFill/>
-          <a:ln w="0">
-            <a:noFill/>
-          </a:ln>
-        </p:spPr>
-      </p:pic>
     </p:spTree>
   </p:cSld>
   <mc:AlternateContent>
@@ -12438,7 +12404,7 @@
       </p:grpSpPr>
       <p:graphicFrame>
         <p:nvGraphicFramePr>
-          <p:cNvPr id="72" name=""/>
+          <p:cNvPr id="77" name=""/>
           <p:cNvGraphicFramePr/>
           <p:nvPr/>
         </p:nvGraphicFramePr>
@@ -13089,20 +13055,20 @@
           <a:chExt cx="0" cy="0"/>
         </a:xfrm>
       </p:grpSpPr>
-      <p:pic>
-        <p:nvPicPr>
-          <p:cNvPr id="73" name="" descr=""/>
-          <p:cNvPicPr/>
-          <p:nvPr/>
-        </p:nvPicPr>
-        <p:blipFill>
-          <a:blip r:embed="rId1"/>
-          <a:stretch/>
-        </p:blipFill>
+      <p:sp>
+        <p:nvSpPr>
+          <p:cNvPr id="78" name="PlaceHolder 1"/>
+          <p:cNvSpPr>
+            <a:spLocks noGrp="1"/>
+          </p:cNvSpPr>
+          <p:nvPr>
+            <p:ph type="title"/>
+          </p:nvPr>
+        </p:nvSpPr>
         <p:spPr>
           <a:xfrm>
-            <a:off x="0" y="0"/>
-            <a:ext cx="10080000" cy="6720120"/>
+            <a:off x="504000" y="295920"/>
+            <a:ext cx="9071640" cy="1743840"/>
           </a:xfrm>
           <a:prstGeom prst="rect">
             <a:avLst/>
@@ -13112,7 +13078,203 @@
             <a:noFill/>
           </a:ln>
         </p:spPr>
-      </p:pic>
+        <p:txBody>
+          <a:bodyPr lIns="0" rIns="0" tIns="0" bIns="0" anchor="ctr">
+            <a:noAutofit/>
+          </a:bodyPr>
+          <a:p>
+            <a:pPr indent="0" algn="ctr">
+              <a:buNone/>
+            </a:pPr>
+            <a:r>
+              <a:rPr b="1" lang="en-US" sz="10560" strike="noStrike" u="none">
+                <a:solidFill>
+                  <a:srgbClr val="000000"/>
+                </a:solidFill>
+                <a:uFillTx/>
+                <a:latin typeface="IBM Plex Sans"/>
+              </a:rPr>
+              <a:t>🤗</a:t>
+            </a:r>
+            <a:endParaRPr b="0" lang="en-US" sz="10560" strike="noStrike" u="none">
+              <a:solidFill>
+                <a:srgbClr val="000000"/>
+              </a:solidFill>
+              <a:uFillTx/>
+              <a:latin typeface="IBM Plex Sans"/>
+            </a:endParaRPr>
+          </a:p>
+        </p:txBody>
+      </p:sp>
+      <p:sp>
+        <p:nvSpPr>
+          <p:cNvPr id="79" name="PlaceHolder 2"/>
+          <p:cNvSpPr>
+            <a:spLocks noGrp="1"/>
+          </p:cNvSpPr>
+          <p:nvPr>
+            <p:ph/>
+          </p:nvPr>
+        </p:nvSpPr>
+        <p:spPr>
+          <a:xfrm>
+            <a:off x="1520280" y="2466000"/>
+            <a:ext cx="7039800" cy="3288240"/>
+          </a:xfrm>
+          <a:prstGeom prst="rect">
+            <a:avLst/>
+          </a:prstGeom>
+          <a:noFill/>
+          <a:ln w="0">
+            <a:noFill/>
+          </a:ln>
+        </p:spPr>
+        <p:txBody>
+          <a:bodyPr lIns="0" rIns="0" tIns="0" bIns="0" anchor="t">
+            <a:normAutofit/>
+          </a:bodyPr>
+          <a:p>
+            <a:pPr indent="0">
+              <a:spcBef>
+                <a:spcPts val="1417"/>
+              </a:spcBef>
+              <a:buNone/>
+            </a:pPr>
+            <a:r>
+              <a:rPr b="1" lang="en-US" sz="3200" strike="noStrike" u="none">
+                <a:solidFill>
+                  <a:srgbClr val="000000"/>
+                </a:solidFill>
+                <a:uFillTx/>
+                <a:latin typeface="IBM Plex Sans"/>
+              </a:rPr>
+              <a:t>rule #1 </a:t>
+            </a:r>
+            <a:r>
+              <a:rPr b="1" lang="en-US" sz="3200" strike="noStrike" u="none">
+                <a:solidFill>
+                  <a:srgbClr val="ff0000"/>
+                </a:solidFill>
+                <a:uFillTx/>
+                <a:latin typeface="IBM Plex Sans"/>
+              </a:rPr>
+              <a:t>motivation first</a:t>
+            </a:r>
+            <a:endParaRPr b="0" lang="en-US" sz="3200" strike="noStrike" u="none">
+              <a:solidFill>
+                <a:srgbClr val="000000"/>
+              </a:solidFill>
+              <a:uFillTx/>
+              <a:latin typeface="IBM Plex Sans"/>
+            </a:endParaRPr>
+          </a:p>
+          <a:p>
+            <a:pPr indent="0">
+              <a:spcBef>
+                <a:spcPts val="1417"/>
+              </a:spcBef>
+              <a:buNone/>
+            </a:pPr>
+            <a:r>
+              <a:rPr b="1" lang="en-US" sz="3200" strike="noStrike" u="none">
+                <a:solidFill>
+                  <a:srgbClr val="000000"/>
+                </a:solidFill>
+                <a:uFillTx/>
+                <a:latin typeface="IBM Plex Sans"/>
+              </a:rPr>
+              <a:t>rule #2 </a:t>
+            </a:r>
+            <a:r>
+              <a:rPr b="1" lang="en-US" sz="3200" strike="noStrike" u="none">
+                <a:solidFill>
+                  <a:srgbClr val="2a6099"/>
+                </a:solidFill>
+                <a:uFillTx/>
+                <a:latin typeface="IBM Plex Sans"/>
+              </a:rPr>
+              <a:t>teach something portable</a:t>
+            </a:r>
+            <a:endParaRPr b="0" lang="en-US" sz="3200" strike="noStrike" u="none">
+              <a:solidFill>
+                <a:srgbClr val="000000"/>
+              </a:solidFill>
+              <a:uFillTx/>
+              <a:latin typeface="IBM Plex Sans"/>
+            </a:endParaRPr>
+          </a:p>
+          <a:p>
+            <a:pPr indent="0">
+              <a:spcBef>
+                <a:spcPts val="1417"/>
+              </a:spcBef>
+              <a:buNone/>
+            </a:pPr>
+            <a:r>
+              <a:rPr b="1" lang="en-US" sz="3200" strike="noStrike" u="none">
+                <a:solidFill>
+                  <a:srgbClr val="000000"/>
+                </a:solidFill>
+                <a:uFillTx/>
+                <a:latin typeface="IBM Plex Sans"/>
+              </a:rPr>
+              <a:t>rule #3 </a:t>
+            </a:r>
+            <a:r>
+              <a:rPr b="1" lang="en-US" sz="3200" strike="noStrike" u="none">
+                <a:solidFill>
+                  <a:srgbClr val="800080"/>
+                </a:solidFill>
+                <a:uFillTx/>
+                <a:latin typeface="IBM Plex Sans"/>
+              </a:rPr>
+              <a:t>every talk is a job talk</a:t>
+            </a:r>
+            <a:endParaRPr b="0" lang="en-US" sz="3200" strike="noStrike" u="none">
+              <a:solidFill>
+                <a:srgbClr val="000000"/>
+              </a:solidFill>
+              <a:uFillTx/>
+              <a:latin typeface="IBM Plex Sans"/>
+            </a:endParaRPr>
+          </a:p>
+          <a:p>
+            <a:pPr indent="0">
+              <a:spcBef>
+                <a:spcPts val="1417"/>
+              </a:spcBef>
+              <a:buNone/>
+            </a:pPr>
+            <a:r>
+              <a:rPr b="1" lang="en-US" sz="3200" strike="noStrike" u="none">
+                <a:solidFill>
+                  <a:srgbClr val="000000"/>
+                </a:solidFill>
+                <a:uFillTx/>
+                <a:latin typeface="IBM Plex Sans"/>
+              </a:rPr>
+              <a:t>rule #4 </a:t>
+            </a:r>
+            <a:r>
+              <a:rPr b="1" lang="en-US" sz="3200" strike="noStrike" u="none">
+                <a:solidFill>
+                  <a:srgbClr val="ff8000"/>
+                </a:solidFill>
+                <a:uFillTx/>
+                <a:latin typeface="IBM Plex Sans"/>
+              </a:rPr>
+              <a:t>rules are made to be broken</a:t>
+            </a:r>
+            <a:endParaRPr b="0" lang="en-US" sz="3200" strike="noStrike" u="none">
+              <a:solidFill>
+                <a:srgbClr val="000000"/>
+              </a:solidFill>
+              <a:uFillTx/>
+              <a:latin typeface="IBM Plex Sans"/>
+            </a:endParaRPr>
+          </a:p>
+        </p:txBody>
+      </p:sp>
     </p:spTree>
   </p:cSld>
   <mc:AlternateContent>
@@ -13262,256 +13424,6 @@
               </a:solidFill>
               <a:uFillTx/>
               <a:latin typeface="Arial"/>
-            </a:endParaRPr>
-          </a:p>
-        </p:txBody>
-      </p:sp>
-    </p:spTree>
-  </p:cSld>
-  <mc:AlternateContent>
-    <mc:Choice Requires="p14">
-      <p:transition spd="slow" p14:dur="2000"/>
-    </mc:Choice>
-    <mc:Fallback>
-      <p:transition spd="slow"/>
-    </mc:Fallback>
-  </mc:AlternateContent>
-</p:sld>
-</file>
-
-<file path=ppt/slides/slide40.xml><?xml version="1.0" encoding="utf-8"?>
-<p:sld xmlns:a="http://schemas.openxmlformats.org/drawingml/2006/main" xmlns:p="http://schemas.openxmlformats.org/presentationml/2006/main" xmlns:r="http://schemas.openxmlformats.org/officeDocument/2006/relationships" xmlns:p14="http://schemas.microsoft.com/office/powerpoint/2010/main" xmlns:p15="http://schemas.microsoft.com/office/powerpoint/2012/main" xmlns:mc="http://schemas.openxmlformats.org/markup-compatibility/2006">
-  <p:cSld>
-    <p:spTree>
-      <p:nvGrpSpPr>
-        <p:cNvPr id="1" name=""/>
-        <p:cNvGrpSpPr/>
-        <p:nvPr/>
-      </p:nvGrpSpPr>
-      <p:grpSpPr>
-        <a:xfrm>
-          <a:off x="0" y="0"/>
-          <a:ext cx="0" cy="0"/>
-          <a:chOff x="0" y="0"/>
-          <a:chExt cx="0" cy="0"/>
-        </a:xfrm>
-      </p:grpSpPr>
-      <p:sp>
-        <p:nvSpPr>
-          <p:cNvPr id="74" name="PlaceHolder 1"/>
-          <p:cNvSpPr>
-            <a:spLocks noGrp="1"/>
-          </p:cNvSpPr>
-          <p:nvPr>
-            <p:ph type="title"/>
-          </p:nvPr>
-        </p:nvSpPr>
-        <p:spPr>
-          <a:xfrm>
-            <a:off x="504000" y="295920"/>
-            <a:ext cx="9071640" cy="1743840"/>
-          </a:xfrm>
-          <a:prstGeom prst="rect">
-            <a:avLst/>
-          </a:prstGeom>
-          <a:noFill/>
-          <a:ln w="0">
-            <a:noFill/>
-          </a:ln>
-        </p:spPr>
-        <p:txBody>
-          <a:bodyPr lIns="0" rIns="0" tIns="0" bIns="0" anchor="ctr">
-            <a:noAutofit/>
-          </a:bodyPr>
-          <a:p>
-            <a:pPr indent="0" algn="ctr">
-              <a:buNone/>
-            </a:pPr>
-            <a:r>
-              <a:rPr b="1" lang="en-US" sz="10560" strike="noStrike" u="none">
-                <a:solidFill>
-                  <a:srgbClr val="000000"/>
-                </a:solidFill>
-                <a:uFillTx/>
-                <a:latin typeface="IBM Plex Sans"/>
-              </a:rPr>
-              <a:t>🤗</a:t>
-            </a:r>
-            <a:endParaRPr b="0" lang="en-US" sz="10560" strike="noStrike" u="none">
-              <a:solidFill>
-                <a:srgbClr val="000000"/>
-              </a:solidFill>
-              <a:uFillTx/>
-              <a:latin typeface="IBM Plex Sans"/>
-            </a:endParaRPr>
-          </a:p>
-        </p:txBody>
-      </p:sp>
-      <p:sp>
-        <p:nvSpPr>
-          <p:cNvPr id="75" name="PlaceHolder 2"/>
-          <p:cNvSpPr>
-            <a:spLocks noGrp="1"/>
-          </p:cNvSpPr>
-          <p:nvPr>
-            <p:ph/>
-          </p:nvPr>
-        </p:nvSpPr>
-        <p:spPr>
-          <a:xfrm>
-            <a:off x="1520280" y="2466000"/>
-            <a:ext cx="7039800" cy="3288240"/>
-          </a:xfrm>
-          <a:prstGeom prst="rect">
-            <a:avLst/>
-          </a:prstGeom>
-          <a:noFill/>
-          <a:ln w="0">
-            <a:noFill/>
-          </a:ln>
-        </p:spPr>
-        <p:txBody>
-          <a:bodyPr lIns="0" rIns="0" tIns="0" bIns="0" anchor="t">
-            <a:normAutofit/>
-          </a:bodyPr>
-          <a:p>
-            <a:pPr indent="0">
-              <a:spcBef>
-                <a:spcPts val="1417"/>
-              </a:spcBef>
-              <a:buNone/>
-            </a:pPr>
-            <a:r>
-              <a:rPr b="1" lang="en-US" sz="3200" strike="noStrike" u="none">
-                <a:solidFill>
-                  <a:srgbClr val="000000"/>
-                </a:solidFill>
-                <a:uFillTx/>
-                <a:latin typeface="IBM Plex Sans"/>
-              </a:rPr>
-              <a:t>rule #1 </a:t>
-            </a:r>
-            <a:r>
-              <a:rPr b="1" lang="en-US" sz="3200" strike="noStrike" u="none">
-                <a:solidFill>
-                  <a:srgbClr val="ff0000"/>
-                </a:solidFill>
-                <a:uFillTx/>
-                <a:latin typeface="IBM Plex Sans"/>
-              </a:rPr>
-              <a:t>motivation first</a:t>
-            </a:r>
-            <a:endParaRPr b="0" lang="en-US" sz="3200" strike="noStrike" u="none">
-              <a:solidFill>
-                <a:srgbClr val="000000"/>
-              </a:solidFill>
-              <a:uFillTx/>
-              <a:latin typeface="IBM Plex Sans"/>
-            </a:endParaRPr>
-          </a:p>
-          <a:p>
-            <a:pPr indent="0">
-              <a:spcBef>
-                <a:spcPts val="1417"/>
-              </a:spcBef>
-              <a:buNone/>
-            </a:pPr>
-            <a:r>
-              <a:rPr b="1" lang="en-US" sz="3200" strike="noStrike" u="none">
-                <a:solidFill>
-                  <a:srgbClr val="000000"/>
-                </a:solidFill>
-                <a:uFillTx/>
-                <a:latin typeface="IBM Plex Sans"/>
-              </a:rPr>
-              <a:t>rule #2 </a:t>
-            </a:r>
-            <a:r>
-              <a:rPr b="1" lang="en-US" sz="3200" strike="noStrike" u="none">
-                <a:solidFill>
-                  <a:srgbClr val="2a6099"/>
-                </a:solidFill>
-                <a:uFillTx/>
-                <a:latin typeface="IBM Plex Sans"/>
-              </a:rPr>
-              <a:t>teach something portable</a:t>
-            </a:r>
-            <a:endParaRPr b="0" lang="en-US" sz="3200" strike="noStrike" u="none">
-              <a:solidFill>
-                <a:srgbClr val="000000"/>
-              </a:solidFill>
-              <a:uFillTx/>
-              <a:latin typeface="IBM Plex Sans"/>
-            </a:endParaRPr>
-          </a:p>
-          <a:p>
-            <a:pPr indent="0">
-              <a:spcBef>
-                <a:spcPts val="1417"/>
-              </a:spcBef>
-              <a:buNone/>
-            </a:pPr>
-            <a:r>
-              <a:rPr b="1" lang="en-US" sz="3200" strike="noStrike" u="none">
-                <a:solidFill>
-                  <a:srgbClr val="000000"/>
-                </a:solidFill>
-                <a:uFillTx/>
-                <a:latin typeface="IBM Plex Sans"/>
-              </a:rPr>
-              <a:t>rule #3 </a:t>
-            </a:r>
-            <a:r>
-              <a:rPr b="1" lang="en-US" sz="3200" strike="noStrike" u="none">
-                <a:solidFill>
-                  <a:srgbClr val="800080"/>
-                </a:solidFill>
-                <a:uFillTx/>
-                <a:latin typeface="IBM Plex Sans"/>
-              </a:rPr>
-              <a:t>every talk is a job talk</a:t>
-            </a:r>
-            <a:endParaRPr b="0" lang="en-US" sz="3200" strike="noStrike" u="none">
-              <a:solidFill>
-                <a:srgbClr val="000000"/>
-              </a:solidFill>
-              <a:uFillTx/>
-              <a:latin typeface="IBM Plex Sans"/>
-            </a:endParaRPr>
-          </a:p>
-          <a:p>
-            <a:pPr indent="0">
-              <a:spcBef>
-                <a:spcPts val="1417"/>
-              </a:spcBef>
-              <a:buNone/>
-            </a:pPr>
-            <a:r>
-              <a:rPr b="1" lang="en-US" sz="3200" strike="noStrike" u="none">
-                <a:solidFill>
-                  <a:srgbClr val="000000"/>
-                </a:solidFill>
-                <a:uFillTx/>
-                <a:latin typeface="IBM Plex Sans"/>
-              </a:rPr>
-              <a:t>rule #4 </a:t>
-            </a:r>
-            <a:r>
-              <a:rPr b="1" lang="en-US" sz="3200" strike="noStrike" u="none">
-                <a:solidFill>
-                  <a:srgbClr val="ff8000"/>
-                </a:solidFill>
-                <a:uFillTx/>
-                <a:latin typeface="IBM Plex Sans"/>
-              </a:rPr>
-              <a:t>rules are made to be broken</a:t>
-            </a:r>
-            <a:endParaRPr b="0" lang="en-US" sz="3200" strike="noStrike" u="none">
-              <a:solidFill>
-                <a:srgbClr val="000000"/>
-              </a:solidFill>
-              <a:uFillTx/>
-              <a:latin typeface="IBM Plex Sans"/>
             </a:endParaRPr>
           </a:p>
         </p:txBody>
